--- a/docs/ppt-template.pptx
+++ b/docs/ppt-template.pptx
@@ -8218,7 +8218,7 @@
                     <a:srgbClr val="7F7F7F"/>
                   </a:solidFill>
                 </a:rPr>
-                <a:t>20</a:t>
+                <a:t>22</a:t>
               </a:r>
               <a:r>
                 <a:rPr sz="600" dirty="0" smtClean="0">
@@ -13548,7 +13548,7 @@
                     <a:srgbClr val="7F7F7F"/>
                   </a:solidFill>
                 </a:rPr>
-                <a:t>20</a:t>
+                <a:t>22</a:t>
               </a:r>
               <a:r>
                 <a:rPr sz="600" dirty="0" smtClean="0">
@@ -18457,7 +18457,7 @@
                     <a:srgbClr val="7F7F7F"/>
                   </a:solidFill>
                 </a:rPr>
-                <a:t>20</a:t>
+                <a:t>22</a:t>
               </a:r>
               <a:r>
                 <a:rPr sz="600" dirty="0" smtClean="0">
@@ -25500,7 +25500,7 @@
                     <a:srgbClr val="7F7F7F"/>
                   </a:solidFill>
                 </a:rPr>
-                <a:t>20</a:t>
+                <a:t>22</a:t>
               </a:r>
               <a:r>
                 <a:rPr sz="600" dirty="0" smtClean="0">
@@ -27039,7 +27039,7 @@
                     <a:srgbClr val="7F7F7F"/>
                   </a:solidFill>
                 </a:rPr>
-                <a:t>20</a:t>
+                <a:t>22</a:t>
               </a:r>
               <a:r>
                 <a:rPr sz="600" dirty="0" smtClean="0">
@@ -30065,65 +30065,6 @@
 </file>
 
 <file path=customXml/item1.xml><?xml version="1.0" encoding="utf-8"?>
-<?mso-contentType ?>
-<FormTemplates xmlns="http://schemas.microsoft.com/sharepoint/v3/contenttype/forms">
-  <Display>DocumentLibraryForm</Display>
-  <Edit>DocumentLibraryForm</Edit>
-  <New>DocumentLibraryForm</New>
-</FormTemplates>
-</file>
-
-<file path=customXml/item2.xml><?xml version="1.0" encoding="utf-8"?>
-<?mso-contentType ?>
-<spe:Receivers xmlns:spe="http://schemas.microsoft.com/sharepoint/events">
-  <Receiver>
-    <Name>Document ID Generator</Name>
-    <Synchronization>Synchronous</Synchronization>
-    <Type>10001</Type>
-    <SequenceNumber>1000</SequenceNumber>
-    <Url/>
-    <Assembly>Microsoft.Office.DocumentManagement, Version=15.0.0.0, Culture=neutral, PublicKeyToken=71e9bce111e9429c</Assembly>
-    <Class>Microsoft.Office.DocumentManagement.Internal.DocIdHandler</Class>
-    <Data/>
-    <Filter/>
-  </Receiver>
-  <Receiver>
-    <Name>Document ID Generator</Name>
-    <Synchronization>Synchronous</Synchronization>
-    <Type>10002</Type>
-    <SequenceNumber>1001</SequenceNumber>
-    <Url/>
-    <Assembly>Microsoft.Office.DocumentManagement, Version=15.0.0.0, Culture=neutral, PublicKeyToken=71e9bce111e9429c</Assembly>
-    <Class>Microsoft.Office.DocumentManagement.Internal.DocIdHandler</Class>
-    <Data/>
-    <Filter/>
-  </Receiver>
-  <Receiver>
-    <Name>Document ID Generator</Name>
-    <Synchronization>Synchronous</Synchronization>
-    <Type>10004</Type>
-    <SequenceNumber>1002</SequenceNumber>
-    <Url/>
-    <Assembly>Microsoft.Office.DocumentManagement, Version=15.0.0.0, Culture=neutral, PublicKeyToken=71e9bce111e9429c</Assembly>
-    <Class>Microsoft.Office.DocumentManagement.Internal.DocIdHandler</Class>
-    <Data/>
-    <Filter/>
-  </Receiver>
-  <Receiver>
-    <Name>Document ID Generator</Name>
-    <Synchronization>Synchronous</Synchronization>
-    <Type>10006</Type>
-    <SequenceNumber>1003</SequenceNumber>
-    <Url/>
-    <Assembly>Microsoft.Office.DocumentManagement, Version=15.0.0.0, Culture=neutral, PublicKeyToken=71e9bce111e9429c</Assembly>
-    <Class>Microsoft.Office.DocumentManagement.Internal.DocIdHandler</Class>
-    <Data/>
-    <Filter/>
-  </Receiver>
-</spe:Receivers>
-</file>
-
-<file path=customXml/item3.xml><?xml version="1.0" encoding="utf-8"?>
 <ct:contentTypeSchema xmlns:ct="http://schemas.microsoft.com/office/2006/metadata/contentType" xmlns:ma="http://schemas.microsoft.com/office/2006/metadata/properties/metaAttributes" ct:_="" ma:_="" ma:contentTypeName="Document" ma:contentTypeID="0x0101000811A1C7AD39ED4F9DE761BCC3050A39" ma:contentTypeVersion="2" ma:contentTypeDescription="Create a new document." ma:contentTypeScope="" ma:versionID="c5b662a403d8c7e6bb83650325cfaf42">
   <xsd:schema xmlns:xsd="http://www.w3.org/2001/XMLSchema" xmlns:xs="http://www.w3.org/2001/XMLSchema" xmlns:p="http://schemas.microsoft.com/office/2006/metadata/properties" xmlns:ns1="http://schemas.microsoft.com/sharepoint/v3" xmlns:ns2="09745d5e-805a-47db-bf89-ab659feb6db3" targetNamespace="http://schemas.microsoft.com/office/2006/metadata/properties" ma:root="true" ma:fieldsID="17afa3f3ad6e96a10f370d28016b8bf6" ns1:_="" ns2:_="">
     <xsd:import namespace="http://schemas.microsoft.com/sharepoint/v3"/>
@@ -30285,6 +30226,65 @@
 </ct:contentTypeSchema>
 </file>
 
+<file path=customXml/item2.xml><?xml version="1.0" encoding="utf-8"?>
+<?mso-contentType ?>
+<spe:Receivers xmlns:spe="http://schemas.microsoft.com/sharepoint/events">
+  <Receiver>
+    <Name>Document ID Generator</Name>
+    <Synchronization>Synchronous</Synchronization>
+    <Type>10001</Type>
+    <SequenceNumber>1000</SequenceNumber>
+    <Url/>
+    <Assembly>Microsoft.Office.DocumentManagement, Version=15.0.0.0, Culture=neutral, PublicKeyToken=71e9bce111e9429c</Assembly>
+    <Class>Microsoft.Office.DocumentManagement.Internal.DocIdHandler</Class>
+    <Data/>
+    <Filter/>
+  </Receiver>
+  <Receiver>
+    <Name>Document ID Generator</Name>
+    <Synchronization>Synchronous</Synchronization>
+    <Type>10002</Type>
+    <SequenceNumber>1001</SequenceNumber>
+    <Url/>
+    <Assembly>Microsoft.Office.DocumentManagement, Version=15.0.0.0, Culture=neutral, PublicKeyToken=71e9bce111e9429c</Assembly>
+    <Class>Microsoft.Office.DocumentManagement.Internal.DocIdHandler</Class>
+    <Data/>
+    <Filter/>
+  </Receiver>
+  <Receiver>
+    <Name>Document ID Generator</Name>
+    <Synchronization>Synchronous</Synchronization>
+    <Type>10004</Type>
+    <SequenceNumber>1002</SequenceNumber>
+    <Url/>
+    <Assembly>Microsoft.Office.DocumentManagement, Version=15.0.0.0, Culture=neutral, PublicKeyToken=71e9bce111e9429c</Assembly>
+    <Class>Microsoft.Office.DocumentManagement.Internal.DocIdHandler</Class>
+    <Data/>
+    <Filter/>
+  </Receiver>
+  <Receiver>
+    <Name>Document ID Generator</Name>
+    <Synchronization>Synchronous</Synchronization>
+    <Type>10006</Type>
+    <SequenceNumber>1003</SequenceNumber>
+    <Url/>
+    <Assembly>Microsoft.Office.DocumentManagement, Version=15.0.0.0, Culture=neutral, PublicKeyToken=71e9bce111e9429c</Assembly>
+    <Class>Microsoft.Office.DocumentManagement.Internal.DocIdHandler</Class>
+    <Data/>
+    <Filter/>
+  </Receiver>
+</spe:Receivers>
+</file>
+
+<file path=customXml/item3.xml><?xml version="1.0" encoding="utf-8"?>
+<?mso-contentType ?>
+<FormTemplates xmlns="http://schemas.microsoft.com/sharepoint/v3/contenttype/forms">
+  <Display>DocumentLibraryForm</Display>
+  <Edit>DocumentLibraryForm</Edit>
+  <New>DocumentLibraryForm</New>
+</FormTemplates>
+</file>
+
 <file path=customXml/item4.xml><?xml version="1.0" encoding="utf-8"?>
 <p:properties xmlns:p="http://schemas.microsoft.com/office/2006/metadata/properties" xmlns:xsi="http://www.w3.org/2001/XMLSchema-instance" xmlns:pc="http://schemas.microsoft.com/office/infopath/2007/PartnerControls">
   <documentManagement>
@@ -30300,22 +30300,6 @@
 </file>
 
 <file path=customXml/itemProps1.xml><?xml version="1.0" encoding="utf-8"?>
-<ds:datastoreItem xmlns:ds="http://schemas.openxmlformats.org/officeDocument/2006/customXml" ds:itemID="{A4F1B9B8-FFE5-477D-B1D0-34A6D05170B0}">
-  <ds:schemaRefs>
-    <ds:schemaRef ds:uri="http://schemas.microsoft.com/sharepoint/v3/contenttype/forms"/>
-  </ds:schemaRefs>
-</ds:datastoreItem>
-</file>
-
-<file path=customXml/itemProps2.xml><?xml version="1.0" encoding="utf-8"?>
-<ds:datastoreItem xmlns:ds="http://schemas.openxmlformats.org/officeDocument/2006/customXml" ds:itemID="{3C6FC473-8A72-443C-99BD-71A5915D301C}">
-  <ds:schemaRefs>
-    <ds:schemaRef ds:uri="http://schemas.microsoft.com/sharepoint/events"/>
-  </ds:schemaRefs>
-</ds:datastoreItem>
-</file>
-
-<file path=customXml/itemProps3.xml><?xml version="1.0" encoding="utf-8"?>
 <ds:datastoreItem xmlns:ds="http://schemas.openxmlformats.org/officeDocument/2006/customXml" ds:itemID="{1A7C225A-3F85-40E2-ACF8-991D75A18EBB}">
   <ds:schemaRefs>
     <ds:schemaRef ds:uri="http://schemas.microsoft.com/office/2006/metadata/contentType"/>
@@ -30330,6 +30314,22 @@
     <ds:schemaRef ds:uri="http://purl.org/dc/elements/1.1/"/>
     <ds:schemaRef ds:uri="http://purl.org/dc/terms/"/>
     <ds:schemaRef ds:uri="http://schemas.microsoft.com/internal/obd"/>
+  </ds:schemaRefs>
+</ds:datastoreItem>
+</file>
+
+<file path=customXml/itemProps2.xml><?xml version="1.0" encoding="utf-8"?>
+<ds:datastoreItem xmlns:ds="http://schemas.openxmlformats.org/officeDocument/2006/customXml" ds:itemID="{3C6FC473-8A72-443C-99BD-71A5915D301C}">
+  <ds:schemaRefs>
+    <ds:schemaRef ds:uri="http://schemas.microsoft.com/sharepoint/events"/>
+  </ds:schemaRefs>
+</ds:datastoreItem>
+</file>
+
+<file path=customXml/itemProps3.xml><?xml version="1.0" encoding="utf-8"?>
+<ds:datastoreItem xmlns:ds="http://schemas.openxmlformats.org/officeDocument/2006/customXml" ds:itemID="{A4F1B9B8-FFE5-477D-B1D0-34A6D05170B0}">
+  <ds:schemaRefs>
+    <ds:schemaRef ds:uri="http://schemas.microsoft.com/sharepoint/v3/contenttype/forms"/>
   </ds:schemaRefs>
 </ds:datastoreItem>
 </file>

--- a/docs/ppt-template.pptx
+++ b/docs/ppt-template.pptx
@@ -5,16 +5,13 @@
     <p:sldMasterId id="2147483648" r:id="rId5"/>
   </p:sldMasterIdLst>
   <p:notesMasterIdLst>
-    <p:notesMasterId r:id="rId10"/>
+    <p:notesMasterId r:id="rId7"/>
   </p:notesMasterIdLst>
   <p:handoutMasterIdLst>
-    <p:handoutMasterId r:id="rId11"/>
+    <p:handoutMasterId r:id="rId8"/>
   </p:handoutMasterIdLst>
   <p:sldIdLst>
-    <p:sldId id="262" r:id="rId6"/>
-    <p:sldId id="548" r:id="rId7"/>
-    <p:sldId id="536" r:id="rId8"/>
-    <p:sldId id="537" r:id="rId9"/>
+    <p:sldId id="537" r:id="rId6"/>
   </p:sldIdLst>
   <p:sldSz cx="12192000" cy="6858000"/>
   <p:notesSz cx="6858000" cy="9144000"/>
@@ -229,7 +226,7 @@
           <a:p>
             <a:fld id="{F444DF9A-6155-44F7-A66E-24E7A6AFA5B9}" type="datetimeFigureOut">
               <a:rPr lang="en-US" smtClean="0"/>
-              <a:t>10/31/2022</a:t>
+              <a:t>12/13/2023</a:t>
             </a:fld>
             <a:endParaRPr lang="en-US"/>
           </a:p>
@@ -621,96 +618,6 @@
     </a:lvl9pPr>
   </p:notesStyle>
 </p:notesMaster>
-</file>
-
-<file path=ppt/notesSlides/notesSlide1.xml><?xml version="1.0" encoding="utf-8"?>
-<p:notes xmlns:a="http://schemas.openxmlformats.org/drawingml/2006/main" xmlns:r="http://schemas.openxmlformats.org/officeDocument/2006/relationships" xmlns:p="http://schemas.openxmlformats.org/presentationml/2006/main">
-  <p:cSld>
-    <p:spTree>
-      <p:nvGrpSpPr>
-        <p:cNvPr id="1" name=""/>
-        <p:cNvGrpSpPr/>
-        <p:nvPr/>
-      </p:nvGrpSpPr>
-      <p:grpSpPr>
-        <a:xfrm>
-          <a:off x="0" y="0"/>
-          <a:ext cx="0" cy="0"/>
-          <a:chOff x="0" y="0"/>
-          <a:chExt cx="0" cy="0"/>
-        </a:xfrm>
-      </p:grpSpPr>
-      <p:sp>
-        <p:nvSpPr>
-          <p:cNvPr id="2" name="Slide Image Placeholder 1"/>
-          <p:cNvSpPr>
-            <a:spLocks noGrp="1" noRot="1" noChangeAspect="1"/>
-          </p:cNvSpPr>
-          <p:nvPr>
-            <p:ph type="sldImg"/>
-          </p:nvPr>
-        </p:nvSpPr>
-        <p:spPr>
-          <a:xfrm>
-            <a:off x="365125" y="395288"/>
-            <a:ext cx="3657600" cy="2057400"/>
-          </a:xfrm>
-        </p:spPr>
-      </p:sp>
-      <p:sp>
-        <p:nvSpPr>
-          <p:cNvPr id="3" name="Notes Placeholder 2"/>
-          <p:cNvSpPr>
-            <a:spLocks noGrp="1"/>
-          </p:cNvSpPr>
-          <p:nvPr>
-            <p:ph type="body" idx="1"/>
-          </p:nvPr>
-        </p:nvSpPr>
-        <p:spPr/>
-        <p:txBody>
-          <a:bodyPr/>
-          <a:lstStyle/>
-          <a:p>
-            <a:endParaRPr lang="en-US"/>
-          </a:p>
-        </p:txBody>
-      </p:sp>
-      <p:sp>
-        <p:nvSpPr>
-          <p:cNvPr id="4" name="Slide Number Placeholder 3"/>
-          <p:cNvSpPr>
-            <a:spLocks noGrp="1"/>
-          </p:cNvSpPr>
-          <p:nvPr>
-            <p:ph type="sldNum" sz="quarter" idx="5"/>
-          </p:nvPr>
-        </p:nvSpPr>
-        <p:spPr/>
-        <p:txBody>
-          <a:bodyPr/>
-          <a:lstStyle/>
-          <a:p>
-            <a:fld id="{B0CEBCF5-12EF-414A-9C81-2E98371E8B74}" type="slidenum">
-              <a:rPr lang="en-US" smtClean="0"/>
-              <a:pPr/>
-              <a:t>1</a:t>
-            </a:fld>
-            <a:endParaRPr lang="en-US"/>
-          </a:p>
-        </p:txBody>
-      </p:sp>
-    </p:spTree>
-    <p:extLst>
-      <p:ext uri="{BB962C8B-B14F-4D97-AF65-F5344CB8AC3E}">
-        <p14:creationId xmlns:p14="http://schemas.microsoft.com/office/powerpoint/2010/main" val="2792860738"/>
-      </p:ext>
-    </p:extLst>
-  </p:cSld>
-  <p:clrMapOvr>
-    <a:masterClrMapping/>
-  </p:clrMapOvr>
-</p:notes>
 </file>
 
 <file path=ppt/slideLayouts/slideLayout1.xml><?xml version="1.0" encoding="utf-8"?>
@@ -18919,7 +18826,15 @@
 
 <file path=ppt/slideLayouts/slideLayout41.xml><?xml version="1.0" encoding="utf-8"?>
 <p:sldLayout xmlns:a="http://schemas.openxmlformats.org/drawingml/2006/main" xmlns:r="http://schemas.openxmlformats.org/officeDocument/2006/relationships" xmlns:p="http://schemas.openxmlformats.org/presentationml/2006/main" showMasterSp="0">
-  <p:cSld name="Boeing Logo">
+  <p:cSld name="Boeing Logo White">
+    <p:bg>
+      <p:bgPr>
+        <a:solidFill>
+          <a:schemeClr val="accent1"/>
+        </a:solidFill>
+        <a:effectLst/>
+      </p:bgPr>
+    </p:bg>
     <p:spTree>
       <p:nvGrpSpPr>
         <p:cNvPr id="1" name=""/>
@@ -18954,7 +18869,7 @@
             <a:chExt cx="3350419" cy="762000"/>
           </a:xfrm>
           <a:solidFill>
-            <a:srgbClr val="0033A1"/>
+            <a:schemeClr val="tx1"/>
           </a:solidFill>
         </p:grpSpPr>
         <p:sp>
@@ -20570,1689 +20485,6 @@
     </p:spTree>
     <p:extLst>
       <p:ext uri="{BB962C8B-B14F-4D97-AF65-F5344CB8AC3E}">
-        <p14:creationId xmlns:p14="http://schemas.microsoft.com/office/powerpoint/2010/main" val="97760958"/>
-      </p:ext>
-    </p:extLst>
-  </p:cSld>
-  <p:clrMapOvr>
-    <a:masterClrMapping/>
-  </p:clrMapOvr>
-  <mc:AlternateContent xmlns:mc="http://schemas.openxmlformats.org/markup-compatibility/2006" xmlns:p14="http://schemas.microsoft.com/office/powerpoint/2010/main">
-    <mc:Choice Requires="p14">
-      <p:transition spd="med" p14:dur="700">
-        <p:fade/>
-      </p:transition>
-    </mc:Choice>
-    <mc:Fallback xmlns="">
-      <p:transition spd="med">
-        <p:fade/>
-      </p:transition>
-    </mc:Fallback>
-  </mc:AlternateContent>
-</p:sldLayout>
-</file>
-
-<file path=ppt/slideLayouts/slideLayout42.xml><?xml version="1.0" encoding="utf-8"?>
-<p:sldLayout xmlns:a="http://schemas.openxmlformats.org/drawingml/2006/main" xmlns:r="http://schemas.openxmlformats.org/officeDocument/2006/relationships" xmlns:p="http://schemas.openxmlformats.org/presentationml/2006/main" showMasterSp="0">
-  <p:cSld name="Boeing Logo White">
-    <p:bg>
-      <p:bgPr>
-        <a:solidFill>
-          <a:schemeClr val="accent1"/>
-        </a:solidFill>
-        <a:effectLst/>
-      </p:bgPr>
-    </p:bg>
-    <p:spTree>
-      <p:nvGrpSpPr>
-        <p:cNvPr id="1" name=""/>
-        <p:cNvGrpSpPr/>
-        <p:nvPr/>
-      </p:nvGrpSpPr>
-      <p:grpSpPr>
-        <a:xfrm>
-          <a:off x="0" y="0"/>
-          <a:ext cx="0" cy="0"/>
-          <a:chOff x="0" y="0"/>
-          <a:chExt cx="0" cy="0"/>
-        </a:xfrm>
-      </p:grpSpPr>
-      <p:grpSp>
-        <p:nvGrpSpPr>
-          <p:cNvPr id="3" name="Group 2">
-            <a:extLst>
-              <a:ext uri="{FF2B5EF4-FFF2-40B4-BE49-F238E27FC236}">
-                <a16:creationId xmlns:a16="http://schemas.microsoft.com/office/drawing/2014/main" id="{C86CD0A2-F9B6-48EA-878B-F27F41A59398}"/>
-              </a:ext>
-            </a:extLst>
-          </p:cNvPr>
-          <p:cNvGrpSpPr/>
-          <p:nvPr/>
-        </p:nvGrpSpPr>
-        <p:grpSpPr>
-          <a:xfrm>
-            <a:off x="3844521" y="2844800"/>
-            <a:ext cx="4502958" cy="1028700"/>
-            <a:chOff x="2057400" y="-1182741"/>
-            <a:chExt cx="3350419" cy="762000"/>
-          </a:xfrm>
-          <a:solidFill>
-            <a:schemeClr val="tx1"/>
-          </a:solidFill>
-        </p:grpSpPr>
-        <p:sp>
-          <p:nvSpPr>
-            <p:cNvPr id="4" name="Freeform: Shape 3">
-              <a:extLst>
-                <a:ext uri="{FF2B5EF4-FFF2-40B4-BE49-F238E27FC236}">
-                  <a16:creationId xmlns:a16="http://schemas.microsoft.com/office/drawing/2014/main" id="{E42CC258-5AE0-42B6-9284-6EEC02974487}"/>
-                </a:ext>
-              </a:extLst>
-            </p:cNvPr>
-            <p:cNvSpPr/>
-            <p:nvPr/>
-          </p:nvSpPr>
-          <p:spPr>
-            <a:xfrm>
-              <a:off x="2057400" y="-1182741"/>
-              <a:ext cx="928688" cy="762000"/>
-            </a:xfrm>
-            <a:custGeom>
-              <a:avLst/>
-              <a:gdLst>
-                <a:gd name="connsiteX0" fmla="*/ 511969 w 928687"/>
-                <a:gd name="connsiteY0" fmla="*/ 469106 h 762000"/>
-                <a:gd name="connsiteX1" fmla="*/ 538163 w 928687"/>
-                <a:gd name="connsiteY1" fmla="*/ 354806 h 762000"/>
-                <a:gd name="connsiteX2" fmla="*/ 419100 w 928687"/>
-                <a:gd name="connsiteY2" fmla="*/ 130969 h 762000"/>
-                <a:gd name="connsiteX3" fmla="*/ 559594 w 928687"/>
-                <a:gd name="connsiteY3" fmla="*/ 0 h 762000"/>
-                <a:gd name="connsiteX4" fmla="*/ 395288 w 928687"/>
-                <a:gd name="connsiteY4" fmla="*/ 116681 h 762000"/>
-                <a:gd name="connsiteX5" fmla="*/ 269081 w 928687"/>
-                <a:gd name="connsiteY5" fmla="*/ 88106 h 762000"/>
-                <a:gd name="connsiteX6" fmla="*/ 0 w 928687"/>
-                <a:gd name="connsiteY6" fmla="*/ 357188 h 762000"/>
-                <a:gd name="connsiteX7" fmla="*/ 64294 w 928687"/>
-                <a:gd name="connsiteY7" fmla="*/ 533400 h 762000"/>
-                <a:gd name="connsiteX8" fmla="*/ 50006 w 928687"/>
-                <a:gd name="connsiteY8" fmla="*/ 764381 h 762000"/>
-                <a:gd name="connsiteX9" fmla="*/ 266700 w 928687"/>
-                <a:gd name="connsiteY9" fmla="*/ 642938 h 762000"/>
-                <a:gd name="connsiteX10" fmla="*/ 114300 w 928687"/>
-                <a:gd name="connsiteY10" fmla="*/ 711994 h 762000"/>
-                <a:gd name="connsiteX11" fmla="*/ 109538 w 928687"/>
-                <a:gd name="connsiteY11" fmla="*/ 573881 h 762000"/>
-                <a:gd name="connsiteX12" fmla="*/ 269081 w 928687"/>
-                <a:gd name="connsiteY12" fmla="*/ 626269 h 762000"/>
-                <a:gd name="connsiteX13" fmla="*/ 457200 w 928687"/>
-                <a:gd name="connsiteY13" fmla="*/ 547688 h 762000"/>
-                <a:gd name="connsiteX14" fmla="*/ 466725 w 928687"/>
-                <a:gd name="connsiteY14" fmla="*/ 566738 h 762000"/>
-                <a:gd name="connsiteX15" fmla="*/ 933450 w 928687"/>
-                <a:gd name="connsiteY15" fmla="*/ 547688 h 762000"/>
-                <a:gd name="connsiteX16" fmla="*/ 511969 w 928687"/>
-                <a:gd name="connsiteY16" fmla="*/ 469106 h 762000"/>
-                <a:gd name="connsiteX17" fmla="*/ 33338 w 928687"/>
-                <a:gd name="connsiteY17" fmla="*/ 357188 h 762000"/>
-                <a:gd name="connsiteX18" fmla="*/ 269081 w 928687"/>
-                <a:gd name="connsiteY18" fmla="*/ 121444 h 762000"/>
-                <a:gd name="connsiteX19" fmla="*/ 366713 w 928687"/>
-                <a:gd name="connsiteY19" fmla="*/ 142875 h 762000"/>
-                <a:gd name="connsiteX20" fmla="*/ 80963 w 928687"/>
-                <a:gd name="connsiteY20" fmla="*/ 502444 h 762000"/>
-                <a:gd name="connsiteX21" fmla="*/ 33338 w 928687"/>
-                <a:gd name="connsiteY21" fmla="*/ 357188 h 762000"/>
-                <a:gd name="connsiteX22" fmla="*/ 269081 w 928687"/>
-                <a:gd name="connsiteY22" fmla="*/ 592931 h 762000"/>
-                <a:gd name="connsiteX23" fmla="*/ 123825 w 928687"/>
-                <a:gd name="connsiteY23" fmla="*/ 542925 h 762000"/>
-                <a:gd name="connsiteX24" fmla="*/ 395288 w 928687"/>
-                <a:gd name="connsiteY24" fmla="*/ 157163 h 762000"/>
-                <a:gd name="connsiteX25" fmla="*/ 504825 w 928687"/>
-                <a:gd name="connsiteY25" fmla="*/ 357188 h 762000"/>
-                <a:gd name="connsiteX26" fmla="*/ 483394 w 928687"/>
-                <a:gd name="connsiteY26" fmla="*/ 457200 h 762000"/>
-                <a:gd name="connsiteX27" fmla="*/ 371475 w 928687"/>
-                <a:gd name="connsiteY27" fmla="*/ 383381 h 762000"/>
-                <a:gd name="connsiteX28" fmla="*/ 442913 w 928687"/>
-                <a:gd name="connsiteY28" fmla="*/ 516731 h 762000"/>
-                <a:gd name="connsiteX29" fmla="*/ 269081 w 928687"/>
-                <a:gd name="connsiteY29" fmla="*/ 592931 h 762000"/>
-              </a:gdLst>
-              <a:ahLst/>
-              <a:cxnLst>
-                <a:cxn ang="0">
-                  <a:pos x="connsiteX0" y="connsiteY0"/>
-                </a:cxn>
-                <a:cxn ang="0">
-                  <a:pos x="connsiteX1" y="connsiteY1"/>
-                </a:cxn>
-                <a:cxn ang="0">
-                  <a:pos x="connsiteX2" y="connsiteY2"/>
-                </a:cxn>
-                <a:cxn ang="0">
-                  <a:pos x="connsiteX3" y="connsiteY3"/>
-                </a:cxn>
-                <a:cxn ang="0">
-                  <a:pos x="connsiteX4" y="connsiteY4"/>
-                </a:cxn>
-                <a:cxn ang="0">
-                  <a:pos x="connsiteX5" y="connsiteY5"/>
-                </a:cxn>
-                <a:cxn ang="0">
-                  <a:pos x="connsiteX6" y="connsiteY6"/>
-                </a:cxn>
-                <a:cxn ang="0">
-                  <a:pos x="connsiteX7" y="connsiteY7"/>
-                </a:cxn>
-                <a:cxn ang="0">
-                  <a:pos x="connsiteX8" y="connsiteY8"/>
-                </a:cxn>
-                <a:cxn ang="0">
-                  <a:pos x="connsiteX9" y="connsiteY9"/>
-                </a:cxn>
-                <a:cxn ang="0">
-                  <a:pos x="connsiteX10" y="connsiteY10"/>
-                </a:cxn>
-                <a:cxn ang="0">
-                  <a:pos x="connsiteX11" y="connsiteY11"/>
-                </a:cxn>
-                <a:cxn ang="0">
-                  <a:pos x="connsiteX12" y="connsiteY12"/>
-                </a:cxn>
-                <a:cxn ang="0">
-                  <a:pos x="connsiteX13" y="connsiteY13"/>
-                </a:cxn>
-                <a:cxn ang="0">
-                  <a:pos x="connsiteX14" y="connsiteY14"/>
-                </a:cxn>
-                <a:cxn ang="0">
-                  <a:pos x="connsiteX15" y="connsiteY15"/>
-                </a:cxn>
-                <a:cxn ang="0">
-                  <a:pos x="connsiteX16" y="connsiteY16"/>
-                </a:cxn>
-                <a:cxn ang="0">
-                  <a:pos x="connsiteX17" y="connsiteY17"/>
-                </a:cxn>
-                <a:cxn ang="0">
-                  <a:pos x="connsiteX18" y="connsiteY18"/>
-                </a:cxn>
-                <a:cxn ang="0">
-                  <a:pos x="connsiteX19" y="connsiteY19"/>
-                </a:cxn>
-                <a:cxn ang="0">
-                  <a:pos x="connsiteX20" y="connsiteY20"/>
-                </a:cxn>
-                <a:cxn ang="0">
-                  <a:pos x="connsiteX21" y="connsiteY21"/>
-                </a:cxn>
-                <a:cxn ang="0">
-                  <a:pos x="connsiteX22" y="connsiteY22"/>
-                </a:cxn>
-                <a:cxn ang="0">
-                  <a:pos x="connsiteX23" y="connsiteY23"/>
-                </a:cxn>
-                <a:cxn ang="0">
-                  <a:pos x="connsiteX24" y="connsiteY24"/>
-                </a:cxn>
-                <a:cxn ang="0">
-                  <a:pos x="connsiteX25" y="connsiteY25"/>
-                </a:cxn>
-                <a:cxn ang="0">
-                  <a:pos x="connsiteX26" y="connsiteY26"/>
-                </a:cxn>
-                <a:cxn ang="0">
-                  <a:pos x="connsiteX27" y="connsiteY27"/>
-                </a:cxn>
-                <a:cxn ang="0">
-                  <a:pos x="connsiteX28" y="connsiteY28"/>
-                </a:cxn>
-                <a:cxn ang="0">
-                  <a:pos x="connsiteX29" y="connsiteY29"/>
-                </a:cxn>
-              </a:cxnLst>
-              <a:rect l="l" t="t" r="r" b="b"/>
-              <a:pathLst>
-                <a:path w="928687" h="762000">
-                  <a:moveTo>
-                    <a:pt x="511969" y="469106"/>
-                  </a:moveTo>
-                  <a:cubicBezTo>
-                    <a:pt x="528638" y="435769"/>
-                    <a:pt x="538163" y="395288"/>
-                    <a:pt x="538163" y="354806"/>
-                  </a:cubicBezTo>
-                  <a:cubicBezTo>
-                    <a:pt x="538163" y="261937"/>
-                    <a:pt x="490538" y="178594"/>
-                    <a:pt x="419100" y="130969"/>
-                  </a:cubicBezTo>
-                  <a:cubicBezTo>
-                    <a:pt x="461963" y="85725"/>
-                    <a:pt x="509588" y="42863"/>
-                    <a:pt x="559594" y="0"/>
-                  </a:cubicBezTo>
-                  <a:cubicBezTo>
-                    <a:pt x="502444" y="33338"/>
-                    <a:pt x="447675" y="73819"/>
-                    <a:pt x="395288" y="116681"/>
-                  </a:cubicBezTo>
-                  <a:cubicBezTo>
-                    <a:pt x="357188" y="97631"/>
-                    <a:pt x="314325" y="88106"/>
-                    <a:pt x="269081" y="88106"/>
-                  </a:cubicBezTo>
-                  <a:cubicBezTo>
-                    <a:pt x="121444" y="88106"/>
-                    <a:pt x="0" y="207169"/>
-                    <a:pt x="0" y="357188"/>
-                  </a:cubicBezTo>
-                  <a:cubicBezTo>
-                    <a:pt x="0" y="423863"/>
-                    <a:pt x="23813" y="485775"/>
-                    <a:pt x="64294" y="533400"/>
-                  </a:cubicBezTo>
-                  <a:cubicBezTo>
-                    <a:pt x="11906" y="645319"/>
-                    <a:pt x="4763" y="733425"/>
-                    <a:pt x="50006" y="764381"/>
-                  </a:cubicBezTo>
-                  <a:cubicBezTo>
-                    <a:pt x="97631" y="797719"/>
-                    <a:pt x="204788" y="738188"/>
-                    <a:pt x="266700" y="642938"/>
-                  </a:cubicBezTo>
-                  <a:cubicBezTo>
-                    <a:pt x="266700" y="642938"/>
-                    <a:pt x="169069" y="731044"/>
-                    <a:pt x="114300" y="711994"/>
-                  </a:cubicBezTo>
-                  <a:cubicBezTo>
-                    <a:pt x="83344" y="695325"/>
-                    <a:pt x="83344" y="645319"/>
-                    <a:pt x="109538" y="573881"/>
-                  </a:cubicBezTo>
-                  <a:cubicBezTo>
-                    <a:pt x="154781" y="607219"/>
-                    <a:pt x="209550" y="626269"/>
-                    <a:pt x="269081" y="626269"/>
-                  </a:cubicBezTo>
-                  <a:cubicBezTo>
-                    <a:pt x="342900" y="626269"/>
-                    <a:pt x="409575" y="597694"/>
-                    <a:pt x="457200" y="547688"/>
-                  </a:cubicBezTo>
-                  <a:lnTo>
-                    <a:pt x="466725" y="566738"/>
-                  </a:lnTo>
-                  <a:cubicBezTo>
-                    <a:pt x="583406" y="557213"/>
-                    <a:pt x="933450" y="547688"/>
-                    <a:pt x="933450" y="547688"/>
-                  </a:cubicBezTo>
-                  <a:cubicBezTo>
-                    <a:pt x="933450" y="531019"/>
-                    <a:pt x="702469" y="545306"/>
-                    <a:pt x="511969" y="469106"/>
-                  </a:cubicBezTo>
-                  <a:close/>
-                  <a:moveTo>
-                    <a:pt x="33338" y="357188"/>
-                  </a:moveTo>
-                  <a:cubicBezTo>
-                    <a:pt x="33338" y="226219"/>
-                    <a:pt x="138113" y="121444"/>
-                    <a:pt x="269081" y="121444"/>
-                  </a:cubicBezTo>
-                  <a:cubicBezTo>
-                    <a:pt x="304800" y="121444"/>
-                    <a:pt x="338138" y="128588"/>
-                    <a:pt x="366713" y="142875"/>
-                  </a:cubicBezTo>
-                  <a:cubicBezTo>
-                    <a:pt x="238125" y="257175"/>
-                    <a:pt x="140494" y="388144"/>
-                    <a:pt x="80963" y="502444"/>
-                  </a:cubicBezTo>
-                  <a:cubicBezTo>
-                    <a:pt x="50006" y="459581"/>
-                    <a:pt x="33338" y="409575"/>
-                    <a:pt x="33338" y="357188"/>
-                  </a:cubicBezTo>
-                  <a:close/>
-                  <a:moveTo>
-                    <a:pt x="269081" y="592931"/>
-                  </a:moveTo>
-                  <a:cubicBezTo>
-                    <a:pt x="214313" y="592931"/>
-                    <a:pt x="161925" y="573881"/>
-                    <a:pt x="123825" y="542925"/>
-                  </a:cubicBezTo>
-                  <a:cubicBezTo>
-                    <a:pt x="171450" y="438150"/>
-                    <a:pt x="266700" y="295275"/>
-                    <a:pt x="395288" y="157163"/>
-                  </a:cubicBezTo>
-                  <a:cubicBezTo>
-                    <a:pt x="461963" y="200025"/>
-                    <a:pt x="504825" y="273844"/>
-                    <a:pt x="504825" y="357188"/>
-                  </a:cubicBezTo>
-                  <a:cubicBezTo>
-                    <a:pt x="504825" y="392906"/>
-                    <a:pt x="497681" y="426244"/>
-                    <a:pt x="483394" y="457200"/>
-                  </a:cubicBezTo>
-                  <a:cubicBezTo>
-                    <a:pt x="442913" y="438150"/>
-                    <a:pt x="402431" y="414337"/>
-                    <a:pt x="371475" y="383381"/>
-                  </a:cubicBezTo>
-                  <a:lnTo>
-                    <a:pt x="442913" y="516731"/>
-                  </a:lnTo>
-                  <a:cubicBezTo>
-                    <a:pt x="397669" y="564356"/>
-                    <a:pt x="338138" y="592931"/>
-                    <a:pt x="269081" y="592931"/>
-                  </a:cubicBezTo>
-                  <a:close/>
-                </a:path>
-              </a:pathLst>
-            </a:custGeom>
-            <a:grpFill/>
-            <a:ln w="23813" cap="flat">
-              <a:noFill/>
-              <a:prstDash val="solid"/>
-              <a:miter/>
-            </a:ln>
-          </p:spPr>
-          <p:txBody>
-            <a:bodyPr rtlCol="0" anchor="ctr"/>
-            <a:lstStyle/>
-            <a:p>
-              <a:endParaRPr/>
-            </a:p>
-          </p:txBody>
-        </p:sp>
-        <p:sp>
-          <p:nvSpPr>
-            <p:cNvPr id="5" name="Freeform: Shape 4">
-              <a:extLst>
-                <a:ext uri="{FF2B5EF4-FFF2-40B4-BE49-F238E27FC236}">
-                  <a16:creationId xmlns:a16="http://schemas.microsoft.com/office/drawing/2014/main" id="{C0FAAC80-CF9A-435C-8498-2D80A6FACC83}"/>
-                </a:ext>
-              </a:extLst>
-            </p:cNvPr>
-            <p:cNvSpPr/>
-            <p:nvPr/>
-          </p:nvSpPr>
-          <p:spPr>
-            <a:xfrm>
-              <a:off x="3783806" y="-1018435"/>
-              <a:ext cx="500063" cy="261938"/>
-            </a:xfrm>
-            <a:custGeom>
-              <a:avLst/>
-              <a:gdLst>
-                <a:gd name="connsiteX0" fmla="*/ 390525 w 500062"/>
-                <a:gd name="connsiteY0" fmla="*/ 166688 h 261937"/>
-                <a:gd name="connsiteX1" fmla="*/ 433387 w 500062"/>
-                <a:gd name="connsiteY1" fmla="*/ 109537 h 261937"/>
-                <a:gd name="connsiteX2" fmla="*/ 280988 w 500062"/>
-                <a:gd name="connsiteY2" fmla="*/ 109537 h 261937"/>
-                <a:gd name="connsiteX3" fmla="*/ 319088 w 500062"/>
-                <a:gd name="connsiteY3" fmla="*/ 59531 h 261937"/>
-                <a:gd name="connsiteX4" fmla="*/ 471488 w 500062"/>
-                <a:gd name="connsiteY4" fmla="*/ 59531 h 261937"/>
-                <a:gd name="connsiteX5" fmla="*/ 514350 w 500062"/>
-                <a:gd name="connsiteY5" fmla="*/ 0 h 261937"/>
-                <a:gd name="connsiteX6" fmla="*/ 209550 w 500062"/>
-                <a:gd name="connsiteY6" fmla="*/ 0 h 261937"/>
-                <a:gd name="connsiteX7" fmla="*/ 0 w 500062"/>
-                <a:gd name="connsiteY7" fmla="*/ 278606 h 261937"/>
-                <a:gd name="connsiteX8" fmla="*/ 304800 w 500062"/>
-                <a:gd name="connsiteY8" fmla="*/ 278606 h 261937"/>
-                <a:gd name="connsiteX9" fmla="*/ 350044 w 500062"/>
-                <a:gd name="connsiteY9" fmla="*/ 221456 h 261937"/>
-                <a:gd name="connsiteX10" fmla="*/ 197644 w 500062"/>
-                <a:gd name="connsiteY10" fmla="*/ 221456 h 261937"/>
-                <a:gd name="connsiteX11" fmla="*/ 238125 w 500062"/>
-                <a:gd name="connsiteY11" fmla="*/ 166688 h 261937"/>
-                <a:gd name="connsiteX12" fmla="*/ 390525 w 500062"/>
-                <a:gd name="connsiteY12" fmla="*/ 166688 h 261937"/>
-              </a:gdLst>
-              <a:ahLst/>
-              <a:cxnLst>
-                <a:cxn ang="0">
-                  <a:pos x="connsiteX0" y="connsiteY0"/>
-                </a:cxn>
-                <a:cxn ang="0">
-                  <a:pos x="connsiteX1" y="connsiteY1"/>
-                </a:cxn>
-                <a:cxn ang="0">
-                  <a:pos x="connsiteX2" y="connsiteY2"/>
-                </a:cxn>
-                <a:cxn ang="0">
-                  <a:pos x="connsiteX3" y="connsiteY3"/>
-                </a:cxn>
-                <a:cxn ang="0">
-                  <a:pos x="connsiteX4" y="connsiteY4"/>
-                </a:cxn>
-                <a:cxn ang="0">
-                  <a:pos x="connsiteX5" y="connsiteY5"/>
-                </a:cxn>
-                <a:cxn ang="0">
-                  <a:pos x="connsiteX6" y="connsiteY6"/>
-                </a:cxn>
-                <a:cxn ang="0">
-                  <a:pos x="connsiteX7" y="connsiteY7"/>
-                </a:cxn>
-                <a:cxn ang="0">
-                  <a:pos x="connsiteX8" y="connsiteY8"/>
-                </a:cxn>
-                <a:cxn ang="0">
-                  <a:pos x="connsiteX9" y="connsiteY9"/>
-                </a:cxn>
-                <a:cxn ang="0">
-                  <a:pos x="connsiteX10" y="connsiteY10"/>
-                </a:cxn>
-                <a:cxn ang="0">
-                  <a:pos x="connsiteX11" y="connsiteY11"/>
-                </a:cxn>
-                <a:cxn ang="0">
-                  <a:pos x="connsiteX12" y="connsiteY12"/>
-                </a:cxn>
-              </a:cxnLst>
-              <a:rect l="l" t="t" r="r" b="b"/>
-              <a:pathLst>
-                <a:path w="500062" h="261937">
-                  <a:moveTo>
-                    <a:pt x="390525" y="166688"/>
-                  </a:moveTo>
-                  <a:lnTo>
-                    <a:pt x="433387" y="109537"/>
-                  </a:lnTo>
-                  <a:lnTo>
-                    <a:pt x="280988" y="109537"/>
-                  </a:lnTo>
-                  <a:lnTo>
-                    <a:pt x="319088" y="59531"/>
-                  </a:lnTo>
-                  <a:lnTo>
-                    <a:pt x="471488" y="59531"/>
-                  </a:lnTo>
-                  <a:lnTo>
-                    <a:pt x="514350" y="0"/>
-                  </a:lnTo>
-                  <a:lnTo>
-                    <a:pt x="209550" y="0"/>
-                  </a:lnTo>
-                  <a:lnTo>
-                    <a:pt x="0" y="278606"/>
-                  </a:lnTo>
-                  <a:lnTo>
-                    <a:pt x="304800" y="278606"/>
-                  </a:lnTo>
-                  <a:lnTo>
-                    <a:pt x="350044" y="221456"/>
-                  </a:lnTo>
-                  <a:lnTo>
-                    <a:pt x="197644" y="221456"/>
-                  </a:lnTo>
-                  <a:lnTo>
-                    <a:pt x="238125" y="166688"/>
-                  </a:lnTo>
-                  <a:lnTo>
-                    <a:pt x="390525" y="166688"/>
-                  </a:lnTo>
-                  <a:close/>
-                </a:path>
-              </a:pathLst>
-            </a:custGeom>
-            <a:grpFill/>
-            <a:ln w="23813" cap="flat">
-              <a:noFill/>
-              <a:prstDash val="solid"/>
-              <a:miter/>
-            </a:ln>
-          </p:spPr>
-          <p:txBody>
-            <a:bodyPr rtlCol="0" anchor="ctr"/>
-            <a:lstStyle/>
-            <a:p>
-              <a:endParaRPr/>
-            </a:p>
-          </p:txBody>
-        </p:sp>
-        <p:sp>
-          <p:nvSpPr>
-            <p:cNvPr id="7" name="Freeform: Shape 6">
-              <a:extLst>
-                <a:ext uri="{FF2B5EF4-FFF2-40B4-BE49-F238E27FC236}">
-                  <a16:creationId xmlns:a16="http://schemas.microsoft.com/office/drawing/2014/main" id="{2CF2147A-836D-4480-A72C-A9BE82C72822}"/>
-                </a:ext>
-              </a:extLst>
-            </p:cNvPr>
-            <p:cNvSpPr/>
-            <p:nvPr/>
-          </p:nvSpPr>
-          <p:spPr>
-            <a:xfrm>
-              <a:off x="4176713" y="-1018435"/>
-              <a:ext cx="357188" cy="261938"/>
-            </a:xfrm>
-            <a:custGeom>
-              <a:avLst/>
-              <a:gdLst>
-                <a:gd name="connsiteX0" fmla="*/ 209550 w 357187"/>
-                <a:gd name="connsiteY0" fmla="*/ 0 h 261937"/>
-                <a:gd name="connsiteX1" fmla="*/ 0 w 357187"/>
-                <a:gd name="connsiteY1" fmla="*/ 278606 h 261937"/>
-                <a:gd name="connsiteX2" fmla="*/ 150019 w 357187"/>
-                <a:gd name="connsiteY2" fmla="*/ 278606 h 261937"/>
-                <a:gd name="connsiteX3" fmla="*/ 359569 w 357187"/>
-                <a:gd name="connsiteY3" fmla="*/ 0 h 261937"/>
-                <a:gd name="connsiteX4" fmla="*/ 209550 w 357187"/>
-                <a:gd name="connsiteY4" fmla="*/ 0 h 261937"/>
-              </a:gdLst>
-              <a:ahLst/>
-              <a:cxnLst>
-                <a:cxn ang="0">
-                  <a:pos x="connsiteX0" y="connsiteY0"/>
-                </a:cxn>
-                <a:cxn ang="0">
-                  <a:pos x="connsiteX1" y="connsiteY1"/>
-                </a:cxn>
-                <a:cxn ang="0">
-                  <a:pos x="connsiteX2" y="connsiteY2"/>
-                </a:cxn>
-                <a:cxn ang="0">
-                  <a:pos x="connsiteX3" y="connsiteY3"/>
-                </a:cxn>
-                <a:cxn ang="0">
-                  <a:pos x="connsiteX4" y="connsiteY4"/>
-                </a:cxn>
-              </a:cxnLst>
-              <a:rect l="l" t="t" r="r" b="b"/>
-              <a:pathLst>
-                <a:path w="357187" h="261937">
-                  <a:moveTo>
-                    <a:pt x="209550" y="0"/>
-                  </a:moveTo>
-                  <a:lnTo>
-                    <a:pt x="0" y="278606"/>
-                  </a:lnTo>
-                  <a:lnTo>
-                    <a:pt x="150019" y="278606"/>
-                  </a:lnTo>
-                  <a:lnTo>
-                    <a:pt x="359569" y="0"/>
-                  </a:lnTo>
-                  <a:lnTo>
-                    <a:pt x="209550" y="0"/>
-                  </a:lnTo>
-                  <a:close/>
-                </a:path>
-              </a:pathLst>
-            </a:custGeom>
-            <a:grpFill/>
-            <a:ln w="23813" cap="flat">
-              <a:noFill/>
-              <a:prstDash val="solid"/>
-              <a:miter/>
-            </a:ln>
-          </p:spPr>
-          <p:txBody>
-            <a:bodyPr rtlCol="0" anchor="ctr"/>
-            <a:lstStyle/>
-            <a:p>
-              <a:endParaRPr/>
-            </a:p>
-          </p:txBody>
-        </p:sp>
-        <p:sp>
-          <p:nvSpPr>
-            <p:cNvPr id="8" name="Freeform: Shape 7">
-              <a:extLst>
-                <a:ext uri="{FF2B5EF4-FFF2-40B4-BE49-F238E27FC236}">
-                  <a16:creationId xmlns:a16="http://schemas.microsoft.com/office/drawing/2014/main" id="{33D5C632-B84F-4AB5-AF72-4866F643BC0F}"/>
-                </a:ext>
-              </a:extLst>
-            </p:cNvPr>
-            <p:cNvSpPr/>
-            <p:nvPr/>
-          </p:nvSpPr>
-          <p:spPr>
-            <a:xfrm>
-              <a:off x="4424363" y="-1018435"/>
-              <a:ext cx="547688" cy="261938"/>
-            </a:xfrm>
-            <a:custGeom>
-              <a:avLst/>
-              <a:gdLst>
-                <a:gd name="connsiteX0" fmla="*/ 466725 w 547687"/>
-                <a:gd name="connsiteY0" fmla="*/ 0 h 261937"/>
-                <a:gd name="connsiteX1" fmla="*/ 361950 w 547687"/>
-                <a:gd name="connsiteY1" fmla="*/ 142875 h 261937"/>
-                <a:gd name="connsiteX2" fmla="*/ 328612 w 547687"/>
-                <a:gd name="connsiteY2" fmla="*/ 0 h 261937"/>
-                <a:gd name="connsiteX3" fmla="*/ 209550 w 547687"/>
-                <a:gd name="connsiteY3" fmla="*/ 0 h 261937"/>
-                <a:gd name="connsiteX4" fmla="*/ 0 w 547687"/>
-                <a:gd name="connsiteY4" fmla="*/ 278606 h 261937"/>
-                <a:gd name="connsiteX5" fmla="*/ 100012 w 547687"/>
-                <a:gd name="connsiteY5" fmla="*/ 278606 h 261937"/>
-                <a:gd name="connsiteX6" fmla="*/ 204787 w 547687"/>
-                <a:gd name="connsiteY6" fmla="*/ 140494 h 261937"/>
-                <a:gd name="connsiteX7" fmla="*/ 238125 w 547687"/>
-                <a:gd name="connsiteY7" fmla="*/ 278606 h 261937"/>
-                <a:gd name="connsiteX8" fmla="*/ 357188 w 547687"/>
-                <a:gd name="connsiteY8" fmla="*/ 278606 h 261937"/>
-                <a:gd name="connsiteX9" fmla="*/ 566737 w 547687"/>
-                <a:gd name="connsiteY9" fmla="*/ 0 h 261937"/>
-                <a:gd name="connsiteX10" fmla="*/ 466725 w 547687"/>
-                <a:gd name="connsiteY10" fmla="*/ 0 h 261937"/>
-              </a:gdLst>
-              <a:ahLst/>
-              <a:cxnLst>
-                <a:cxn ang="0">
-                  <a:pos x="connsiteX0" y="connsiteY0"/>
-                </a:cxn>
-                <a:cxn ang="0">
-                  <a:pos x="connsiteX1" y="connsiteY1"/>
-                </a:cxn>
-                <a:cxn ang="0">
-                  <a:pos x="connsiteX2" y="connsiteY2"/>
-                </a:cxn>
-                <a:cxn ang="0">
-                  <a:pos x="connsiteX3" y="connsiteY3"/>
-                </a:cxn>
-                <a:cxn ang="0">
-                  <a:pos x="connsiteX4" y="connsiteY4"/>
-                </a:cxn>
-                <a:cxn ang="0">
-                  <a:pos x="connsiteX5" y="connsiteY5"/>
-                </a:cxn>
-                <a:cxn ang="0">
-                  <a:pos x="connsiteX6" y="connsiteY6"/>
-                </a:cxn>
-                <a:cxn ang="0">
-                  <a:pos x="connsiteX7" y="connsiteY7"/>
-                </a:cxn>
-                <a:cxn ang="0">
-                  <a:pos x="connsiteX8" y="connsiteY8"/>
-                </a:cxn>
-                <a:cxn ang="0">
-                  <a:pos x="connsiteX9" y="connsiteY9"/>
-                </a:cxn>
-                <a:cxn ang="0">
-                  <a:pos x="connsiteX10" y="connsiteY10"/>
-                </a:cxn>
-              </a:cxnLst>
-              <a:rect l="l" t="t" r="r" b="b"/>
-              <a:pathLst>
-                <a:path w="547687" h="261937">
-                  <a:moveTo>
-                    <a:pt x="466725" y="0"/>
-                  </a:moveTo>
-                  <a:lnTo>
-                    <a:pt x="361950" y="142875"/>
-                  </a:lnTo>
-                  <a:lnTo>
-                    <a:pt x="328612" y="0"/>
-                  </a:lnTo>
-                  <a:lnTo>
-                    <a:pt x="209550" y="0"/>
-                  </a:lnTo>
-                  <a:lnTo>
-                    <a:pt x="0" y="278606"/>
-                  </a:lnTo>
-                  <a:lnTo>
-                    <a:pt x="100012" y="278606"/>
-                  </a:lnTo>
-                  <a:lnTo>
-                    <a:pt x="204787" y="140494"/>
-                  </a:lnTo>
-                  <a:lnTo>
-                    <a:pt x="238125" y="278606"/>
-                  </a:lnTo>
-                  <a:lnTo>
-                    <a:pt x="357188" y="278606"/>
-                  </a:lnTo>
-                  <a:lnTo>
-                    <a:pt x="566737" y="0"/>
-                  </a:lnTo>
-                  <a:lnTo>
-                    <a:pt x="466725" y="0"/>
-                  </a:lnTo>
-                  <a:close/>
-                </a:path>
-              </a:pathLst>
-            </a:custGeom>
-            <a:grpFill/>
-            <a:ln w="23813" cap="flat">
-              <a:noFill/>
-              <a:prstDash val="solid"/>
-              <a:miter/>
-            </a:ln>
-          </p:spPr>
-          <p:txBody>
-            <a:bodyPr rtlCol="0" anchor="ctr"/>
-            <a:lstStyle/>
-            <a:p>
-              <a:endParaRPr/>
-            </a:p>
-          </p:txBody>
-        </p:sp>
-        <p:sp>
-          <p:nvSpPr>
-            <p:cNvPr id="9" name="Freeform: Shape 8">
-              <a:extLst>
-                <a:ext uri="{FF2B5EF4-FFF2-40B4-BE49-F238E27FC236}">
-                  <a16:creationId xmlns:a16="http://schemas.microsoft.com/office/drawing/2014/main" id="{BB981C35-A6AB-45BA-BA17-0EF811746E0B}"/>
-                </a:ext>
-              </a:extLst>
-            </p:cNvPr>
-            <p:cNvSpPr/>
-            <p:nvPr/>
-          </p:nvSpPr>
-          <p:spPr>
-            <a:xfrm>
-              <a:off x="4907756" y="-1018435"/>
-              <a:ext cx="500063" cy="261938"/>
-            </a:xfrm>
-            <a:custGeom>
-              <a:avLst/>
-              <a:gdLst>
-                <a:gd name="connsiteX0" fmla="*/ 481012 w 500062"/>
-                <a:gd name="connsiteY0" fmla="*/ 0 h 261937"/>
-                <a:gd name="connsiteX1" fmla="*/ 235744 w 500062"/>
-                <a:gd name="connsiteY1" fmla="*/ 0 h 261937"/>
-                <a:gd name="connsiteX2" fmla="*/ 133350 w 500062"/>
-                <a:gd name="connsiteY2" fmla="*/ 50006 h 261937"/>
-                <a:gd name="connsiteX3" fmla="*/ 7144 w 500062"/>
-                <a:gd name="connsiteY3" fmla="*/ 216694 h 261937"/>
-                <a:gd name="connsiteX4" fmla="*/ 0 w 500062"/>
-                <a:gd name="connsiteY4" fmla="*/ 238125 h 261937"/>
-                <a:gd name="connsiteX5" fmla="*/ 38100 w 500062"/>
-                <a:gd name="connsiteY5" fmla="*/ 276225 h 261937"/>
-                <a:gd name="connsiteX6" fmla="*/ 283369 w 500062"/>
-                <a:gd name="connsiteY6" fmla="*/ 276225 h 261937"/>
-                <a:gd name="connsiteX7" fmla="*/ 385762 w 500062"/>
-                <a:gd name="connsiteY7" fmla="*/ 226219 h 261937"/>
-                <a:gd name="connsiteX8" fmla="*/ 416719 w 500062"/>
-                <a:gd name="connsiteY8" fmla="*/ 185738 h 261937"/>
-                <a:gd name="connsiteX9" fmla="*/ 452438 w 500062"/>
-                <a:gd name="connsiteY9" fmla="*/ 185738 h 261937"/>
-                <a:gd name="connsiteX10" fmla="*/ 497681 w 500062"/>
-                <a:gd name="connsiteY10" fmla="*/ 126206 h 261937"/>
-                <a:gd name="connsiteX11" fmla="*/ 309563 w 500062"/>
-                <a:gd name="connsiteY11" fmla="*/ 126206 h 261937"/>
-                <a:gd name="connsiteX12" fmla="*/ 250031 w 500062"/>
-                <a:gd name="connsiteY12" fmla="*/ 204787 h 261937"/>
-                <a:gd name="connsiteX13" fmla="*/ 223838 w 500062"/>
-                <a:gd name="connsiteY13" fmla="*/ 219075 h 261937"/>
-                <a:gd name="connsiteX14" fmla="*/ 180975 w 500062"/>
-                <a:gd name="connsiteY14" fmla="*/ 219075 h 261937"/>
-                <a:gd name="connsiteX15" fmla="*/ 171450 w 500062"/>
-                <a:gd name="connsiteY15" fmla="*/ 209550 h 261937"/>
-                <a:gd name="connsiteX16" fmla="*/ 173831 w 500062"/>
-                <a:gd name="connsiteY16" fmla="*/ 204787 h 261937"/>
-                <a:gd name="connsiteX17" fmla="*/ 273844 w 500062"/>
-                <a:gd name="connsiteY17" fmla="*/ 71438 h 261937"/>
-                <a:gd name="connsiteX18" fmla="*/ 300038 w 500062"/>
-                <a:gd name="connsiteY18" fmla="*/ 57150 h 261937"/>
-                <a:gd name="connsiteX19" fmla="*/ 342900 w 500062"/>
-                <a:gd name="connsiteY19" fmla="*/ 57150 h 261937"/>
-                <a:gd name="connsiteX20" fmla="*/ 352425 w 500062"/>
-                <a:gd name="connsiteY20" fmla="*/ 66675 h 261937"/>
-                <a:gd name="connsiteX21" fmla="*/ 350044 w 500062"/>
-                <a:gd name="connsiteY21" fmla="*/ 71438 h 261937"/>
-                <a:gd name="connsiteX22" fmla="*/ 333375 w 500062"/>
-                <a:gd name="connsiteY22" fmla="*/ 92869 h 261937"/>
-                <a:gd name="connsiteX23" fmla="*/ 485775 w 500062"/>
-                <a:gd name="connsiteY23" fmla="*/ 92869 h 261937"/>
-                <a:gd name="connsiteX24" fmla="*/ 511969 w 500062"/>
-                <a:gd name="connsiteY24" fmla="*/ 57150 h 261937"/>
-                <a:gd name="connsiteX25" fmla="*/ 519113 w 500062"/>
-                <a:gd name="connsiteY25" fmla="*/ 35719 h 261937"/>
-                <a:gd name="connsiteX26" fmla="*/ 481012 w 500062"/>
-                <a:gd name="connsiteY26" fmla="*/ 0 h 261937"/>
-                <a:gd name="connsiteX27" fmla="*/ 481012 w 500062"/>
-                <a:gd name="connsiteY27" fmla="*/ 0 h 261937"/>
-              </a:gdLst>
-              <a:ahLst/>
-              <a:cxnLst>
-                <a:cxn ang="0">
-                  <a:pos x="connsiteX0" y="connsiteY0"/>
-                </a:cxn>
-                <a:cxn ang="0">
-                  <a:pos x="connsiteX1" y="connsiteY1"/>
-                </a:cxn>
-                <a:cxn ang="0">
-                  <a:pos x="connsiteX2" y="connsiteY2"/>
-                </a:cxn>
-                <a:cxn ang="0">
-                  <a:pos x="connsiteX3" y="connsiteY3"/>
-                </a:cxn>
-                <a:cxn ang="0">
-                  <a:pos x="connsiteX4" y="connsiteY4"/>
-                </a:cxn>
-                <a:cxn ang="0">
-                  <a:pos x="connsiteX5" y="connsiteY5"/>
-                </a:cxn>
-                <a:cxn ang="0">
-                  <a:pos x="connsiteX6" y="connsiteY6"/>
-                </a:cxn>
-                <a:cxn ang="0">
-                  <a:pos x="connsiteX7" y="connsiteY7"/>
-                </a:cxn>
-                <a:cxn ang="0">
-                  <a:pos x="connsiteX8" y="connsiteY8"/>
-                </a:cxn>
-                <a:cxn ang="0">
-                  <a:pos x="connsiteX9" y="connsiteY9"/>
-                </a:cxn>
-                <a:cxn ang="0">
-                  <a:pos x="connsiteX10" y="connsiteY10"/>
-                </a:cxn>
-                <a:cxn ang="0">
-                  <a:pos x="connsiteX11" y="connsiteY11"/>
-                </a:cxn>
-                <a:cxn ang="0">
-                  <a:pos x="connsiteX12" y="connsiteY12"/>
-                </a:cxn>
-                <a:cxn ang="0">
-                  <a:pos x="connsiteX13" y="connsiteY13"/>
-                </a:cxn>
-                <a:cxn ang="0">
-                  <a:pos x="connsiteX14" y="connsiteY14"/>
-                </a:cxn>
-                <a:cxn ang="0">
-                  <a:pos x="connsiteX15" y="connsiteY15"/>
-                </a:cxn>
-                <a:cxn ang="0">
-                  <a:pos x="connsiteX16" y="connsiteY16"/>
-                </a:cxn>
-                <a:cxn ang="0">
-                  <a:pos x="connsiteX17" y="connsiteY17"/>
-                </a:cxn>
-                <a:cxn ang="0">
-                  <a:pos x="connsiteX18" y="connsiteY18"/>
-                </a:cxn>
-                <a:cxn ang="0">
-                  <a:pos x="connsiteX19" y="connsiteY19"/>
-                </a:cxn>
-                <a:cxn ang="0">
-                  <a:pos x="connsiteX20" y="connsiteY20"/>
-                </a:cxn>
-                <a:cxn ang="0">
-                  <a:pos x="connsiteX21" y="connsiteY21"/>
-                </a:cxn>
-                <a:cxn ang="0">
-                  <a:pos x="connsiteX22" y="connsiteY22"/>
-                </a:cxn>
-                <a:cxn ang="0">
-                  <a:pos x="connsiteX23" y="connsiteY23"/>
-                </a:cxn>
-                <a:cxn ang="0">
-                  <a:pos x="connsiteX24" y="connsiteY24"/>
-                </a:cxn>
-                <a:cxn ang="0">
-                  <a:pos x="connsiteX25" y="connsiteY25"/>
-                </a:cxn>
-                <a:cxn ang="0">
-                  <a:pos x="connsiteX26" y="connsiteY26"/>
-                </a:cxn>
-                <a:cxn ang="0">
-                  <a:pos x="connsiteX27" y="connsiteY27"/>
-                </a:cxn>
-              </a:cxnLst>
-              <a:rect l="l" t="t" r="r" b="b"/>
-              <a:pathLst>
-                <a:path w="500062" h="261937">
-                  <a:moveTo>
-                    <a:pt x="481012" y="0"/>
-                  </a:moveTo>
-                  <a:lnTo>
-                    <a:pt x="235744" y="0"/>
-                  </a:lnTo>
-                  <a:cubicBezTo>
-                    <a:pt x="192881" y="0"/>
-                    <a:pt x="157163" y="19050"/>
-                    <a:pt x="133350" y="50006"/>
-                  </a:cubicBezTo>
-                  <a:lnTo>
-                    <a:pt x="7144" y="216694"/>
-                  </a:lnTo>
-                  <a:cubicBezTo>
-                    <a:pt x="2381" y="223838"/>
-                    <a:pt x="0" y="230981"/>
-                    <a:pt x="0" y="238125"/>
-                  </a:cubicBezTo>
-                  <a:cubicBezTo>
-                    <a:pt x="0" y="259556"/>
-                    <a:pt x="16669" y="276225"/>
-                    <a:pt x="38100" y="276225"/>
-                  </a:cubicBezTo>
-                  <a:lnTo>
-                    <a:pt x="283369" y="276225"/>
-                  </a:lnTo>
-                  <a:cubicBezTo>
-                    <a:pt x="326231" y="276225"/>
-                    <a:pt x="361950" y="257175"/>
-                    <a:pt x="385762" y="226219"/>
-                  </a:cubicBezTo>
-                  <a:lnTo>
-                    <a:pt x="416719" y="185738"/>
-                  </a:lnTo>
-                  <a:lnTo>
-                    <a:pt x="452438" y="185738"/>
-                  </a:lnTo>
-                  <a:lnTo>
-                    <a:pt x="497681" y="126206"/>
-                  </a:lnTo>
-                  <a:lnTo>
-                    <a:pt x="309563" y="126206"/>
-                  </a:lnTo>
-                  <a:lnTo>
-                    <a:pt x="250031" y="204787"/>
-                  </a:lnTo>
-                  <a:cubicBezTo>
-                    <a:pt x="242887" y="211931"/>
-                    <a:pt x="233363" y="219075"/>
-                    <a:pt x="223838" y="219075"/>
-                  </a:cubicBezTo>
-                  <a:lnTo>
-                    <a:pt x="180975" y="219075"/>
-                  </a:lnTo>
-                  <a:cubicBezTo>
-                    <a:pt x="176213" y="219075"/>
-                    <a:pt x="171450" y="214313"/>
-                    <a:pt x="171450" y="209550"/>
-                  </a:cubicBezTo>
-                  <a:cubicBezTo>
-                    <a:pt x="171450" y="207169"/>
-                    <a:pt x="171450" y="204787"/>
-                    <a:pt x="173831" y="204787"/>
-                  </a:cubicBezTo>
-                  <a:lnTo>
-                    <a:pt x="273844" y="71438"/>
-                  </a:lnTo>
-                  <a:cubicBezTo>
-                    <a:pt x="280988" y="64294"/>
-                    <a:pt x="290512" y="57150"/>
-                    <a:pt x="300038" y="57150"/>
-                  </a:cubicBezTo>
-                  <a:lnTo>
-                    <a:pt x="342900" y="57150"/>
-                  </a:lnTo>
-                  <a:cubicBezTo>
-                    <a:pt x="347663" y="57150"/>
-                    <a:pt x="352425" y="61912"/>
-                    <a:pt x="352425" y="66675"/>
-                  </a:cubicBezTo>
-                  <a:cubicBezTo>
-                    <a:pt x="352425" y="69056"/>
-                    <a:pt x="352425" y="71438"/>
-                    <a:pt x="350044" y="71438"/>
-                  </a:cubicBezTo>
-                  <a:lnTo>
-                    <a:pt x="333375" y="92869"/>
-                  </a:lnTo>
-                  <a:lnTo>
-                    <a:pt x="485775" y="92869"/>
-                  </a:lnTo>
-                  <a:lnTo>
-                    <a:pt x="511969" y="57150"/>
-                  </a:lnTo>
-                  <a:cubicBezTo>
-                    <a:pt x="516731" y="50006"/>
-                    <a:pt x="519113" y="42863"/>
-                    <a:pt x="519113" y="35719"/>
-                  </a:cubicBezTo>
-                  <a:cubicBezTo>
-                    <a:pt x="519113" y="16669"/>
-                    <a:pt x="502444" y="0"/>
-                    <a:pt x="481012" y="0"/>
-                  </a:cubicBezTo>
-                  <a:lnTo>
-                    <a:pt x="481012" y="0"/>
-                  </a:lnTo>
-                  <a:close/>
-                </a:path>
-              </a:pathLst>
-            </a:custGeom>
-            <a:grpFill/>
-            <a:ln w="23813" cap="flat">
-              <a:noFill/>
-              <a:prstDash val="solid"/>
-              <a:miter/>
-            </a:ln>
-          </p:spPr>
-          <p:txBody>
-            <a:bodyPr rtlCol="0" anchor="ctr"/>
-            <a:lstStyle/>
-            <a:p>
-              <a:endParaRPr/>
-            </a:p>
-          </p:txBody>
-        </p:sp>
-        <p:sp>
-          <p:nvSpPr>
-            <p:cNvPr id="10" name="Freeform: Shape 9">
-              <a:extLst>
-                <a:ext uri="{FF2B5EF4-FFF2-40B4-BE49-F238E27FC236}">
-                  <a16:creationId xmlns:a16="http://schemas.microsoft.com/office/drawing/2014/main" id="{CDD77E21-F80E-4FC1-8DE2-4B545FD9C006}"/>
-                </a:ext>
-              </a:extLst>
-            </p:cNvPr>
-            <p:cNvSpPr/>
-            <p:nvPr/>
-          </p:nvSpPr>
-          <p:spPr>
-            <a:xfrm>
-              <a:off x="3352800" y="-1018435"/>
-              <a:ext cx="500063" cy="261938"/>
-            </a:xfrm>
-            <a:custGeom>
-              <a:avLst/>
-              <a:gdLst>
-                <a:gd name="connsiteX0" fmla="*/ 516731 w 500062"/>
-                <a:gd name="connsiteY0" fmla="*/ 38100 h 261937"/>
-                <a:gd name="connsiteX1" fmla="*/ 478631 w 500062"/>
-                <a:gd name="connsiteY1" fmla="*/ 0 h 261937"/>
-                <a:gd name="connsiteX2" fmla="*/ 235744 w 500062"/>
-                <a:gd name="connsiteY2" fmla="*/ 0 h 261937"/>
-                <a:gd name="connsiteX3" fmla="*/ 133350 w 500062"/>
-                <a:gd name="connsiteY3" fmla="*/ 52387 h 261937"/>
-                <a:gd name="connsiteX4" fmla="*/ 7144 w 500062"/>
-                <a:gd name="connsiteY4" fmla="*/ 219075 h 261937"/>
-                <a:gd name="connsiteX5" fmla="*/ 0 w 500062"/>
-                <a:gd name="connsiteY5" fmla="*/ 240506 h 261937"/>
-                <a:gd name="connsiteX6" fmla="*/ 38100 w 500062"/>
-                <a:gd name="connsiteY6" fmla="*/ 278606 h 261937"/>
-                <a:gd name="connsiteX7" fmla="*/ 283369 w 500062"/>
-                <a:gd name="connsiteY7" fmla="*/ 278606 h 261937"/>
-                <a:gd name="connsiteX8" fmla="*/ 385762 w 500062"/>
-                <a:gd name="connsiteY8" fmla="*/ 228600 h 261937"/>
-                <a:gd name="connsiteX9" fmla="*/ 511969 w 500062"/>
-                <a:gd name="connsiteY9" fmla="*/ 61912 h 261937"/>
-                <a:gd name="connsiteX10" fmla="*/ 516731 w 500062"/>
-                <a:gd name="connsiteY10" fmla="*/ 38100 h 261937"/>
-                <a:gd name="connsiteX11" fmla="*/ 516731 w 500062"/>
-                <a:gd name="connsiteY11" fmla="*/ 38100 h 261937"/>
-                <a:gd name="connsiteX12" fmla="*/ 347662 w 500062"/>
-                <a:gd name="connsiteY12" fmla="*/ 73819 h 261937"/>
-                <a:gd name="connsiteX13" fmla="*/ 247650 w 500062"/>
-                <a:gd name="connsiteY13" fmla="*/ 207169 h 261937"/>
-                <a:gd name="connsiteX14" fmla="*/ 221456 w 500062"/>
-                <a:gd name="connsiteY14" fmla="*/ 221456 h 261937"/>
-                <a:gd name="connsiteX15" fmla="*/ 178594 w 500062"/>
-                <a:gd name="connsiteY15" fmla="*/ 221456 h 261937"/>
-                <a:gd name="connsiteX16" fmla="*/ 169069 w 500062"/>
-                <a:gd name="connsiteY16" fmla="*/ 211931 h 261937"/>
-                <a:gd name="connsiteX17" fmla="*/ 171450 w 500062"/>
-                <a:gd name="connsiteY17" fmla="*/ 207169 h 261937"/>
-                <a:gd name="connsiteX18" fmla="*/ 271463 w 500062"/>
-                <a:gd name="connsiteY18" fmla="*/ 73819 h 261937"/>
-                <a:gd name="connsiteX19" fmla="*/ 297656 w 500062"/>
-                <a:gd name="connsiteY19" fmla="*/ 59531 h 261937"/>
-                <a:gd name="connsiteX20" fmla="*/ 340519 w 500062"/>
-                <a:gd name="connsiteY20" fmla="*/ 59531 h 261937"/>
-                <a:gd name="connsiteX21" fmla="*/ 350044 w 500062"/>
-                <a:gd name="connsiteY21" fmla="*/ 69056 h 261937"/>
-                <a:gd name="connsiteX22" fmla="*/ 347662 w 500062"/>
-                <a:gd name="connsiteY22" fmla="*/ 73819 h 261937"/>
-                <a:gd name="connsiteX23" fmla="*/ 347662 w 500062"/>
-                <a:gd name="connsiteY23" fmla="*/ 73819 h 261937"/>
-              </a:gdLst>
-              <a:ahLst/>
-              <a:cxnLst>
-                <a:cxn ang="0">
-                  <a:pos x="connsiteX0" y="connsiteY0"/>
-                </a:cxn>
-                <a:cxn ang="0">
-                  <a:pos x="connsiteX1" y="connsiteY1"/>
-                </a:cxn>
-                <a:cxn ang="0">
-                  <a:pos x="connsiteX2" y="connsiteY2"/>
-                </a:cxn>
-                <a:cxn ang="0">
-                  <a:pos x="connsiteX3" y="connsiteY3"/>
-                </a:cxn>
-                <a:cxn ang="0">
-                  <a:pos x="connsiteX4" y="connsiteY4"/>
-                </a:cxn>
-                <a:cxn ang="0">
-                  <a:pos x="connsiteX5" y="connsiteY5"/>
-                </a:cxn>
-                <a:cxn ang="0">
-                  <a:pos x="connsiteX6" y="connsiteY6"/>
-                </a:cxn>
-                <a:cxn ang="0">
-                  <a:pos x="connsiteX7" y="connsiteY7"/>
-                </a:cxn>
-                <a:cxn ang="0">
-                  <a:pos x="connsiteX8" y="connsiteY8"/>
-                </a:cxn>
-                <a:cxn ang="0">
-                  <a:pos x="connsiteX9" y="connsiteY9"/>
-                </a:cxn>
-                <a:cxn ang="0">
-                  <a:pos x="connsiteX10" y="connsiteY10"/>
-                </a:cxn>
-                <a:cxn ang="0">
-                  <a:pos x="connsiteX11" y="connsiteY11"/>
-                </a:cxn>
-                <a:cxn ang="0">
-                  <a:pos x="connsiteX12" y="connsiteY12"/>
-                </a:cxn>
-                <a:cxn ang="0">
-                  <a:pos x="connsiteX13" y="connsiteY13"/>
-                </a:cxn>
-                <a:cxn ang="0">
-                  <a:pos x="connsiteX14" y="connsiteY14"/>
-                </a:cxn>
-                <a:cxn ang="0">
-                  <a:pos x="connsiteX15" y="connsiteY15"/>
-                </a:cxn>
-                <a:cxn ang="0">
-                  <a:pos x="connsiteX16" y="connsiteY16"/>
-                </a:cxn>
-                <a:cxn ang="0">
-                  <a:pos x="connsiteX17" y="connsiteY17"/>
-                </a:cxn>
-                <a:cxn ang="0">
-                  <a:pos x="connsiteX18" y="connsiteY18"/>
-                </a:cxn>
-                <a:cxn ang="0">
-                  <a:pos x="connsiteX19" y="connsiteY19"/>
-                </a:cxn>
-                <a:cxn ang="0">
-                  <a:pos x="connsiteX20" y="connsiteY20"/>
-                </a:cxn>
-                <a:cxn ang="0">
-                  <a:pos x="connsiteX21" y="connsiteY21"/>
-                </a:cxn>
-                <a:cxn ang="0">
-                  <a:pos x="connsiteX22" y="connsiteY22"/>
-                </a:cxn>
-                <a:cxn ang="0">
-                  <a:pos x="connsiteX23" y="connsiteY23"/>
-                </a:cxn>
-              </a:cxnLst>
-              <a:rect l="l" t="t" r="r" b="b"/>
-              <a:pathLst>
-                <a:path w="500062" h="261937">
-                  <a:moveTo>
-                    <a:pt x="516731" y="38100"/>
-                  </a:moveTo>
-                  <a:cubicBezTo>
-                    <a:pt x="516731" y="16669"/>
-                    <a:pt x="500063" y="0"/>
-                    <a:pt x="478631" y="0"/>
-                  </a:cubicBezTo>
-                  <a:lnTo>
-                    <a:pt x="235744" y="0"/>
-                  </a:lnTo>
-                  <a:cubicBezTo>
-                    <a:pt x="192881" y="0"/>
-                    <a:pt x="157162" y="21431"/>
-                    <a:pt x="133350" y="52387"/>
-                  </a:cubicBezTo>
-                  <a:lnTo>
-                    <a:pt x="7144" y="219075"/>
-                  </a:lnTo>
-                  <a:cubicBezTo>
-                    <a:pt x="2381" y="226219"/>
-                    <a:pt x="0" y="233363"/>
-                    <a:pt x="0" y="240506"/>
-                  </a:cubicBezTo>
-                  <a:cubicBezTo>
-                    <a:pt x="0" y="261937"/>
-                    <a:pt x="16669" y="278606"/>
-                    <a:pt x="38100" y="278606"/>
-                  </a:cubicBezTo>
-                  <a:lnTo>
-                    <a:pt x="283369" y="278606"/>
-                  </a:lnTo>
-                  <a:cubicBezTo>
-                    <a:pt x="326231" y="278606"/>
-                    <a:pt x="361950" y="259556"/>
-                    <a:pt x="385762" y="228600"/>
-                  </a:cubicBezTo>
-                  <a:lnTo>
-                    <a:pt x="511969" y="61912"/>
-                  </a:lnTo>
-                  <a:cubicBezTo>
-                    <a:pt x="514350" y="54769"/>
-                    <a:pt x="516731" y="47625"/>
-                    <a:pt x="516731" y="38100"/>
-                  </a:cubicBezTo>
-                  <a:lnTo>
-                    <a:pt x="516731" y="38100"/>
-                  </a:lnTo>
-                  <a:close/>
-                  <a:moveTo>
-                    <a:pt x="347662" y="73819"/>
-                  </a:moveTo>
-                  <a:lnTo>
-                    <a:pt x="247650" y="207169"/>
-                  </a:lnTo>
-                  <a:cubicBezTo>
-                    <a:pt x="240506" y="214313"/>
-                    <a:pt x="230981" y="221456"/>
-                    <a:pt x="221456" y="221456"/>
-                  </a:cubicBezTo>
-                  <a:lnTo>
-                    <a:pt x="178594" y="221456"/>
-                  </a:lnTo>
-                  <a:cubicBezTo>
-                    <a:pt x="173831" y="221456"/>
-                    <a:pt x="169069" y="216694"/>
-                    <a:pt x="169069" y="211931"/>
-                  </a:cubicBezTo>
-                  <a:cubicBezTo>
-                    <a:pt x="169069" y="209550"/>
-                    <a:pt x="169069" y="207169"/>
-                    <a:pt x="171450" y="207169"/>
-                  </a:cubicBezTo>
-                  <a:lnTo>
-                    <a:pt x="271463" y="73819"/>
-                  </a:lnTo>
-                  <a:cubicBezTo>
-                    <a:pt x="278606" y="66675"/>
-                    <a:pt x="288131" y="59531"/>
-                    <a:pt x="297656" y="59531"/>
-                  </a:cubicBezTo>
-                  <a:lnTo>
-                    <a:pt x="340519" y="59531"/>
-                  </a:lnTo>
-                  <a:cubicBezTo>
-                    <a:pt x="345281" y="59531"/>
-                    <a:pt x="350044" y="64294"/>
-                    <a:pt x="350044" y="69056"/>
-                  </a:cubicBezTo>
-                  <a:cubicBezTo>
-                    <a:pt x="350044" y="71438"/>
-                    <a:pt x="347662" y="73819"/>
-                    <a:pt x="347662" y="73819"/>
-                  </a:cubicBezTo>
-                  <a:lnTo>
-                    <a:pt x="347662" y="73819"/>
-                  </a:lnTo>
-                  <a:close/>
-                </a:path>
-              </a:pathLst>
-            </a:custGeom>
-            <a:grpFill/>
-            <a:ln w="23813" cap="flat">
-              <a:noFill/>
-              <a:prstDash val="solid"/>
-              <a:miter/>
-            </a:ln>
-          </p:spPr>
-          <p:txBody>
-            <a:bodyPr rtlCol="0" anchor="ctr"/>
-            <a:lstStyle/>
-            <a:p>
-              <a:endParaRPr/>
-            </a:p>
-          </p:txBody>
-        </p:sp>
-        <p:sp>
-          <p:nvSpPr>
-            <p:cNvPr id="11" name="Freeform: Shape 10">
-              <a:extLst>
-                <a:ext uri="{FF2B5EF4-FFF2-40B4-BE49-F238E27FC236}">
-                  <a16:creationId xmlns:a16="http://schemas.microsoft.com/office/drawing/2014/main" id="{082C4821-62DE-4F98-B5EC-3B3DC9315DE3}"/>
-                </a:ext>
-              </a:extLst>
-            </p:cNvPr>
-            <p:cNvSpPr/>
-            <p:nvPr/>
-          </p:nvSpPr>
-          <p:spPr>
-            <a:xfrm>
-              <a:off x="2847975" y="-1016054"/>
-              <a:ext cx="547688" cy="261938"/>
-            </a:xfrm>
-            <a:custGeom>
-              <a:avLst/>
-              <a:gdLst>
-                <a:gd name="connsiteX0" fmla="*/ 447675 w 547687"/>
-                <a:gd name="connsiteY0" fmla="*/ 145256 h 261937"/>
-                <a:gd name="connsiteX1" fmla="*/ 521494 w 547687"/>
-                <a:gd name="connsiteY1" fmla="*/ 97631 h 261937"/>
-                <a:gd name="connsiteX2" fmla="*/ 550069 w 547687"/>
-                <a:gd name="connsiteY2" fmla="*/ 59531 h 261937"/>
-                <a:gd name="connsiteX3" fmla="*/ 557212 w 547687"/>
-                <a:gd name="connsiteY3" fmla="*/ 38100 h 261937"/>
-                <a:gd name="connsiteX4" fmla="*/ 519112 w 547687"/>
-                <a:gd name="connsiteY4" fmla="*/ 0 h 261937"/>
-                <a:gd name="connsiteX5" fmla="*/ 361950 w 547687"/>
-                <a:gd name="connsiteY5" fmla="*/ 0 h 261937"/>
-                <a:gd name="connsiteX6" fmla="*/ 361950 w 547687"/>
-                <a:gd name="connsiteY6" fmla="*/ 0 h 261937"/>
-                <a:gd name="connsiteX7" fmla="*/ 209550 w 547687"/>
-                <a:gd name="connsiteY7" fmla="*/ 0 h 261937"/>
-                <a:gd name="connsiteX8" fmla="*/ 0 w 547687"/>
-                <a:gd name="connsiteY8" fmla="*/ 278606 h 261937"/>
-                <a:gd name="connsiteX9" fmla="*/ 150019 w 547687"/>
-                <a:gd name="connsiteY9" fmla="*/ 278606 h 261937"/>
-                <a:gd name="connsiteX10" fmla="*/ 319087 w 547687"/>
-                <a:gd name="connsiteY10" fmla="*/ 278606 h 261937"/>
-                <a:gd name="connsiteX11" fmla="*/ 421481 w 547687"/>
-                <a:gd name="connsiteY11" fmla="*/ 228600 h 261937"/>
-                <a:gd name="connsiteX12" fmla="*/ 450056 w 547687"/>
-                <a:gd name="connsiteY12" fmla="*/ 190500 h 261937"/>
-                <a:gd name="connsiteX13" fmla="*/ 454819 w 547687"/>
-                <a:gd name="connsiteY13" fmla="*/ 171450 h 261937"/>
-                <a:gd name="connsiteX14" fmla="*/ 447675 w 547687"/>
-                <a:gd name="connsiteY14" fmla="*/ 145256 h 261937"/>
-                <a:gd name="connsiteX15" fmla="*/ 447675 w 547687"/>
-                <a:gd name="connsiteY15" fmla="*/ 145256 h 261937"/>
-                <a:gd name="connsiteX16" fmla="*/ 307181 w 547687"/>
-                <a:gd name="connsiteY16" fmla="*/ 180975 h 261937"/>
-                <a:gd name="connsiteX17" fmla="*/ 288131 w 547687"/>
-                <a:gd name="connsiteY17" fmla="*/ 204788 h 261937"/>
-                <a:gd name="connsiteX18" fmla="*/ 261938 w 547687"/>
-                <a:gd name="connsiteY18" fmla="*/ 219075 h 261937"/>
-                <a:gd name="connsiteX19" fmla="*/ 200025 w 547687"/>
-                <a:gd name="connsiteY19" fmla="*/ 219075 h 261937"/>
-                <a:gd name="connsiteX20" fmla="*/ 240506 w 547687"/>
-                <a:gd name="connsiteY20" fmla="*/ 164306 h 261937"/>
-                <a:gd name="connsiteX21" fmla="*/ 300037 w 547687"/>
-                <a:gd name="connsiteY21" fmla="*/ 164306 h 261937"/>
-                <a:gd name="connsiteX22" fmla="*/ 309563 w 547687"/>
-                <a:gd name="connsiteY22" fmla="*/ 173831 h 261937"/>
-                <a:gd name="connsiteX23" fmla="*/ 307181 w 547687"/>
-                <a:gd name="connsiteY23" fmla="*/ 180975 h 261937"/>
-                <a:gd name="connsiteX24" fmla="*/ 307181 w 547687"/>
-                <a:gd name="connsiteY24" fmla="*/ 180975 h 261937"/>
-                <a:gd name="connsiteX25" fmla="*/ 388144 w 547687"/>
-                <a:gd name="connsiteY25" fmla="*/ 71437 h 261937"/>
-                <a:gd name="connsiteX26" fmla="*/ 371475 w 547687"/>
-                <a:gd name="connsiteY26" fmla="*/ 92869 h 261937"/>
-                <a:gd name="connsiteX27" fmla="*/ 345281 w 547687"/>
-                <a:gd name="connsiteY27" fmla="*/ 107156 h 261937"/>
-                <a:gd name="connsiteX28" fmla="*/ 283369 w 547687"/>
-                <a:gd name="connsiteY28" fmla="*/ 107156 h 261937"/>
-                <a:gd name="connsiteX29" fmla="*/ 321469 w 547687"/>
-                <a:gd name="connsiteY29" fmla="*/ 57150 h 261937"/>
-                <a:gd name="connsiteX30" fmla="*/ 381000 w 547687"/>
-                <a:gd name="connsiteY30" fmla="*/ 57150 h 261937"/>
-                <a:gd name="connsiteX31" fmla="*/ 390525 w 547687"/>
-                <a:gd name="connsiteY31" fmla="*/ 66675 h 261937"/>
-                <a:gd name="connsiteX32" fmla="*/ 388144 w 547687"/>
-                <a:gd name="connsiteY32" fmla="*/ 71437 h 261937"/>
-                <a:gd name="connsiteX33" fmla="*/ 388144 w 547687"/>
-                <a:gd name="connsiteY33" fmla="*/ 71437 h 261937"/>
-              </a:gdLst>
-              <a:ahLst/>
-              <a:cxnLst>
-                <a:cxn ang="0">
-                  <a:pos x="connsiteX0" y="connsiteY0"/>
-                </a:cxn>
-                <a:cxn ang="0">
-                  <a:pos x="connsiteX1" y="connsiteY1"/>
-                </a:cxn>
-                <a:cxn ang="0">
-                  <a:pos x="connsiteX2" y="connsiteY2"/>
-                </a:cxn>
-                <a:cxn ang="0">
-                  <a:pos x="connsiteX3" y="connsiteY3"/>
-                </a:cxn>
-                <a:cxn ang="0">
-                  <a:pos x="connsiteX4" y="connsiteY4"/>
-                </a:cxn>
-                <a:cxn ang="0">
-                  <a:pos x="connsiteX5" y="connsiteY5"/>
-                </a:cxn>
-                <a:cxn ang="0">
-                  <a:pos x="connsiteX6" y="connsiteY6"/>
-                </a:cxn>
-                <a:cxn ang="0">
-                  <a:pos x="connsiteX7" y="connsiteY7"/>
-                </a:cxn>
-                <a:cxn ang="0">
-                  <a:pos x="connsiteX8" y="connsiteY8"/>
-                </a:cxn>
-                <a:cxn ang="0">
-                  <a:pos x="connsiteX9" y="connsiteY9"/>
-                </a:cxn>
-                <a:cxn ang="0">
-                  <a:pos x="connsiteX10" y="connsiteY10"/>
-                </a:cxn>
-                <a:cxn ang="0">
-                  <a:pos x="connsiteX11" y="connsiteY11"/>
-                </a:cxn>
-                <a:cxn ang="0">
-                  <a:pos x="connsiteX12" y="connsiteY12"/>
-                </a:cxn>
-                <a:cxn ang="0">
-                  <a:pos x="connsiteX13" y="connsiteY13"/>
-                </a:cxn>
-                <a:cxn ang="0">
-                  <a:pos x="connsiteX14" y="connsiteY14"/>
-                </a:cxn>
-                <a:cxn ang="0">
-                  <a:pos x="connsiteX15" y="connsiteY15"/>
-                </a:cxn>
-                <a:cxn ang="0">
-                  <a:pos x="connsiteX16" y="connsiteY16"/>
-                </a:cxn>
-                <a:cxn ang="0">
-                  <a:pos x="connsiteX17" y="connsiteY17"/>
-                </a:cxn>
-                <a:cxn ang="0">
-                  <a:pos x="connsiteX18" y="connsiteY18"/>
-                </a:cxn>
-                <a:cxn ang="0">
-                  <a:pos x="connsiteX19" y="connsiteY19"/>
-                </a:cxn>
-                <a:cxn ang="0">
-                  <a:pos x="connsiteX20" y="connsiteY20"/>
-                </a:cxn>
-                <a:cxn ang="0">
-                  <a:pos x="connsiteX21" y="connsiteY21"/>
-                </a:cxn>
-                <a:cxn ang="0">
-                  <a:pos x="connsiteX22" y="connsiteY22"/>
-                </a:cxn>
-                <a:cxn ang="0">
-                  <a:pos x="connsiteX23" y="connsiteY23"/>
-                </a:cxn>
-                <a:cxn ang="0">
-                  <a:pos x="connsiteX24" y="connsiteY24"/>
-                </a:cxn>
-                <a:cxn ang="0">
-                  <a:pos x="connsiteX25" y="connsiteY25"/>
-                </a:cxn>
-                <a:cxn ang="0">
-                  <a:pos x="connsiteX26" y="connsiteY26"/>
-                </a:cxn>
-                <a:cxn ang="0">
-                  <a:pos x="connsiteX27" y="connsiteY27"/>
-                </a:cxn>
-                <a:cxn ang="0">
-                  <a:pos x="connsiteX28" y="connsiteY28"/>
-                </a:cxn>
-                <a:cxn ang="0">
-                  <a:pos x="connsiteX29" y="connsiteY29"/>
-                </a:cxn>
-                <a:cxn ang="0">
-                  <a:pos x="connsiteX30" y="connsiteY30"/>
-                </a:cxn>
-                <a:cxn ang="0">
-                  <a:pos x="connsiteX31" y="connsiteY31"/>
-                </a:cxn>
-                <a:cxn ang="0">
-                  <a:pos x="connsiteX32" y="connsiteY32"/>
-                </a:cxn>
-                <a:cxn ang="0">
-                  <a:pos x="connsiteX33" y="connsiteY33"/>
-                </a:cxn>
-              </a:cxnLst>
-              <a:rect l="l" t="t" r="r" b="b"/>
-              <a:pathLst>
-                <a:path w="547687" h="261937">
-                  <a:moveTo>
-                    <a:pt x="447675" y="145256"/>
-                  </a:moveTo>
-                  <a:cubicBezTo>
-                    <a:pt x="478631" y="138113"/>
-                    <a:pt x="502444" y="121444"/>
-                    <a:pt x="521494" y="97631"/>
-                  </a:cubicBezTo>
-                  <a:lnTo>
-                    <a:pt x="550069" y="59531"/>
-                  </a:lnTo>
-                  <a:cubicBezTo>
-                    <a:pt x="554831" y="52388"/>
-                    <a:pt x="557212" y="45244"/>
-                    <a:pt x="557212" y="38100"/>
-                  </a:cubicBezTo>
-                  <a:cubicBezTo>
-                    <a:pt x="557212" y="16669"/>
-                    <a:pt x="540544" y="0"/>
-                    <a:pt x="519112" y="0"/>
-                  </a:cubicBezTo>
-                  <a:lnTo>
-                    <a:pt x="361950" y="0"/>
-                  </a:lnTo>
-                  <a:lnTo>
-                    <a:pt x="361950" y="0"/>
-                  </a:lnTo>
-                  <a:lnTo>
-                    <a:pt x="209550" y="0"/>
-                  </a:lnTo>
-                  <a:lnTo>
-                    <a:pt x="0" y="278606"/>
-                  </a:lnTo>
-                  <a:lnTo>
-                    <a:pt x="150019" y="278606"/>
-                  </a:lnTo>
-                  <a:lnTo>
-                    <a:pt x="319087" y="278606"/>
-                  </a:lnTo>
-                  <a:cubicBezTo>
-                    <a:pt x="361950" y="278606"/>
-                    <a:pt x="397669" y="259556"/>
-                    <a:pt x="421481" y="228600"/>
-                  </a:cubicBezTo>
-                  <a:lnTo>
-                    <a:pt x="450056" y="190500"/>
-                  </a:lnTo>
-                  <a:cubicBezTo>
-                    <a:pt x="454819" y="185738"/>
-                    <a:pt x="454819" y="178594"/>
-                    <a:pt x="454819" y="171450"/>
-                  </a:cubicBezTo>
-                  <a:cubicBezTo>
-                    <a:pt x="459581" y="159544"/>
-                    <a:pt x="454819" y="150019"/>
-                    <a:pt x="447675" y="145256"/>
-                  </a:cubicBezTo>
-                  <a:lnTo>
-                    <a:pt x="447675" y="145256"/>
-                  </a:lnTo>
-                  <a:close/>
-                  <a:moveTo>
-                    <a:pt x="307181" y="180975"/>
-                  </a:moveTo>
-                  <a:lnTo>
-                    <a:pt x="288131" y="204788"/>
-                  </a:lnTo>
-                  <a:cubicBezTo>
-                    <a:pt x="280987" y="211931"/>
-                    <a:pt x="271462" y="219075"/>
-                    <a:pt x="261938" y="219075"/>
-                  </a:cubicBezTo>
-                  <a:lnTo>
-                    <a:pt x="200025" y="219075"/>
-                  </a:lnTo>
-                  <a:lnTo>
-                    <a:pt x="240506" y="164306"/>
-                  </a:lnTo>
-                  <a:lnTo>
-                    <a:pt x="300037" y="164306"/>
-                  </a:lnTo>
-                  <a:cubicBezTo>
-                    <a:pt x="304800" y="164306"/>
-                    <a:pt x="309563" y="169069"/>
-                    <a:pt x="309563" y="173831"/>
-                  </a:cubicBezTo>
-                  <a:cubicBezTo>
-                    <a:pt x="307181" y="176213"/>
-                    <a:pt x="307181" y="178594"/>
-                    <a:pt x="307181" y="180975"/>
-                  </a:cubicBezTo>
-                  <a:lnTo>
-                    <a:pt x="307181" y="180975"/>
-                  </a:lnTo>
-                  <a:close/>
-                  <a:moveTo>
-                    <a:pt x="388144" y="71437"/>
-                  </a:moveTo>
-                  <a:lnTo>
-                    <a:pt x="371475" y="92869"/>
-                  </a:lnTo>
-                  <a:cubicBezTo>
-                    <a:pt x="364331" y="100013"/>
-                    <a:pt x="354806" y="107156"/>
-                    <a:pt x="345281" y="107156"/>
-                  </a:cubicBezTo>
-                  <a:lnTo>
-                    <a:pt x="283369" y="107156"/>
-                  </a:lnTo>
-                  <a:lnTo>
-                    <a:pt x="321469" y="57150"/>
-                  </a:lnTo>
-                  <a:lnTo>
-                    <a:pt x="381000" y="57150"/>
-                  </a:lnTo>
-                  <a:cubicBezTo>
-                    <a:pt x="385763" y="57150"/>
-                    <a:pt x="390525" y="61912"/>
-                    <a:pt x="390525" y="66675"/>
-                  </a:cubicBezTo>
-                  <a:cubicBezTo>
-                    <a:pt x="390525" y="69056"/>
-                    <a:pt x="388144" y="71437"/>
-                    <a:pt x="388144" y="71437"/>
-                  </a:cubicBezTo>
-                  <a:lnTo>
-                    <a:pt x="388144" y="71437"/>
-                  </a:lnTo>
-                  <a:close/>
-                </a:path>
-              </a:pathLst>
-            </a:custGeom>
-            <a:grpFill/>
-            <a:ln w="23813" cap="flat">
-              <a:noFill/>
-              <a:prstDash val="solid"/>
-              <a:miter/>
-            </a:ln>
-          </p:spPr>
-          <p:txBody>
-            <a:bodyPr rtlCol="0" anchor="ctr"/>
-            <a:lstStyle/>
-            <a:p>
-              <a:endParaRPr/>
-            </a:p>
-          </p:txBody>
-        </p:sp>
-      </p:grpSp>
-    </p:spTree>
-    <p:extLst>
-      <p:ext uri="{BB962C8B-B14F-4D97-AF65-F5344CB8AC3E}">
         <p14:creationId xmlns:p14="http://schemas.microsoft.com/office/powerpoint/2010/main" val="717064140"/>
       </p:ext>
     </p:extLst>
@@ -22461,7 +20693,7 @@
           <a:p>
             <a:fld id="{DEE5FB3D-2EE1-48AE-97E4-85DCA1113532}" type="datetimeFigureOut">
               <a:rPr lang="en-US"/>
-              <a:t>10/31/2022</a:t>
+              <a:t>12/13/2023</a:t>
             </a:fld>
             <a:endParaRPr/>
           </a:p>
@@ -25679,8 +23911,7 @@
     <p:sldLayoutId id="2147483748" r:id="rId38"/>
     <p:sldLayoutId id="2147483749" r:id="rId39"/>
     <p:sldLayoutId id="2147483750" r:id="rId40"/>
-    <p:sldLayoutId id="2147483731" r:id="rId41"/>
-    <p:sldLayoutId id="2147483732" r:id="rId42"/>
+    <p:sldLayoutId id="2147483732" r:id="rId41"/>
   </p:sldLayoutIdLst>
   <mc:AlternateContent xmlns:mc="http://schemas.openxmlformats.org/markup-compatibility/2006" xmlns:p14="http://schemas.microsoft.com/office/powerpoint/2010/main">
     <mc:Choice Requires="p14">
@@ -26084,2898 +24315,6 @@
 </file>
 
 <file path=ppt/slides/slide1.xml><?xml version="1.0" encoding="utf-8"?>
-<p:sld xmlns:a="http://schemas.openxmlformats.org/drawingml/2006/main" xmlns:r="http://schemas.openxmlformats.org/officeDocument/2006/relationships" xmlns:p="http://schemas.openxmlformats.org/presentationml/2006/main">
-  <p:cSld>
-    <p:bg>
-      <p:bgPr>
-        <a:blipFill dpi="0" rotWithShape="1">
-          <a:blip r:embed="rId3">
-            <a:lum/>
-          </a:blip>
-          <a:srcRect/>
-          <a:stretch>
-            <a:fillRect/>
-          </a:stretch>
-        </a:blipFill>
-        <a:effectLst/>
-      </p:bgPr>
-    </p:bg>
-    <p:spTree>
-      <p:nvGrpSpPr>
-        <p:cNvPr id="1" name=""/>
-        <p:cNvGrpSpPr/>
-        <p:nvPr/>
-      </p:nvGrpSpPr>
-      <p:grpSpPr>
-        <a:xfrm>
-          <a:off x="0" y="0"/>
-          <a:ext cx="0" cy="0"/>
-          <a:chOff x="0" y="0"/>
-          <a:chExt cx="0" cy="0"/>
-        </a:xfrm>
-      </p:grpSpPr>
-      <p:sp>
-        <p:nvSpPr>
-          <p:cNvPr id="4" name="Picture Placeholder 3"/>
-          <p:cNvSpPr>
-            <a:spLocks noGrp="1"/>
-          </p:cNvSpPr>
-          <p:nvPr>
-            <p:ph type="pic" sz="quarter" idx="13"/>
-          </p:nvPr>
-        </p:nvSpPr>
-        <p:spPr/>
-      </p:sp>
-      <p:pic>
-        <p:nvPicPr>
-          <p:cNvPr id="22" name="Picture Placeholder 1"/>
-          <p:cNvPicPr>
-            <a:picLocks noChangeAspect="1"/>
-          </p:cNvPicPr>
-          <p:nvPr/>
-        </p:nvPicPr>
-        <p:blipFill rotWithShape="1">
-          <a:blip r:embed="rId4">
-            <a:extLst>
-              <a:ext uri="{28A0092B-C50C-407E-A947-70E740481C1C}">
-                <a14:useLocalDpi xmlns:a14="http://schemas.microsoft.com/office/drawing/2010/main" val="0"/>
-              </a:ext>
-            </a:extLst>
-          </a:blip>
-          <a:srcRect l="1292" t="1" r="644" b="1599"/>
-          <a:stretch/>
-        </p:blipFill>
-        <p:spPr bwMode="ltGray">
-          <a:xfrm>
-            <a:off x="0" y="1"/>
-            <a:ext cx="12199333" cy="6858000"/>
-          </a:xfrm>
-          <a:prstGeom prst="rect">
-            <a:avLst/>
-          </a:prstGeom>
-          <a:solidFill>
-            <a:srgbClr val="D3EAF5"/>
-          </a:solidFill>
-        </p:spPr>
-      </p:pic>
-      <p:sp>
-        <p:nvSpPr>
-          <p:cNvPr id="23" name="Rectangle 22">
-            <a:extLst>
-              <a:ext uri="{FF2B5EF4-FFF2-40B4-BE49-F238E27FC236}">
-                <a16:creationId xmlns:a16="http://schemas.microsoft.com/office/drawing/2014/main" id="{F8CA6F16-A823-4828-8EB1-B9DB9A2B3881}"/>
-              </a:ext>
-            </a:extLst>
-          </p:cNvPr>
-          <p:cNvSpPr/>
-          <p:nvPr/>
-        </p:nvSpPr>
-        <p:spPr>
-          <a:xfrm>
-            <a:off x="0" y="4800600"/>
-            <a:ext cx="12192000" cy="2057400"/>
-          </a:xfrm>
-          <a:prstGeom prst="rect">
-            <a:avLst/>
-          </a:prstGeom>
-          <a:gradFill>
-            <a:gsLst>
-              <a:gs pos="1000">
-                <a:srgbClr val="FFFFFF"/>
-              </a:gs>
-              <a:gs pos="99000">
-                <a:srgbClr val="FFFFFF">
-                  <a:alpha val="70000"/>
-                </a:srgbClr>
-              </a:gs>
-            </a:gsLst>
-            <a:lin ang="5400000" scaled="1"/>
-          </a:gradFill>
-          <a:ln>
-            <a:noFill/>
-          </a:ln>
-        </p:spPr>
-        <p:style>
-          <a:lnRef idx="2">
-            <a:schemeClr val="accent1">
-              <a:shade val="50000"/>
-            </a:schemeClr>
-          </a:lnRef>
-          <a:fillRef idx="1">
-            <a:schemeClr val="accent1"/>
-          </a:fillRef>
-          <a:effectRef idx="0">
-            <a:schemeClr val="accent1"/>
-          </a:effectRef>
-          <a:fontRef idx="minor">
-            <a:schemeClr val="lt1"/>
-          </a:fontRef>
-        </p:style>
-        <p:txBody>
-          <a:bodyPr rtlCol="0" anchor="ctr"/>
-          <a:lstStyle/>
-          <a:p>
-            <a:pPr algn="ctr"/>
-            <a:endParaRPr>
-              <a:solidFill>
-                <a:prstClr val="white"/>
-              </a:solidFill>
-            </a:endParaRPr>
-          </a:p>
-        </p:txBody>
-      </p:sp>
-      <p:sp>
-        <p:nvSpPr>
-          <p:cNvPr id="24" name="Rectangle 23">
-            <a:extLst>
-              <a:ext uri="{FF2B5EF4-FFF2-40B4-BE49-F238E27FC236}">
-                <a16:creationId xmlns:a16="http://schemas.microsoft.com/office/drawing/2014/main" id="{4CFCD943-A385-4AC4-9009-6E45DCC4F4C2}"/>
-              </a:ext>
-            </a:extLst>
-          </p:cNvPr>
-          <p:cNvSpPr/>
-          <p:nvPr/>
-        </p:nvSpPr>
-        <p:spPr bwMode="white">
-          <a:xfrm>
-            <a:off x="0" y="4563973"/>
-            <a:ext cx="12192000" cy="236627"/>
-          </a:xfrm>
-          <a:prstGeom prst="rect">
-            <a:avLst/>
-          </a:prstGeom>
-          <a:solidFill>
-            <a:srgbClr val="FFFFFF">
-              <a:alpha val="40000"/>
-            </a:srgbClr>
-          </a:solidFill>
-          <a:ln>
-            <a:noFill/>
-          </a:ln>
-        </p:spPr>
-        <p:style>
-          <a:lnRef idx="2">
-            <a:schemeClr val="accent1">
-              <a:shade val="50000"/>
-            </a:schemeClr>
-          </a:lnRef>
-          <a:fillRef idx="1">
-            <a:schemeClr val="accent1"/>
-          </a:fillRef>
-          <a:effectRef idx="0">
-            <a:schemeClr val="accent1"/>
-          </a:effectRef>
-          <a:fontRef idx="minor">
-            <a:schemeClr val="lt1"/>
-          </a:fontRef>
-        </p:style>
-        <p:txBody>
-          <a:bodyPr rtlCol="0" anchor="ctr"/>
-          <a:lstStyle/>
-          <a:p>
-            <a:pPr algn="ctr"/>
-            <a:endParaRPr>
-              <a:solidFill>
-                <a:prstClr val="white"/>
-              </a:solidFill>
-            </a:endParaRPr>
-          </a:p>
-        </p:txBody>
-      </p:sp>
-      <p:sp>
-        <p:nvSpPr>
-          <p:cNvPr id="25" name="Title 1">
-            <a:extLst>
-              <a:ext uri="{FF2B5EF4-FFF2-40B4-BE49-F238E27FC236}">
-                <a16:creationId xmlns:a16="http://schemas.microsoft.com/office/drawing/2014/main" id="{4BD8C082-C1A0-4A6A-AE25-0CB5C1BBFD3F}"/>
-              </a:ext>
-            </a:extLst>
-          </p:cNvPr>
-          <p:cNvSpPr txBox="1">
-            <a:spLocks/>
-          </p:cNvSpPr>
-          <p:nvPr/>
-        </p:nvSpPr>
-        <p:spPr>
-          <a:xfrm>
-            <a:off x="609600" y="5234607"/>
-            <a:ext cx="6858000" cy="608108"/>
-          </a:xfrm>
-          <a:prstGeom prst="rect">
-            <a:avLst/>
-          </a:prstGeom>
-        </p:spPr>
-        <p:txBody>
-          <a:bodyPr vert="horz" lIns="0" tIns="0" rIns="0" bIns="0" rtlCol="0" anchor="b">
-            <a:noAutofit/>
-          </a:bodyPr>
-          <a:lstStyle>
-            <a:lvl1pPr algn="l" defTabSz="914400" rtl="0" eaLnBrk="1" latinLnBrk="0" hangingPunct="1">
-              <a:lnSpc>
-                <a:spcPct val="90000"/>
-              </a:lnSpc>
-              <a:spcBef>
-                <a:spcPct val="0"/>
-              </a:spcBef>
-              <a:buNone/>
-              <a:defRPr sz="3200" kern="1200">
-                <a:solidFill>
-                  <a:schemeClr val="accent2"/>
-                </a:solidFill>
-                <a:latin typeface="+mj-lt"/>
-                <a:ea typeface="+mj-ea"/>
-                <a:cs typeface="+mj-cs"/>
-              </a:defRPr>
-            </a:lvl1pPr>
-          </a:lstStyle>
-          <a:p>
-            <a:r>
-              <a:rPr lang="en-US" sz="4000" dirty="0"/>
-              <a:t>Presentation Title</a:t>
-            </a:r>
-            <a:endParaRPr lang="en-US" sz="4000" dirty="0">
-              <a:solidFill>
-                <a:srgbClr val="0067C0"/>
-              </a:solidFill>
-            </a:endParaRPr>
-          </a:p>
-        </p:txBody>
-      </p:sp>
-      <p:sp>
-        <p:nvSpPr>
-          <p:cNvPr id="26" name="Text Placeholder 9">
-            <a:extLst>
-              <a:ext uri="{FF2B5EF4-FFF2-40B4-BE49-F238E27FC236}">
-                <a16:creationId xmlns:a16="http://schemas.microsoft.com/office/drawing/2014/main" id="{2F1AEB5C-97FE-4B18-8B44-F287D28C66CC}"/>
-              </a:ext>
-            </a:extLst>
-          </p:cNvPr>
-          <p:cNvSpPr txBox="1">
-            <a:spLocks/>
-          </p:cNvSpPr>
-          <p:nvPr/>
-        </p:nvSpPr>
-        <p:spPr>
-          <a:xfrm>
-            <a:off x="609600" y="5982929"/>
-            <a:ext cx="6858000" cy="305780"/>
-          </a:xfrm>
-          <a:prstGeom prst="rect">
-            <a:avLst/>
-          </a:prstGeom>
-        </p:spPr>
-        <p:txBody>
-          <a:bodyPr vert="horz" lIns="0" tIns="0" rIns="0" bIns="0" rtlCol="0">
-            <a:noAutofit/>
-          </a:bodyPr>
-          <a:lstStyle>
-            <a:lvl1pPr marL="0" indent="0" algn="l" defTabSz="914400" rtl="0" eaLnBrk="1" latinLnBrk="0" hangingPunct="1">
-              <a:lnSpc>
-                <a:spcPct val="100000"/>
-              </a:lnSpc>
-              <a:spcBef>
-                <a:spcPts val="0"/>
-              </a:spcBef>
-              <a:buClr>
-                <a:schemeClr val="tx1"/>
-              </a:buClr>
-              <a:buFont typeface="Arial" panose="020B0604020202020204" pitchFamily="34" charset="0"/>
-              <a:buNone/>
-              <a:defRPr sz="1800" kern="1200">
-                <a:solidFill>
-                  <a:schemeClr val="tx1">
-                    <a:lumMod val="75000"/>
-                    <a:lumOff val="25000"/>
-                  </a:schemeClr>
-                </a:solidFill>
-                <a:latin typeface="+mn-lt"/>
-                <a:ea typeface="+mn-ea"/>
-                <a:cs typeface="+mn-cs"/>
-              </a:defRPr>
-            </a:lvl1pPr>
-            <a:lvl2pPr marL="0" indent="0" algn="l" defTabSz="914400" rtl="0" eaLnBrk="1" latinLnBrk="0" hangingPunct="1">
-              <a:lnSpc>
-                <a:spcPct val="100000"/>
-              </a:lnSpc>
-              <a:spcBef>
-                <a:spcPts val="0"/>
-              </a:spcBef>
-              <a:buClr>
-                <a:schemeClr val="tx1"/>
-              </a:buClr>
-              <a:buFont typeface="Arial" panose="020B0604020202020204" pitchFamily="34" charset="0"/>
-              <a:buNone/>
-              <a:defRPr sz="1800" kern="1200">
-                <a:solidFill>
-                  <a:schemeClr val="tx1">
-                    <a:lumMod val="75000"/>
-                    <a:lumOff val="25000"/>
-                  </a:schemeClr>
-                </a:solidFill>
-                <a:latin typeface="+mn-lt"/>
-                <a:ea typeface="+mn-ea"/>
-                <a:cs typeface="+mn-cs"/>
-              </a:defRPr>
-            </a:lvl2pPr>
-            <a:lvl3pPr marL="0" indent="0" algn="l" defTabSz="914400" rtl="0" eaLnBrk="1" latinLnBrk="0" hangingPunct="1">
-              <a:lnSpc>
-                <a:spcPct val="100000"/>
-              </a:lnSpc>
-              <a:spcBef>
-                <a:spcPts val="0"/>
-              </a:spcBef>
-              <a:buClr>
-                <a:schemeClr val="tx1"/>
-              </a:buClr>
-              <a:buFont typeface="Arial" panose="020B0604020202020204" pitchFamily="34" charset="0"/>
-              <a:buNone/>
-              <a:defRPr sz="1800" kern="1200">
-                <a:solidFill>
-                  <a:schemeClr val="tx1">
-                    <a:lumMod val="75000"/>
-                    <a:lumOff val="25000"/>
-                  </a:schemeClr>
-                </a:solidFill>
-                <a:latin typeface="+mn-lt"/>
-                <a:ea typeface="+mn-ea"/>
-                <a:cs typeface="+mn-cs"/>
-              </a:defRPr>
-            </a:lvl3pPr>
-            <a:lvl4pPr marL="0" indent="0" algn="l" defTabSz="914400" rtl="0" eaLnBrk="1" latinLnBrk="0" hangingPunct="1">
-              <a:lnSpc>
-                <a:spcPct val="100000"/>
-              </a:lnSpc>
-              <a:spcBef>
-                <a:spcPts val="0"/>
-              </a:spcBef>
-              <a:buClr>
-                <a:schemeClr val="tx1"/>
-              </a:buClr>
-              <a:buFont typeface="Arial" panose="020B0604020202020204" pitchFamily="34" charset="0"/>
-              <a:buNone/>
-              <a:defRPr sz="1800" kern="1200">
-                <a:solidFill>
-                  <a:schemeClr val="tx1">
-                    <a:lumMod val="75000"/>
-                    <a:lumOff val="25000"/>
-                  </a:schemeClr>
-                </a:solidFill>
-                <a:latin typeface="+mn-lt"/>
-                <a:ea typeface="+mn-ea"/>
-                <a:cs typeface="+mn-cs"/>
-              </a:defRPr>
-            </a:lvl4pPr>
-            <a:lvl5pPr marL="0" indent="0" algn="l" defTabSz="914400" rtl="0" eaLnBrk="1" latinLnBrk="0" hangingPunct="1">
-              <a:lnSpc>
-                <a:spcPct val="100000"/>
-              </a:lnSpc>
-              <a:spcBef>
-                <a:spcPts val="0"/>
-              </a:spcBef>
-              <a:buClr>
-                <a:schemeClr val="tx1"/>
-              </a:buClr>
-              <a:buFont typeface="Arial" panose="020B0604020202020204" pitchFamily="34" charset="0"/>
-              <a:buNone/>
-              <a:defRPr sz="1800" kern="1200">
-                <a:solidFill>
-                  <a:schemeClr val="tx1">
-                    <a:lumMod val="75000"/>
-                    <a:lumOff val="25000"/>
-                  </a:schemeClr>
-                </a:solidFill>
-                <a:latin typeface="+mn-lt"/>
-                <a:ea typeface="+mn-ea"/>
-                <a:cs typeface="+mn-cs"/>
-              </a:defRPr>
-            </a:lvl5pPr>
-            <a:lvl6pPr marL="0" indent="0" algn="l" defTabSz="914400" rtl="0" eaLnBrk="1" latinLnBrk="0" hangingPunct="1">
-              <a:lnSpc>
-                <a:spcPct val="100000"/>
-              </a:lnSpc>
-              <a:spcBef>
-                <a:spcPts val="0"/>
-              </a:spcBef>
-              <a:buClr>
-                <a:schemeClr val="tx1"/>
-              </a:buClr>
-              <a:buFont typeface="Arial" panose="020B0604020202020204" pitchFamily="34" charset="0"/>
-              <a:buNone/>
-              <a:defRPr sz="1800" kern="1200">
-                <a:solidFill>
-                  <a:schemeClr val="tx1">
-                    <a:lumMod val="75000"/>
-                    <a:lumOff val="25000"/>
-                  </a:schemeClr>
-                </a:solidFill>
-                <a:latin typeface="+mn-lt"/>
-                <a:ea typeface="+mn-ea"/>
-                <a:cs typeface="+mn-cs"/>
-              </a:defRPr>
-            </a:lvl6pPr>
-            <a:lvl7pPr marL="0" indent="0" algn="l" defTabSz="914400" rtl="0" eaLnBrk="1" latinLnBrk="0" hangingPunct="1">
-              <a:lnSpc>
-                <a:spcPct val="100000"/>
-              </a:lnSpc>
-              <a:spcBef>
-                <a:spcPts val="0"/>
-              </a:spcBef>
-              <a:buClr>
-                <a:schemeClr val="tx1"/>
-              </a:buClr>
-              <a:buFont typeface="Arial" panose="020B0604020202020204" pitchFamily="34" charset="0"/>
-              <a:buNone/>
-              <a:defRPr sz="1800" kern="1200">
-                <a:solidFill>
-                  <a:schemeClr val="tx1">
-                    <a:lumMod val="75000"/>
-                    <a:lumOff val="25000"/>
-                  </a:schemeClr>
-                </a:solidFill>
-                <a:latin typeface="+mn-lt"/>
-                <a:ea typeface="+mn-ea"/>
-                <a:cs typeface="+mn-cs"/>
-              </a:defRPr>
-            </a:lvl7pPr>
-            <a:lvl8pPr marL="0" indent="0" algn="l" defTabSz="914400" rtl="0" eaLnBrk="1" latinLnBrk="0" hangingPunct="1">
-              <a:lnSpc>
-                <a:spcPct val="100000"/>
-              </a:lnSpc>
-              <a:spcBef>
-                <a:spcPts val="0"/>
-              </a:spcBef>
-              <a:buClr>
-                <a:schemeClr val="tx1"/>
-              </a:buClr>
-              <a:buFont typeface="Arial" panose="020B0604020202020204" pitchFamily="34" charset="0"/>
-              <a:buNone/>
-              <a:defRPr sz="1800" kern="1200">
-                <a:solidFill>
-                  <a:schemeClr val="tx1">
-                    <a:lumMod val="75000"/>
-                    <a:lumOff val="25000"/>
-                  </a:schemeClr>
-                </a:solidFill>
-                <a:latin typeface="+mn-lt"/>
-                <a:ea typeface="+mn-ea"/>
-                <a:cs typeface="+mn-cs"/>
-              </a:defRPr>
-            </a:lvl8pPr>
-            <a:lvl9pPr marL="0" indent="0" algn="l" defTabSz="914400" rtl="0" eaLnBrk="1" latinLnBrk="0" hangingPunct="1">
-              <a:lnSpc>
-                <a:spcPct val="100000"/>
-              </a:lnSpc>
-              <a:spcBef>
-                <a:spcPts val="0"/>
-              </a:spcBef>
-              <a:buClr>
-                <a:schemeClr val="tx1"/>
-              </a:buClr>
-              <a:buFont typeface="Arial" panose="020B0604020202020204" pitchFamily="34" charset="0"/>
-              <a:buNone/>
-              <a:defRPr sz="1800" kern="1200">
-                <a:solidFill>
-                  <a:schemeClr val="tx1">
-                    <a:lumMod val="75000"/>
-                    <a:lumOff val="25000"/>
-                  </a:schemeClr>
-                </a:solidFill>
-                <a:latin typeface="+mn-lt"/>
-                <a:ea typeface="+mn-ea"/>
-                <a:cs typeface="+mn-cs"/>
-              </a:defRPr>
-            </a:lvl9pPr>
-          </a:lstStyle>
-          <a:p>
-            <a:pPr>
-              <a:buClr>
-                <a:prstClr val="black"/>
-              </a:buClr>
-            </a:pPr>
-            <a:r>
-              <a:rPr lang="en-US" dirty="0" smtClean="0">
-                <a:solidFill>
-                  <a:prstClr val="black">
-                    <a:lumMod val="75000"/>
-                    <a:lumOff val="25000"/>
-                  </a:prstClr>
-                </a:solidFill>
-              </a:rPr>
-              <a:t>Presenter Name</a:t>
-            </a:r>
-            <a:endParaRPr lang="en-US" dirty="0">
-              <a:solidFill>
-                <a:prstClr val="black">
-                  <a:lumMod val="75000"/>
-                  <a:lumOff val="25000"/>
-                </a:prstClr>
-              </a:solidFill>
-            </a:endParaRPr>
-          </a:p>
-        </p:txBody>
-      </p:sp>
-      <p:sp>
-        <p:nvSpPr>
-          <p:cNvPr id="27" name="Rectangle 26">
-            <a:extLst>
-              <a:ext uri="{FF2B5EF4-FFF2-40B4-BE49-F238E27FC236}">
-                <a16:creationId xmlns:a16="http://schemas.microsoft.com/office/drawing/2014/main" id="{91497B1C-D226-459B-89B8-E63B7A5E6AD1}"/>
-              </a:ext>
-            </a:extLst>
-          </p:cNvPr>
-          <p:cNvSpPr/>
-          <p:nvPr/>
-        </p:nvSpPr>
-        <p:spPr>
-          <a:xfrm>
-            <a:off x="8105773" y="5045272"/>
-            <a:ext cx="3743325" cy="1134887"/>
-          </a:xfrm>
-          <a:prstGeom prst="rect">
-            <a:avLst/>
-          </a:prstGeom>
-        </p:spPr>
-        <p:txBody>
-          <a:bodyPr wrap="square" lIns="0" tIns="0" rIns="0" bIns="0" anchor="b">
-            <a:noAutofit/>
-          </a:bodyPr>
-          <a:lstStyle/>
-          <a:p>
-            <a:pPr eaLnBrk="0" hangingPunct="0">
-              <a:spcAft>
-                <a:spcPts val="400"/>
-              </a:spcAft>
-            </a:pPr>
-            <a:r>
-              <a:rPr sz="800" b="1" dirty="0">
-                <a:solidFill>
-                  <a:prstClr val="black">
-                    <a:lumMod val="50000"/>
-                    <a:lumOff val="50000"/>
-                  </a:prstClr>
-                </a:solidFill>
-                <a:ea typeface="ＭＳ Ｐゴシック" pitchFamily="1" charset="-128"/>
-              </a:rPr>
-              <a:t>Proprietary: </a:t>
-            </a:r>
-            <a:r>
-              <a:rPr sz="800" dirty="0">
-                <a:solidFill>
-                  <a:prstClr val="black">
-                    <a:lumMod val="50000"/>
-                    <a:lumOff val="50000"/>
-                  </a:prstClr>
-                </a:solidFill>
-                <a:ea typeface="ＭＳ Ｐゴシック" pitchFamily="1" charset="-128"/>
-              </a:rPr>
-              <a:t>The information contained herein is proprietary to The Boeing Company and shall not be reproduced or disclosed in whole or in part except when such user possesses direct written authorization from The Boeing Company. </a:t>
-            </a:r>
-          </a:p>
-          <a:p>
-            <a:pPr eaLnBrk="0" hangingPunct="0">
-              <a:spcAft>
-                <a:spcPts val="400"/>
-              </a:spcAft>
-            </a:pPr>
-            <a:r>
-              <a:rPr sz="800" dirty="0">
-                <a:solidFill>
-                  <a:prstClr val="black">
-                    <a:lumMod val="50000"/>
-                    <a:lumOff val="50000"/>
-                  </a:prstClr>
-                </a:solidFill>
-                <a:cs typeface="Arial" pitchFamily="34" charset="0"/>
-              </a:rPr>
-              <a:t>The statements contained herein are based on good faith assumptions are to be used for general information purposes only. These statements do not constitute an offer, promise, warranty or guarantee of performance. </a:t>
-            </a:r>
-          </a:p>
-        </p:txBody>
-      </p:sp>
-      <p:sp>
-        <p:nvSpPr>
-          <p:cNvPr id="28" name="Text Placeholder 13"/>
-          <p:cNvSpPr txBox="1">
-            <a:spLocks/>
-          </p:cNvSpPr>
-          <p:nvPr/>
-        </p:nvSpPr>
-        <p:spPr>
-          <a:xfrm>
-            <a:off x="609601" y="6365875"/>
-            <a:ext cx="6857999" cy="265113"/>
-          </a:xfrm>
-          <a:prstGeom prst="rect">
-            <a:avLst/>
-          </a:prstGeom>
-        </p:spPr>
-        <p:txBody>
-          <a:bodyPr vert="horz" lIns="0" tIns="0" rIns="0" bIns="0" rtlCol="0">
-            <a:noAutofit/>
-          </a:bodyPr>
-          <a:lstStyle>
-            <a:lvl1pPr marL="0" indent="0" algn="l" defTabSz="914400" rtl="0" eaLnBrk="1" latinLnBrk="0" hangingPunct="1">
-              <a:lnSpc>
-                <a:spcPct val="100000"/>
-              </a:lnSpc>
-              <a:spcBef>
-                <a:spcPts val="1200"/>
-              </a:spcBef>
-              <a:buClr>
-                <a:schemeClr val="tx1"/>
-              </a:buClr>
-              <a:buFontTx/>
-              <a:buNone/>
-              <a:defRPr sz="1200" kern="1200">
-                <a:gradFill>
-                  <a:gsLst>
-                    <a:gs pos="27679">
-                      <a:schemeClr val="tx1"/>
-                    </a:gs>
-                    <a:gs pos="54000">
-                      <a:schemeClr val="tx1"/>
-                    </a:gs>
-                  </a:gsLst>
-                  <a:lin ang="5400000" scaled="1"/>
-                </a:gradFill>
-                <a:latin typeface="+mn-lt"/>
-                <a:ea typeface="+mn-ea"/>
-                <a:cs typeface="+mn-cs"/>
-              </a:defRPr>
-            </a:lvl1pPr>
-            <a:lvl2pPr marL="320040" indent="0" algn="l" defTabSz="914400" rtl="0" eaLnBrk="1" latinLnBrk="0" hangingPunct="1">
-              <a:lnSpc>
-                <a:spcPct val="100000"/>
-              </a:lnSpc>
-              <a:spcBef>
-                <a:spcPts val="600"/>
-              </a:spcBef>
-              <a:buClr>
-                <a:schemeClr val="tx1"/>
-              </a:buClr>
-              <a:buFontTx/>
-              <a:buNone/>
-              <a:defRPr sz="1200" kern="1200">
-                <a:solidFill>
-                  <a:schemeClr val="tx1">
-                    <a:lumMod val="75000"/>
-                    <a:lumOff val="25000"/>
-                  </a:schemeClr>
-                </a:solidFill>
-                <a:latin typeface="+mn-lt"/>
-                <a:ea typeface="+mn-ea"/>
-                <a:cs typeface="+mn-cs"/>
-              </a:defRPr>
-            </a:lvl2pPr>
-            <a:lvl3pPr marL="685800" indent="0" algn="l" defTabSz="914400" rtl="0" eaLnBrk="1" latinLnBrk="0" hangingPunct="1">
-              <a:lnSpc>
-                <a:spcPct val="100000"/>
-              </a:lnSpc>
-              <a:spcBef>
-                <a:spcPts val="600"/>
-              </a:spcBef>
-              <a:buClr>
-                <a:schemeClr val="tx1"/>
-              </a:buClr>
-              <a:buFontTx/>
-              <a:buNone/>
-              <a:defRPr sz="1200" kern="1200">
-                <a:solidFill>
-                  <a:schemeClr val="tx1">
-                    <a:lumMod val="75000"/>
-                    <a:lumOff val="25000"/>
-                  </a:schemeClr>
-                </a:solidFill>
-                <a:latin typeface="+mn-lt"/>
-                <a:ea typeface="+mn-ea"/>
-                <a:cs typeface="+mn-cs"/>
-              </a:defRPr>
-            </a:lvl3pPr>
-            <a:lvl4pPr marL="1051560" indent="0" algn="l" defTabSz="914400" rtl="0" eaLnBrk="1" latinLnBrk="0" hangingPunct="1">
-              <a:lnSpc>
-                <a:spcPct val="100000"/>
-              </a:lnSpc>
-              <a:spcBef>
-                <a:spcPts val="600"/>
-              </a:spcBef>
-              <a:buClr>
-                <a:schemeClr val="tx1"/>
-              </a:buClr>
-              <a:buFontTx/>
-              <a:buNone/>
-              <a:defRPr sz="1200" kern="1200">
-                <a:solidFill>
-                  <a:schemeClr val="tx1">
-                    <a:lumMod val="75000"/>
-                    <a:lumOff val="25000"/>
-                  </a:schemeClr>
-                </a:solidFill>
-                <a:latin typeface="+mn-lt"/>
-                <a:ea typeface="+mn-ea"/>
-                <a:cs typeface="+mn-cs"/>
-              </a:defRPr>
-            </a:lvl4pPr>
-            <a:lvl5pPr marL="1371600" indent="0" algn="l" defTabSz="914400" rtl="0" eaLnBrk="1" latinLnBrk="0" hangingPunct="1">
-              <a:lnSpc>
-                <a:spcPct val="100000"/>
-              </a:lnSpc>
-              <a:spcBef>
-                <a:spcPts val="600"/>
-              </a:spcBef>
-              <a:buClr>
-                <a:schemeClr val="tx1"/>
-              </a:buClr>
-              <a:buFontTx/>
-              <a:buNone/>
-              <a:defRPr sz="1200" kern="1200">
-                <a:solidFill>
-                  <a:schemeClr val="tx1">
-                    <a:lumMod val="75000"/>
-                    <a:lumOff val="25000"/>
-                  </a:schemeClr>
-                </a:solidFill>
-                <a:latin typeface="+mn-lt"/>
-                <a:ea typeface="+mn-ea"/>
-                <a:cs typeface="+mn-cs"/>
-              </a:defRPr>
-            </a:lvl5pPr>
-            <a:lvl6pPr marL="1554163" indent="-182563" algn="l" defTabSz="914400" rtl="0" eaLnBrk="1" latinLnBrk="0" hangingPunct="1">
-              <a:lnSpc>
-                <a:spcPct val="100000"/>
-              </a:lnSpc>
-              <a:spcBef>
-                <a:spcPts val="600"/>
-              </a:spcBef>
-              <a:buClr>
-                <a:schemeClr val="tx1"/>
-              </a:buClr>
-              <a:buFont typeface="Arial" panose="020B0604020202020204" pitchFamily="34" charset="0"/>
-              <a:buChar char="•"/>
-              <a:defRPr sz="1400" kern="1200">
-                <a:solidFill>
-                  <a:schemeClr val="tx1">
-                    <a:lumMod val="75000"/>
-                    <a:lumOff val="25000"/>
-                  </a:schemeClr>
-                </a:solidFill>
-                <a:latin typeface="+mn-lt"/>
-                <a:ea typeface="+mn-ea"/>
-                <a:cs typeface="+mn-cs"/>
-              </a:defRPr>
-            </a:lvl6pPr>
-            <a:lvl7pPr marL="1554163" indent="-182563" algn="l" defTabSz="914400" rtl="0" eaLnBrk="1" latinLnBrk="0" hangingPunct="1">
-              <a:lnSpc>
-                <a:spcPct val="100000"/>
-              </a:lnSpc>
-              <a:spcBef>
-                <a:spcPts val="600"/>
-              </a:spcBef>
-              <a:buClr>
-                <a:schemeClr val="tx1"/>
-              </a:buClr>
-              <a:buFont typeface="Arial" panose="020B0604020202020204" pitchFamily="34" charset="0"/>
-              <a:buChar char="•"/>
-              <a:defRPr sz="1400" kern="1200">
-                <a:solidFill>
-                  <a:schemeClr val="tx1">
-                    <a:lumMod val="75000"/>
-                    <a:lumOff val="25000"/>
-                  </a:schemeClr>
-                </a:solidFill>
-                <a:latin typeface="+mn-lt"/>
-                <a:ea typeface="+mn-ea"/>
-                <a:cs typeface="+mn-cs"/>
-              </a:defRPr>
-            </a:lvl7pPr>
-            <a:lvl8pPr marL="1554163" indent="-182563" algn="l" defTabSz="914400" rtl="0" eaLnBrk="1" latinLnBrk="0" hangingPunct="1">
-              <a:lnSpc>
-                <a:spcPct val="100000"/>
-              </a:lnSpc>
-              <a:spcBef>
-                <a:spcPts val="600"/>
-              </a:spcBef>
-              <a:buClr>
-                <a:schemeClr val="tx1"/>
-              </a:buClr>
-              <a:buFont typeface="Arial" panose="020B0604020202020204" pitchFamily="34" charset="0"/>
-              <a:buChar char="•"/>
-              <a:defRPr sz="1400" kern="1200">
-                <a:solidFill>
-                  <a:schemeClr val="tx1">
-                    <a:lumMod val="75000"/>
-                    <a:lumOff val="25000"/>
-                  </a:schemeClr>
-                </a:solidFill>
-                <a:latin typeface="+mn-lt"/>
-                <a:ea typeface="+mn-ea"/>
-                <a:cs typeface="+mn-cs"/>
-              </a:defRPr>
-            </a:lvl8pPr>
-            <a:lvl9pPr marL="1554163" indent="-182563" algn="l" defTabSz="914400" rtl="0" eaLnBrk="1" latinLnBrk="0" hangingPunct="1">
-              <a:lnSpc>
-                <a:spcPct val="100000"/>
-              </a:lnSpc>
-              <a:spcBef>
-                <a:spcPts val="600"/>
-              </a:spcBef>
-              <a:buClr>
-                <a:schemeClr val="tx1"/>
-              </a:buClr>
-              <a:buFont typeface="Arial" panose="020B0604020202020204" pitchFamily="34" charset="0"/>
-              <a:buChar char="•"/>
-              <a:defRPr sz="1400" kern="1200">
-                <a:solidFill>
-                  <a:schemeClr val="tx1">
-                    <a:lumMod val="75000"/>
-                    <a:lumOff val="25000"/>
-                  </a:schemeClr>
-                </a:solidFill>
-                <a:latin typeface="+mn-lt"/>
-                <a:ea typeface="+mn-ea"/>
-                <a:cs typeface="+mn-cs"/>
-              </a:defRPr>
-            </a:lvl9pPr>
-          </a:lstStyle>
-          <a:p>
-            <a:pPr>
-              <a:buClr>
-                <a:prstClr val="black"/>
-              </a:buClr>
-            </a:pPr>
-            <a:r>
-              <a:rPr lang="en-US" smtClean="0">
-                <a:gradFill>
-                  <a:gsLst>
-                    <a:gs pos="27679">
-                      <a:prstClr val="black"/>
-                    </a:gs>
-                    <a:gs pos="54000">
-                      <a:prstClr val="black"/>
-                    </a:gs>
-                  </a:gsLst>
-                  <a:lin ang="5400000" scaled="1"/>
-                </a:gradFill>
-              </a:rPr>
-              <a:t>Date</a:t>
-            </a:r>
-            <a:endParaRPr lang="en-US" dirty="0" smtClean="0">
-              <a:gradFill>
-                <a:gsLst>
-                  <a:gs pos="27679">
-                    <a:prstClr val="black"/>
-                  </a:gs>
-                  <a:gs pos="54000">
-                    <a:prstClr val="black"/>
-                  </a:gs>
-                </a:gsLst>
-                <a:lin ang="5400000" scaled="1"/>
-              </a:gradFill>
-            </a:endParaRPr>
-          </a:p>
-        </p:txBody>
-      </p:sp>
-      <p:grpSp>
-        <p:nvGrpSpPr>
-          <p:cNvPr id="29" name="Group 28"/>
-          <p:cNvGrpSpPr/>
-          <p:nvPr/>
-        </p:nvGrpSpPr>
-        <p:grpSpPr>
-          <a:xfrm>
-            <a:off x="8105774" y="6612493"/>
-            <a:ext cx="3647789" cy="100914"/>
-            <a:chOff x="8105774" y="6612493"/>
-            <a:chExt cx="3647789" cy="100914"/>
-          </a:xfrm>
-        </p:grpSpPr>
-        <p:sp>
-          <p:nvSpPr>
-            <p:cNvPr id="30" name="TextBox 29">
-              <a:extLst>
-                <a:ext uri="{FF2B5EF4-FFF2-40B4-BE49-F238E27FC236}">
-                  <a16:creationId xmlns:a16="http://schemas.microsoft.com/office/drawing/2014/main" id="{49E642E3-D656-4840-A1AA-5E8DC208C080}"/>
-                </a:ext>
-              </a:extLst>
-            </p:cNvPr>
-            <p:cNvSpPr txBox="1"/>
-            <p:nvPr userDrawn="1"/>
-          </p:nvSpPr>
-          <p:spPr>
-            <a:xfrm>
-              <a:off x="8105774" y="6612493"/>
-              <a:ext cx="2627819" cy="100914"/>
-            </a:xfrm>
-            <a:prstGeom prst="rect">
-              <a:avLst/>
-            </a:prstGeom>
-            <a:noFill/>
-          </p:spPr>
-          <p:txBody>
-            <a:bodyPr wrap="none" lIns="0" tIns="0" rIns="0" bIns="0" rtlCol="0" anchor="ctr">
-              <a:noAutofit/>
-            </a:bodyPr>
-            <a:lstStyle/>
-            <a:p>
-              <a:pPr algn="r"/>
-              <a:r>
-                <a:rPr sz="600" dirty="0">
-                  <a:solidFill>
-                    <a:srgbClr val="7F7F7F"/>
-                  </a:solidFill>
-                </a:rPr>
-                <a:t>Copyright © </a:t>
-              </a:r>
-              <a:r>
-                <a:rPr sz="600" dirty="0" smtClean="0">
-                  <a:solidFill>
-                    <a:srgbClr val="7F7F7F"/>
-                  </a:solidFill>
-                </a:rPr>
-                <a:t>20</a:t>
-              </a:r>
-              <a:r>
-                <a:rPr lang="en-US" sz="600" dirty="0" smtClean="0">
-                  <a:solidFill>
-                    <a:srgbClr val="7F7F7F"/>
-                  </a:solidFill>
-                </a:rPr>
-                <a:t>22</a:t>
-              </a:r>
-              <a:r>
-                <a:rPr sz="600" dirty="0" smtClean="0">
-                  <a:solidFill>
-                    <a:srgbClr val="7F7F7F"/>
-                  </a:solidFill>
-                </a:rPr>
-                <a:t> </a:t>
-              </a:r>
-              <a:r>
-                <a:rPr sz="600" dirty="0">
-                  <a:solidFill>
-                    <a:srgbClr val="7F7F7F"/>
-                  </a:solidFill>
-                </a:rPr>
-                <a:t>Boeing. All rights reserved.   |    BOEING PROPRIETARY   |</a:t>
-              </a:r>
-            </a:p>
-          </p:txBody>
-        </p:sp>
-        <p:sp>
-          <p:nvSpPr>
-            <p:cNvPr id="31" name="TextBox 30">
-              <a:extLst>
-                <a:ext uri="{FF2B5EF4-FFF2-40B4-BE49-F238E27FC236}">
-                  <a16:creationId xmlns:a16="http://schemas.microsoft.com/office/drawing/2014/main" id="{85607DB3-167D-4CE4-A3FD-9A12057A9DEC}"/>
-                </a:ext>
-              </a:extLst>
-            </p:cNvPr>
-            <p:cNvSpPr txBox="1"/>
-            <p:nvPr userDrawn="1"/>
-          </p:nvSpPr>
-          <p:spPr>
-            <a:xfrm>
-              <a:off x="10562143" y="6612493"/>
-              <a:ext cx="733425" cy="100914"/>
-            </a:xfrm>
-            <a:prstGeom prst="rect">
-              <a:avLst/>
-            </a:prstGeom>
-            <a:noFill/>
-          </p:spPr>
-          <p:txBody>
-            <a:bodyPr wrap="none" lIns="0" tIns="0" rIns="0" bIns="0" rtlCol="0" anchor="ctr">
-              <a:noAutofit/>
-            </a:bodyPr>
-            <a:lstStyle/>
-            <a:p>
-              <a:pPr algn="r"/>
-              <a:r>
-                <a:rPr sz="600" dirty="0" smtClean="0">
-                  <a:solidFill>
-                    <a:srgbClr val="7F7F7F"/>
-                  </a:solidFill>
-                </a:rPr>
-                <a:t>CSM-PM&amp;A</a:t>
-              </a:r>
-              <a:r>
-                <a:rPr lang="en-US" sz="600" dirty="0" smtClean="0">
-                  <a:solidFill>
-                    <a:srgbClr val="7F7F7F"/>
-                  </a:solidFill>
-                </a:rPr>
-                <a:t>  </a:t>
-              </a:r>
-              <a:r>
-                <a:rPr sz="600" dirty="0" smtClean="0">
-                  <a:solidFill>
-                    <a:srgbClr val="7F7F7F"/>
-                  </a:solidFill>
-                </a:rPr>
-                <a:t> </a:t>
-              </a:r>
-              <a:r>
-                <a:rPr sz="600" dirty="0">
-                  <a:solidFill>
-                    <a:srgbClr val="7F7F7F"/>
-                  </a:solidFill>
-                </a:rPr>
-                <a:t>|</a:t>
-              </a:r>
-            </a:p>
-          </p:txBody>
-        </p:sp>
-        <p:sp>
-          <p:nvSpPr>
-            <p:cNvPr id="32" name="TextBox 31">
-              <a:extLst>
-                <a:ext uri="{FF2B5EF4-FFF2-40B4-BE49-F238E27FC236}">
-                  <a16:creationId xmlns:a16="http://schemas.microsoft.com/office/drawing/2014/main" id="{66981886-5B73-4467-BACC-737430D1B56E}"/>
-                </a:ext>
-              </a:extLst>
-            </p:cNvPr>
-            <p:cNvSpPr txBox="1"/>
-            <p:nvPr userDrawn="1"/>
-          </p:nvSpPr>
-          <p:spPr>
-            <a:xfrm>
-              <a:off x="11349147" y="6612493"/>
-              <a:ext cx="404416" cy="100914"/>
-            </a:xfrm>
-            <a:prstGeom prst="rect">
-              <a:avLst/>
-            </a:prstGeom>
-            <a:noFill/>
-          </p:spPr>
-          <p:txBody>
-            <a:bodyPr wrap="none" lIns="0" tIns="0" rIns="0" bIns="0" rtlCol="0" anchor="ctr">
-              <a:noAutofit/>
-            </a:bodyPr>
-            <a:lstStyle/>
-            <a:p>
-              <a:r>
-                <a:rPr lang="en-US" sz="600" dirty="0" smtClean="0">
-                  <a:solidFill>
-                    <a:srgbClr val="7F7F7F"/>
-                  </a:solidFill>
-                </a:rPr>
-                <a:t>24JAN20</a:t>
-              </a:r>
-              <a:endParaRPr lang="en-US" sz="600" dirty="0">
-                <a:solidFill>
-                  <a:srgbClr val="7F7F7F"/>
-                </a:solidFill>
-              </a:endParaRPr>
-            </a:p>
-          </p:txBody>
-        </p:sp>
-      </p:grpSp>
-      <p:grpSp>
-        <p:nvGrpSpPr>
-          <p:cNvPr id="33" name="Group 32">
-            <a:extLst>
-              <a:ext uri="{FF2B5EF4-FFF2-40B4-BE49-F238E27FC236}">
-                <a16:creationId xmlns:a16="http://schemas.microsoft.com/office/drawing/2014/main" id="{A2A1ECA7-2A52-4CBF-873E-C4E0CA0AB11D}"/>
-              </a:ext>
-            </a:extLst>
-          </p:cNvPr>
-          <p:cNvGrpSpPr/>
-          <p:nvPr/>
-        </p:nvGrpSpPr>
-        <p:grpSpPr>
-          <a:xfrm>
-            <a:off x="457200" y="381000"/>
-            <a:ext cx="1752600" cy="400382"/>
-            <a:chOff x="2057400" y="-1182741"/>
-            <a:chExt cx="3350419" cy="762000"/>
-          </a:xfrm>
-          <a:solidFill>
-            <a:srgbClr val="0033A1"/>
-          </a:solidFill>
-        </p:grpSpPr>
-        <p:sp>
-          <p:nvSpPr>
-            <p:cNvPr id="34" name="Freeform: Shape 15">
-              <a:extLst>
-                <a:ext uri="{FF2B5EF4-FFF2-40B4-BE49-F238E27FC236}">
-                  <a16:creationId xmlns:a16="http://schemas.microsoft.com/office/drawing/2014/main" id="{A6BA65A2-7F22-47F0-91F4-605FBC644444}"/>
-                </a:ext>
-              </a:extLst>
-            </p:cNvPr>
-            <p:cNvSpPr/>
-            <p:nvPr/>
-          </p:nvSpPr>
-          <p:spPr>
-            <a:xfrm>
-              <a:off x="2057400" y="-1182741"/>
-              <a:ext cx="928688" cy="762000"/>
-            </a:xfrm>
-            <a:custGeom>
-              <a:avLst/>
-              <a:gdLst>
-                <a:gd name="connsiteX0" fmla="*/ 511969 w 928687"/>
-                <a:gd name="connsiteY0" fmla="*/ 469106 h 762000"/>
-                <a:gd name="connsiteX1" fmla="*/ 538163 w 928687"/>
-                <a:gd name="connsiteY1" fmla="*/ 354806 h 762000"/>
-                <a:gd name="connsiteX2" fmla="*/ 419100 w 928687"/>
-                <a:gd name="connsiteY2" fmla="*/ 130969 h 762000"/>
-                <a:gd name="connsiteX3" fmla="*/ 559594 w 928687"/>
-                <a:gd name="connsiteY3" fmla="*/ 0 h 762000"/>
-                <a:gd name="connsiteX4" fmla="*/ 395288 w 928687"/>
-                <a:gd name="connsiteY4" fmla="*/ 116681 h 762000"/>
-                <a:gd name="connsiteX5" fmla="*/ 269081 w 928687"/>
-                <a:gd name="connsiteY5" fmla="*/ 88106 h 762000"/>
-                <a:gd name="connsiteX6" fmla="*/ 0 w 928687"/>
-                <a:gd name="connsiteY6" fmla="*/ 357188 h 762000"/>
-                <a:gd name="connsiteX7" fmla="*/ 64294 w 928687"/>
-                <a:gd name="connsiteY7" fmla="*/ 533400 h 762000"/>
-                <a:gd name="connsiteX8" fmla="*/ 50006 w 928687"/>
-                <a:gd name="connsiteY8" fmla="*/ 764381 h 762000"/>
-                <a:gd name="connsiteX9" fmla="*/ 266700 w 928687"/>
-                <a:gd name="connsiteY9" fmla="*/ 642938 h 762000"/>
-                <a:gd name="connsiteX10" fmla="*/ 114300 w 928687"/>
-                <a:gd name="connsiteY10" fmla="*/ 711994 h 762000"/>
-                <a:gd name="connsiteX11" fmla="*/ 109538 w 928687"/>
-                <a:gd name="connsiteY11" fmla="*/ 573881 h 762000"/>
-                <a:gd name="connsiteX12" fmla="*/ 269081 w 928687"/>
-                <a:gd name="connsiteY12" fmla="*/ 626269 h 762000"/>
-                <a:gd name="connsiteX13" fmla="*/ 457200 w 928687"/>
-                <a:gd name="connsiteY13" fmla="*/ 547688 h 762000"/>
-                <a:gd name="connsiteX14" fmla="*/ 466725 w 928687"/>
-                <a:gd name="connsiteY14" fmla="*/ 566738 h 762000"/>
-                <a:gd name="connsiteX15" fmla="*/ 933450 w 928687"/>
-                <a:gd name="connsiteY15" fmla="*/ 547688 h 762000"/>
-                <a:gd name="connsiteX16" fmla="*/ 511969 w 928687"/>
-                <a:gd name="connsiteY16" fmla="*/ 469106 h 762000"/>
-                <a:gd name="connsiteX17" fmla="*/ 33338 w 928687"/>
-                <a:gd name="connsiteY17" fmla="*/ 357188 h 762000"/>
-                <a:gd name="connsiteX18" fmla="*/ 269081 w 928687"/>
-                <a:gd name="connsiteY18" fmla="*/ 121444 h 762000"/>
-                <a:gd name="connsiteX19" fmla="*/ 366713 w 928687"/>
-                <a:gd name="connsiteY19" fmla="*/ 142875 h 762000"/>
-                <a:gd name="connsiteX20" fmla="*/ 80963 w 928687"/>
-                <a:gd name="connsiteY20" fmla="*/ 502444 h 762000"/>
-                <a:gd name="connsiteX21" fmla="*/ 33338 w 928687"/>
-                <a:gd name="connsiteY21" fmla="*/ 357188 h 762000"/>
-                <a:gd name="connsiteX22" fmla="*/ 269081 w 928687"/>
-                <a:gd name="connsiteY22" fmla="*/ 592931 h 762000"/>
-                <a:gd name="connsiteX23" fmla="*/ 123825 w 928687"/>
-                <a:gd name="connsiteY23" fmla="*/ 542925 h 762000"/>
-                <a:gd name="connsiteX24" fmla="*/ 395288 w 928687"/>
-                <a:gd name="connsiteY24" fmla="*/ 157163 h 762000"/>
-                <a:gd name="connsiteX25" fmla="*/ 504825 w 928687"/>
-                <a:gd name="connsiteY25" fmla="*/ 357188 h 762000"/>
-                <a:gd name="connsiteX26" fmla="*/ 483394 w 928687"/>
-                <a:gd name="connsiteY26" fmla="*/ 457200 h 762000"/>
-                <a:gd name="connsiteX27" fmla="*/ 371475 w 928687"/>
-                <a:gd name="connsiteY27" fmla="*/ 383381 h 762000"/>
-                <a:gd name="connsiteX28" fmla="*/ 442913 w 928687"/>
-                <a:gd name="connsiteY28" fmla="*/ 516731 h 762000"/>
-                <a:gd name="connsiteX29" fmla="*/ 269081 w 928687"/>
-                <a:gd name="connsiteY29" fmla="*/ 592931 h 762000"/>
-              </a:gdLst>
-              <a:ahLst/>
-              <a:cxnLst>
-                <a:cxn ang="0">
-                  <a:pos x="connsiteX0" y="connsiteY0"/>
-                </a:cxn>
-                <a:cxn ang="0">
-                  <a:pos x="connsiteX1" y="connsiteY1"/>
-                </a:cxn>
-                <a:cxn ang="0">
-                  <a:pos x="connsiteX2" y="connsiteY2"/>
-                </a:cxn>
-                <a:cxn ang="0">
-                  <a:pos x="connsiteX3" y="connsiteY3"/>
-                </a:cxn>
-                <a:cxn ang="0">
-                  <a:pos x="connsiteX4" y="connsiteY4"/>
-                </a:cxn>
-                <a:cxn ang="0">
-                  <a:pos x="connsiteX5" y="connsiteY5"/>
-                </a:cxn>
-                <a:cxn ang="0">
-                  <a:pos x="connsiteX6" y="connsiteY6"/>
-                </a:cxn>
-                <a:cxn ang="0">
-                  <a:pos x="connsiteX7" y="connsiteY7"/>
-                </a:cxn>
-                <a:cxn ang="0">
-                  <a:pos x="connsiteX8" y="connsiteY8"/>
-                </a:cxn>
-                <a:cxn ang="0">
-                  <a:pos x="connsiteX9" y="connsiteY9"/>
-                </a:cxn>
-                <a:cxn ang="0">
-                  <a:pos x="connsiteX10" y="connsiteY10"/>
-                </a:cxn>
-                <a:cxn ang="0">
-                  <a:pos x="connsiteX11" y="connsiteY11"/>
-                </a:cxn>
-                <a:cxn ang="0">
-                  <a:pos x="connsiteX12" y="connsiteY12"/>
-                </a:cxn>
-                <a:cxn ang="0">
-                  <a:pos x="connsiteX13" y="connsiteY13"/>
-                </a:cxn>
-                <a:cxn ang="0">
-                  <a:pos x="connsiteX14" y="connsiteY14"/>
-                </a:cxn>
-                <a:cxn ang="0">
-                  <a:pos x="connsiteX15" y="connsiteY15"/>
-                </a:cxn>
-                <a:cxn ang="0">
-                  <a:pos x="connsiteX16" y="connsiteY16"/>
-                </a:cxn>
-                <a:cxn ang="0">
-                  <a:pos x="connsiteX17" y="connsiteY17"/>
-                </a:cxn>
-                <a:cxn ang="0">
-                  <a:pos x="connsiteX18" y="connsiteY18"/>
-                </a:cxn>
-                <a:cxn ang="0">
-                  <a:pos x="connsiteX19" y="connsiteY19"/>
-                </a:cxn>
-                <a:cxn ang="0">
-                  <a:pos x="connsiteX20" y="connsiteY20"/>
-                </a:cxn>
-                <a:cxn ang="0">
-                  <a:pos x="connsiteX21" y="connsiteY21"/>
-                </a:cxn>
-                <a:cxn ang="0">
-                  <a:pos x="connsiteX22" y="connsiteY22"/>
-                </a:cxn>
-                <a:cxn ang="0">
-                  <a:pos x="connsiteX23" y="connsiteY23"/>
-                </a:cxn>
-                <a:cxn ang="0">
-                  <a:pos x="connsiteX24" y="connsiteY24"/>
-                </a:cxn>
-                <a:cxn ang="0">
-                  <a:pos x="connsiteX25" y="connsiteY25"/>
-                </a:cxn>
-                <a:cxn ang="0">
-                  <a:pos x="connsiteX26" y="connsiteY26"/>
-                </a:cxn>
-                <a:cxn ang="0">
-                  <a:pos x="connsiteX27" y="connsiteY27"/>
-                </a:cxn>
-                <a:cxn ang="0">
-                  <a:pos x="connsiteX28" y="connsiteY28"/>
-                </a:cxn>
-                <a:cxn ang="0">
-                  <a:pos x="connsiteX29" y="connsiteY29"/>
-                </a:cxn>
-              </a:cxnLst>
-              <a:rect l="l" t="t" r="r" b="b"/>
-              <a:pathLst>
-                <a:path w="928687" h="762000">
-                  <a:moveTo>
-                    <a:pt x="511969" y="469106"/>
-                  </a:moveTo>
-                  <a:cubicBezTo>
-                    <a:pt x="528638" y="435769"/>
-                    <a:pt x="538163" y="395288"/>
-                    <a:pt x="538163" y="354806"/>
-                  </a:cubicBezTo>
-                  <a:cubicBezTo>
-                    <a:pt x="538163" y="261937"/>
-                    <a:pt x="490538" y="178594"/>
-                    <a:pt x="419100" y="130969"/>
-                  </a:cubicBezTo>
-                  <a:cubicBezTo>
-                    <a:pt x="461963" y="85725"/>
-                    <a:pt x="509588" y="42863"/>
-                    <a:pt x="559594" y="0"/>
-                  </a:cubicBezTo>
-                  <a:cubicBezTo>
-                    <a:pt x="502444" y="33338"/>
-                    <a:pt x="447675" y="73819"/>
-                    <a:pt x="395288" y="116681"/>
-                  </a:cubicBezTo>
-                  <a:cubicBezTo>
-                    <a:pt x="357188" y="97631"/>
-                    <a:pt x="314325" y="88106"/>
-                    <a:pt x="269081" y="88106"/>
-                  </a:cubicBezTo>
-                  <a:cubicBezTo>
-                    <a:pt x="121444" y="88106"/>
-                    <a:pt x="0" y="207169"/>
-                    <a:pt x="0" y="357188"/>
-                  </a:cubicBezTo>
-                  <a:cubicBezTo>
-                    <a:pt x="0" y="423863"/>
-                    <a:pt x="23813" y="485775"/>
-                    <a:pt x="64294" y="533400"/>
-                  </a:cubicBezTo>
-                  <a:cubicBezTo>
-                    <a:pt x="11906" y="645319"/>
-                    <a:pt x="4763" y="733425"/>
-                    <a:pt x="50006" y="764381"/>
-                  </a:cubicBezTo>
-                  <a:cubicBezTo>
-                    <a:pt x="97631" y="797719"/>
-                    <a:pt x="204788" y="738188"/>
-                    <a:pt x="266700" y="642938"/>
-                  </a:cubicBezTo>
-                  <a:cubicBezTo>
-                    <a:pt x="266700" y="642938"/>
-                    <a:pt x="169069" y="731044"/>
-                    <a:pt x="114300" y="711994"/>
-                  </a:cubicBezTo>
-                  <a:cubicBezTo>
-                    <a:pt x="83344" y="695325"/>
-                    <a:pt x="83344" y="645319"/>
-                    <a:pt x="109538" y="573881"/>
-                  </a:cubicBezTo>
-                  <a:cubicBezTo>
-                    <a:pt x="154781" y="607219"/>
-                    <a:pt x="209550" y="626269"/>
-                    <a:pt x="269081" y="626269"/>
-                  </a:cubicBezTo>
-                  <a:cubicBezTo>
-                    <a:pt x="342900" y="626269"/>
-                    <a:pt x="409575" y="597694"/>
-                    <a:pt x="457200" y="547688"/>
-                  </a:cubicBezTo>
-                  <a:lnTo>
-                    <a:pt x="466725" y="566738"/>
-                  </a:lnTo>
-                  <a:cubicBezTo>
-                    <a:pt x="583406" y="557213"/>
-                    <a:pt x="933450" y="547688"/>
-                    <a:pt x="933450" y="547688"/>
-                  </a:cubicBezTo>
-                  <a:cubicBezTo>
-                    <a:pt x="933450" y="531019"/>
-                    <a:pt x="702469" y="545306"/>
-                    <a:pt x="511969" y="469106"/>
-                  </a:cubicBezTo>
-                  <a:close/>
-                  <a:moveTo>
-                    <a:pt x="33338" y="357188"/>
-                  </a:moveTo>
-                  <a:cubicBezTo>
-                    <a:pt x="33338" y="226219"/>
-                    <a:pt x="138113" y="121444"/>
-                    <a:pt x="269081" y="121444"/>
-                  </a:cubicBezTo>
-                  <a:cubicBezTo>
-                    <a:pt x="304800" y="121444"/>
-                    <a:pt x="338138" y="128588"/>
-                    <a:pt x="366713" y="142875"/>
-                  </a:cubicBezTo>
-                  <a:cubicBezTo>
-                    <a:pt x="238125" y="257175"/>
-                    <a:pt x="140494" y="388144"/>
-                    <a:pt x="80963" y="502444"/>
-                  </a:cubicBezTo>
-                  <a:cubicBezTo>
-                    <a:pt x="50006" y="459581"/>
-                    <a:pt x="33338" y="409575"/>
-                    <a:pt x="33338" y="357188"/>
-                  </a:cubicBezTo>
-                  <a:close/>
-                  <a:moveTo>
-                    <a:pt x="269081" y="592931"/>
-                  </a:moveTo>
-                  <a:cubicBezTo>
-                    <a:pt x="214313" y="592931"/>
-                    <a:pt x="161925" y="573881"/>
-                    <a:pt x="123825" y="542925"/>
-                  </a:cubicBezTo>
-                  <a:cubicBezTo>
-                    <a:pt x="171450" y="438150"/>
-                    <a:pt x="266700" y="295275"/>
-                    <a:pt x="395288" y="157163"/>
-                  </a:cubicBezTo>
-                  <a:cubicBezTo>
-                    <a:pt x="461963" y="200025"/>
-                    <a:pt x="504825" y="273844"/>
-                    <a:pt x="504825" y="357188"/>
-                  </a:cubicBezTo>
-                  <a:cubicBezTo>
-                    <a:pt x="504825" y="392906"/>
-                    <a:pt x="497681" y="426244"/>
-                    <a:pt x="483394" y="457200"/>
-                  </a:cubicBezTo>
-                  <a:cubicBezTo>
-                    <a:pt x="442913" y="438150"/>
-                    <a:pt x="402431" y="414337"/>
-                    <a:pt x="371475" y="383381"/>
-                  </a:cubicBezTo>
-                  <a:lnTo>
-                    <a:pt x="442913" y="516731"/>
-                  </a:lnTo>
-                  <a:cubicBezTo>
-                    <a:pt x="397669" y="564356"/>
-                    <a:pt x="338138" y="592931"/>
-                    <a:pt x="269081" y="592931"/>
-                  </a:cubicBezTo>
-                  <a:close/>
-                </a:path>
-              </a:pathLst>
-            </a:custGeom>
-            <a:grpFill/>
-            <a:ln w="23813" cap="flat">
-              <a:noFill/>
-              <a:prstDash val="solid"/>
-              <a:miter/>
-            </a:ln>
-          </p:spPr>
-          <p:txBody>
-            <a:bodyPr rtlCol="0" anchor="ctr"/>
-            <a:lstStyle/>
-            <a:p>
-              <a:endParaRPr/>
-            </a:p>
-          </p:txBody>
-        </p:sp>
-        <p:sp>
-          <p:nvSpPr>
-            <p:cNvPr id="35" name="Freeform: Shape 16">
-              <a:extLst>
-                <a:ext uri="{FF2B5EF4-FFF2-40B4-BE49-F238E27FC236}">
-                  <a16:creationId xmlns:a16="http://schemas.microsoft.com/office/drawing/2014/main" id="{7AC6C826-883A-491C-A143-9A91A59ED965}"/>
-                </a:ext>
-              </a:extLst>
-            </p:cNvPr>
-            <p:cNvSpPr/>
-            <p:nvPr/>
-          </p:nvSpPr>
-          <p:spPr>
-            <a:xfrm>
-              <a:off x="3783806" y="-1018435"/>
-              <a:ext cx="500063" cy="261938"/>
-            </a:xfrm>
-            <a:custGeom>
-              <a:avLst/>
-              <a:gdLst>
-                <a:gd name="connsiteX0" fmla="*/ 390525 w 500062"/>
-                <a:gd name="connsiteY0" fmla="*/ 166688 h 261937"/>
-                <a:gd name="connsiteX1" fmla="*/ 433387 w 500062"/>
-                <a:gd name="connsiteY1" fmla="*/ 109537 h 261937"/>
-                <a:gd name="connsiteX2" fmla="*/ 280988 w 500062"/>
-                <a:gd name="connsiteY2" fmla="*/ 109537 h 261937"/>
-                <a:gd name="connsiteX3" fmla="*/ 319088 w 500062"/>
-                <a:gd name="connsiteY3" fmla="*/ 59531 h 261937"/>
-                <a:gd name="connsiteX4" fmla="*/ 471488 w 500062"/>
-                <a:gd name="connsiteY4" fmla="*/ 59531 h 261937"/>
-                <a:gd name="connsiteX5" fmla="*/ 514350 w 500062"/>
-                <a:gd name="connsiteY5" fmla="*/ 0 h 261937"/>
-                <a:gd name="connsiteX6" fmla="*/ 209550 w 500062"/>
-                <a:gd name="connsiteY6" fmla="*/ 0 h 261937"/>
-                <a:gd name="connsiteX7" fmla="*/ 0 w 500062"/>
-                <a:gd name="connsiteY7" fmla="*/ 278606 h 261937"/>
-                <a:gd name="connsiteX8" fmla="*/ 304800 w 500062"/>
-                <a:gd name="connsiteY8" fmla="*/ 278606 h 261937"/>
-                <a:gd name="connsiteX9" fmla="*/ 350044 w 500062"/>
-                <a:gd name="connsiteY9" fmla="*/ 221456 h 261937"/>
-                <a:gd name="connsiteX10" fmla="*/ 197644 w 500062"/>
-                <a:gd name="connsiteY10" fmla="*/ 221456 h 261937"/>
-                <a:gd name="connsiteX11" fmla="*/ 238125 w 500062"/>
-                <a:gd name="connsiteY11" fmla="*/ 166688 h 261937"/>
-                <a:gd name="connsiteX12" fmla="*/ 390525 w 500062"/>
-                <a:gd name="connsiteY12" fmla="*/ 166688 h 261937"/>
-              </a:gdLst>
-              <a:ahLst/>
-              <a:cxnLst>
-                <a:cxn ang="0">
-                  <a:pos x="connsiteX0" y="connsiteY0"/>
-                </a:cxn>
-                <a:cxn ang="0">
-                  <a:pos x="connsiteX1" y="connsiteY1"/>
-                </a:cxn>
-                <a:cxn ang="0">
-                  <a:pos x="connsiteX2" y="connsiteY2"/>
-                </a:cxn>
-                <a:cxn ang="0">
-                  <a:pos x="connsiteX3" y="connsiteY3"/>
-                </a:cxn>
-                <a:cxn ang="0">
-                  <a:pos x="connsiteX4" y="connsiteY4"/>
-                </a:cxn>
-                <a:cxn ang="0">
-                  <a:pos x="connsiteX5" y="connsiteY5"/>
-                </a:cxn>
-                <a:cxn ang="0">
-                  <a:pos x="connsiteX6" y="connsiteY6"/>
-                </a:cxn>
-                <a:cxn ang="0">
-                  <a:pos x="connsiteX7" y="connsiteY7"/>
-                </a:cxn>
-                <a:cxn ang="0">
-                  <a:pos x="connsiteX8" y="connsiteY8"/>
-                </a:cxn>
-                <a:cxn ang="0">
-                  <a:pos x="connsiteX9" y="connsiteY9"/>
-                </a:cxn>
-                <a:cxn ang="0">
-                  <a:pos x="connsiteX10" y="connsiteY10"/>
-                </a:cxn>
-                <a:cxn ang="0">
-                  <a:pos x="connsiteX11" y="connsiteY11"/>
-                </a:cxn>
-                <a:cxn ang="0">
-                  <a:pos x="connsiteX12" y="connsiteY12"/>
-                </a:cxn>
-              </a:cxnLst>
-              <a:rect l="l" t="t" r="r" b="b"/>
-              <a:pathLst>
-                <a:path w="500062" h="261937">
-                  <a:moveTo>
-                    <a:pt x="390525" y="166688"/>
-                  </a:moveTo>
-                  <a:lnTo>
-                    <a:pt x="433387" y="109537"/>
-                  </a:lnTo>
-                  <a:lnTo>
-                    <a:pt x="280988" y="109537"/>
-                  </a:lnTo>
-                  <a:lnTo>
-                    <a:pt x="319088" y="59531"/>
-                  </a:lnTo>
-                  <a:lnTo>
-                    <a:pt x="471488" y="59531"/>
-                  </a:lnTo>
-                  <a:lnTo>
-                    <a:pt x="514350" y="0"/>
-                  </a:lnTo>
-                  <a:lnTo>
-                    <a:pt x="209550" y="0"/>
-                  </a:lnTo>
-                  <a:lnTo>
-                    <a:pt x="0" y="278606"/>
-                  </a:lnTo>
-                  <a:lnTo>
-                    <a:pt x="304800" y="278606"/>
-                  </a:lnTo>
-                  <a:lnTo>
-                    <a:pt x="350044" y="221456"/>
-                  </a:lnTo>
-                  <a:lnTo>
-                    <a:pt x="197644" y="221456"/>
-                  </a:lnTo>
-                  <a:lnTo>
-                    <a:pt x="238125" y="166688"/>
-                  </a:lnTo>
-                  <a:lnTo>
-                    <a:pt x="390525" y="166688"/>
-                  </a:lnTo>
-                  <a:close/>
-                </a:path>
-              </a:pathLst>
-            </a:custGeom>
-            <a:grpFill/>
-            <a:ln w="23813" cap="flat">
-              <a:noFill/>
-              <a:prstDash val="solid"/>
-              <a:miter/>
-            </a:ln>
-          </p:spPr>
-          <p:txBody>
-            <a:bodyPr rtlCol="0" anchor="ctr"/>
-            <a:lstStyle/>
-            <a:p>
-              <a:endParaRPr/>
-            </a:p>
-          </p:txBody>
-        </p:sp>
-        <p:sp>
-          <p:nvSpPr>
-            <p:cNvPr id="36" name="Freeform: Shape 17">
-              <a:extLst>
-                <a:ext uri="{FF2B5EF4-FFF2-40B4-BE49-F238E27FC236}">
-                  <a16:creationId xmlns:a16="http://schemas.microsoft.com/office/drawing/2014/main" id="{9104992E-0931-45E7-A8B3-35919EF26AB6}"/>
-                </a:ext>
-              </a:extLst>
-            </p:cNvPr>
-            <p:cNvSpPr/>
-            <p:nvPr/>
-          </p:nvSpPr>
-          <p:spPr>
-            <a:xfrm>
-              <a:off x="4176713" y="-1018435"/>
-              <a:ext cx="357188" cy="261938"/>
-            </a:xfrm>
-            <a:custGeom>
-              <a:avLst/>
-              <a:gdLst>
-                <a:gd name="connsiteX0" fmla="*/ 209550 w 357187"/>
-                <a:gd name="connsiteY0" fmla="*/ 0 h 261937"/>
-                <a:gd name="connsiteX1" fmla="*/ 0 w 357187"/>
-                <a:gd name="connsiteY1" fmla="*/ 278606 h 261937"/>
-                <a:gd name="connsiteX2" fmla="*/ 150019 w 357187"/>
-                <a:gd name="connsiteY2" fmla="*/ 278606 h 261937"/>
-                <a:gd name="connsiteX3" fmla="*/ 359569 w 357187"/>
-                <a:gd name="connsiteY3" fmla="*/ 0 h 261937"/>
-                <a:gd name="connsiteX4" fmla="*/ 209550 w 357187"/>
-                <a:gd name="connsiteY4" fmla="*/ 0 h 261937"/>
-              </a:gdLst>
-              <a:ahLst/>
-              <a:cxnLst>
-                <a:cxn ang="0">
-                  <a:pos x="connsiteX0" y="connsiteY0"/>
-                </a:cxn>
-                <a:cxn ang="0">
-                  <a:pos x="connsiteX1" y="connsiteY1"/>
-                </a:cxn>
-                <a:cxn ang="0">
-                  <a:pos x="connsiteX2" y="connsiteY2"/>
-                </a:cxn>
-                <a:cxn ang="0">
-                  <a:pos x="connsiteX3" y="connsiteY3"/>
-                </a:cxn>
-                <a:cxn ang="0">
-                  <a:pos x="connsiteX4" y="connsiteY4"/>
-                </a:cxn>
-              </a:cxnLst>
-              <a:rect l="l" t="t" r="r" b="b"/>
-              <a:pathLst>
-                <a:path w="357187" h="261937">
-                  <a:moveTo>
-                    <a:pt x="209550" y="0"/>
-                  </a:moveTo>
-                  <a:lnTo>
-                    <a:pt x="0" y="278606"/>
-                  </a:lnTo>
-                  <a:lnTo>
-                    <a:pt x="150019" y="278606"/>
-                  </a:lnTo>
-                  <a:lnTo>
-                    <a:pt x="359569" y="0"/>
-                  </a:lnTo>
-                  <a:lnTo>
-                    <a:pt x="209550" y="0"/>
-                  </a:lnTo>
-                  <a:close/>
-                </a:path>
-              </a:pathLst>
-            </a:custGeom>
-            <a:grpFill/>
-            <a:ln w="23813" cap="flat">
-              <a:noFill/>
-              <a:prstDash val="solid"/>
-              <a:miter/>
-            </a:ln>
-          </p:spPr>
-          <p:txBody>
-            <a:bodyPr rtlCol="0" anchor="ctr"/>
-            <a:lstStyle/>
-            <a:p>
-              <a:endParaRPr/>
-            </a:p>
-          </p:txBody>
-        </p:sp>
-        <p:sp>
-          <p:nvSpPr>
-            <p:cNvPr id="37" name="Freeform: Shape 18">
-              <a:extLst>
-                <a:ext uri="{FF2B5EF4-FFF2-40B4-BE49-F238E27FC236}">
-                  <a16:creationId xmlns:a16="http://schemas.microsoft.com/office/drawing/2014/main" id="{84F607A0-46BA-40DC-B8AB-162344DF5AB1}"/>
-                </a:ext>
-              </a:extLst>
-            </p:cNvPr>
-            <p:cNvSpPr/>
-            <p:nvPr/>
-          </p:nvSpPr>
-          <p:spPr>
-            <a:xfrm>
-              <a:off x="4424363" y="-1018435"/>
-              <a:ext cx="547688" cy="261938"/>
-            </a:xfrm>
-            <a:custGeom>
-              <a:avLst/>
-              <a:gdLst>
-                <a:gd name="connsiteX0" fmla="*/ 466725 w 547687"/>
-                <a:gd name="connsiteY0" fmla="*/ 0 h 261937"/>
-                <a:gd name="connsiteX1" fmla="*/ 361950 w 547687"/>
-                <a:gd name="connsiteY1" fmla="*/ 142875 h 261937"/>
-                <a:gd name="connsiteX2" fmla="*/ 328612 w 547687"/>
-                <a:gd name="connsiteY2" fmla="*/ 0 h 261937"/>
-                <a:gd name="connsiteX3" fmla="*/ 209550 w 547687"/>
-                <a:gd name="connsiteY3" fmla="*/ 0 h 261937"/>
-                <a:gd name="connsiteX4" fmla="*/ 0 w 547687"/>
-                <a:gd name="connsiteY4" fmla="*/ 278606 h 261937"/>
-                <a:gd name="connsiteX5" fmla="*/ 100012 w 547687"/>
-                <a:gd name="connsiteY5" fmla="*/ 278606 h 261937"/>
-                <a:gd name="connsiteX6" fmla="*/ 204787 w 547687"/>
-                <a:gd name="connsiteY6" fmla="*/ 140494 h 261937"/>
-                <a:gd name="connsiteX7" fmla="*/ 238125 w 547687"/>
-                <a:gd name="connsiteY7" fmla="*/ 278606 h 261937"/>
-                <a:gd name="connsiteX8" fmla="*/ 357188 w 547687"/>
-                <a:gd name="connsiteY8" fmla="*/ 278606 h 261937"/>
-                <a:gd name="connsiteX9" fmla="*/ 566737 w 547687"/>
-                <a:gd name="connsiteY9" fmla="*/ 0 h 261937"/>
-                <a:gd name="connsiteX10" fmla="*/ 466725 w 547687"/>
-                <a:gd name="connsiteY10" fmla="*/ 0 h 261937"/>
-              </a:gdLst>
-              <a:ahLst/>
-              <a:cxnLst>
-                <a:cxn ang="0">
-                  <a:pos x="connsiteX0" y="connsiteY0"/>
-                </a:cxn>
-                <a:cxn ang="0">
-                  <a:pos x="connsiteX1" y="connsiteY1"/>
-                </a:cxn>
-                <a:cxn ang="0">
-                  <a:pos x="connsiteX2" y="connsiteY2"/>
-                </a:cxn>
-                <a:cxn ang="0">
-                  <a:pos x="connsiteX3" y="connsiteY3"/>
-                </a:cxn>
-                <a:cxn ang="0">
-                  <a:pos x="connsiteX4" y="connsiteY4"/>
-                </a:cxn>
-                <a:cxn ang="0">
-                  <a:pos x="connsiteX5" y="connsiteY5"/>
-                </a:cxn>
-                <a:cxn ang="0">
-                  <a:pos x="connsiteX6" y="connsiteY6"/>
-                </a:cxn>
-                <a:cxn ang="0">
-                  <a:pos x="connsiteX7" y="connsiteY7"/>
-                </a:cxn>
-                <a:cxn ang="0">
-                  <a:pos x="connsiteX8" y="connsiteY8"/>
-                </a:cxn>
-                <a:cxn ang="0">
-                  <a:pos x="connsiteX9" y="connsiteY9"/>
-                </a:cxn>
-                <a:cxn ang="0">
-                  <a:pos x="connsiteX10" y="connsiteY10"/>
-                </a:cxn>
-              </a:cxnLst>
-              <a:rect l="l" t="t" r="r" b="b"/>
-              <a:pathLst>
-                <a:path w="547687" h="261937">
-                  <a:moveTo>
-                    <a:pt x="466725" y="0"/>
-                  </a:moveTo>
-                  <a:lnTo>
-                    <a:pt x="361950" y="142875"/>
-                  </a:lnTo>
-                  <a:lnTo>
-                    <a:pt x="328612" y="0"/>
-                  </a:lnTo>
-                  <a:lnTo>
-                    <a:pt x="209550" y="0"/>
-                  </a:lnTo>
-                  <a:lnTo>
-                    <a:pt x="0" y="278606"/>
-                  </a:lnTo>
-                  <a:lnTo>
-                    <a:pt x="100012" y="278606"/>
-                  </a:lnTo>
-                  <a:lnTo>
-                    <a:pt x="204787" y="140494"/>
-                  </a:lnTo>
-                  <a:lnTo>
-                    <a:pt x="238125" y="278606"/>
-                  </a:lnTo>
-                  <a:lnTo>
-                    <a:pt x="357188" y="278606"/>
-                  </a:lnTo>
-                  <a:lnTo>
-                    <a:pt x="566737" y="0"/>
-                  </a:lnTo>
-                  <a:lnTo>
-                    <a:pt x="466725" y="0"/>
-                  </a:lnTo>
-                  <a:close/>
-                </a:path>
-              </a:pathLst>
-            </a:custGeom>
-            <a:grpFill/>
-            <a:ln w="23813" cap="flat">
-              <a:noFill/>
-              <a:prstDash val="solid"/>
-              <a:miter/>
-            </a:ln>
-          </p:spPr>
-          <p:txBody>
-            <a:bodyPr rtlCol="0" anchor="ctr"/>
-            <a:lstStyle/>
-            <a:p>
-              <a:endParaRPr/>
-            </a:p>
-          </p:txBody>
-        </p:sp>
-        <p:sp>
-          <p:nvSpPr>
-            <p:cNvPr id="38" name="Freeform: Shape 19">
-              <a:extLst>
-                <a:ext uri="{FF2B5EF4-FFF2-40B4-BE49-F238E27FC236}">
-                  <a16:creationId xmlns:a16="http://schemas.microsoft.com/office/drawing/2014/main" id="{8244B5A3-4CCF-4929-BFD3-1B7CDC5D34D3}"/>
-                </a:ext>
-              </a:extLst>
-            </p:cNvPr>
-            <p:cNvSpPr/>
-            <p:nvPr/>
-          </p:nvSpPr>
-          <p:spPr>
-            <a:xfrm>
-              <a:off x="4907756" y="-1018435"/>
-              <a:ext cx="500063" cy="261938"/>
-            </a:xfrm>
-            <a:custGeom>
-              <a:avLst/>
-              <a:gdLst>
-                <a:gd name="connsiteX0" fmla="*/ 481012 w 500062"/>
-                <a:gd name="connsiteY0" fmla="*/ 0 h 261937"/>
-                <a:gd name="connsiteX1" fmla="*/ 235744 w 500062"/>
-                <a:gd name="connsiteY1" fmla="*/ 0 h 261937"/>
-                <a:gd name="connsiteX2" fmla="*/ 133350 w 500062"/>
-                <a:gd name="connsiteY2" fmla="*/ 50006 h 261937"/>
-                <a:gd name="connsiteX3" fmla="*/ 7144 w 500062"/>
-                <a:gd name="connsiteY3" fmla="*/ 216694 h 261937"/>
-                <a:gd name="connsiteX4" fmla="*/ 0 w 500062"/>
-                <a:gd name="connsiteY4" fmla="*/ 238125 h 261937"/>
-                <a:gd name="connsiteX5" fmla="*/ 38100 w 500062"/>
-                <a:gd name="connsiteY5" fmla="*/ 276225 h 261937"/>
-                <a:gd name="connsiteX6" fmla="*/ 283369 w 500062"/>
-                <a:gd name="connsiteY6" fmla="*/ 276225 h 261937"/>
-                <a:gd name="connsiteX7" fmla="*/ 385762 w 500062"/>
-                <a:gd name="connsiteY7" fmla="*/ 226219 h 261937"/>
-                <a:gd name="connsiteX8" fmla="*/ 416719 w 500062"/>
-                <a:gd name="connsiteY8" fmla="*/ 185738 h 261937"/>
-                <a:gd name="connsiteX9" fmla="*/ 452438 w 500062"/>
-                <a:gd name="connsiteY9" fmla="*/ 185738 h 261937"/>
-                <a:gd name="connsiteX10" fmla="*/ 497681 w 500062"/>
-                <a:gd name="connsiteY10" fmla="*/ 126206 h 261937"/>
-                <a:gd name="connsiteX11" fmla="*/ 309563 w 500062"/>
-                <a:gd name="connsiteY11" fmla="*/ 126206 h 261937"/>
-                <a:gd name="connsiteX12" fmla="*/ 250031 w 500062"/>
-                <a:gd name="connsiteY12" fmla="*/ 204787 h 261937"/>
-                <a:gd name="connsiteX13" fmla="*/ 223838 w 500062"/>
-                <a:gd name="connsiteY13" fmla="*/ 219075 h 261937"/>
-                <a:gd name="connsiteX14" fmla="*/ 180975 w 500062"/>
-                <a:gd name="connsiteY14" fmla="*/ 219075 h 261937"/>
-                <a:gd name="connsiteX15" fmla="*/ 171450 w 500062"/>
-                <a:gd name="connsiteY15" fmla="*/ 209550 h 261937"/>
-                <a:gd name="connsiteX16" fmla="*/ 173831 w 500062"/>
-                <a:gd name="connsiteY16" fmla="*/ 204787 h 261937"/>
-                <a:gd name="connsiteX17" fmla="*/ 273844 w 500062"/>
-                <a:gd name="connsiteY17" fmla="*/ 71438 h 261937"/>
-                <a:gd name="connsiteX18" fmla="*/ 300038 w 500062"/>
-                <a:gd name="connsiteY18" fmla="*/ 57150 h 261937"/>
-                <a:gd name="connsiteX19" fmla="*/ 342900 w 500062"/>
-                <a:gd name="connsiteY19" fmla="*/ 57150 h 261937"/>
-                <a:gd name="connsiteX20" fmla="*/ 352425 w 500062"/>
-                <a:gd name="connsiteY20" fmla="*/ 66675 h 261937"/>
-                <a:gd name="connsiteX21" fmla="*/ 350044 w 500062"/>
-                <a:gd name="connsiteY21" fmla="*/ 71438 h 261937"/>
-                <a:gd name="connsiteX22" fmla="*/ 333375 w 500062"/>
-                <a:gd name="connsiteY22" fmla="*/ 92869 h 261937"/>
-                <a:gd name="connsiteX23" fmla="*/ 485775 w 500062"/>
-                <a:gd name="connsiteY23" fmla="*/ 92869 h 261937"/>
-                <a:gd name="connsiteX24" fmla="*/ 511969 w 500062"/>
-                <a:gd name="connsiteY24" fmla="*/ 57150 h 261937"/>
-                <a:gd name="connsiteX25" fmla="*/ 519113 w 500062"/>
-                <a:gd name="connsiteY25" fmla="*/ 35719 h 261937"/>
-                <a:gd name="connsiteX26" fmla="*/ 481012 w 500062"/>
-                <a:gd name="connsiteY26" fmla="*/ 0 h 261937"/>
-                <a:gd name="connsiteX27" fmla="*/ 481012 w 500062"/>
-                <a:gd name="connsiteY27" fmla="*/ 0 h 261937"/>
-              </a:gdLst>
-              <a:ahLst/>
-              <a:cxnLst>
-                <a:cxn ang="0">
-                  <a:pos x="connsiteX0" y="connsiteY0"/>
-                </a:cxn>
-                <a:cxn ang="0">
-                  <a:pos x="connsiteX1" y="connsiteY1"/>
-                </a:cxn>
-                <a:cxn ang="0">
-                  <a:pos x="connsiteX2" y="connsiteY2"/>
-                </a:cxn>
-                <a:cxn ang="0">
-                  <a:pos x="connsiteX3" y="connsiteY3"/>
-                </a:cxn>
-                <a:cxn ang="0">
-                  <a:pos x="connsiteX4" y="connsiteY4"/>
-                </a:cxn>
-                <a:cxn ang="0">
-                  <a:pos x="connsiteX5" y="connsiteY5"/>
-                </a:cxn>
-                <a:cxn ang="0">
-                  <a:pos x="connsiteX6" y="connsiteY6"/>
-                </a:cxn>
-                <a:cxn ang="0">
-                  <a:pos x="connsiteX7" y="connsiteY7"/>
-                </a:cxn>
-                <a:cxn ang="0">
-                  <a:pos x="connsiteX8" y="connsiteY8"/>
-                </a:cxn>
-                <a:cxn ang="0">
-                  <a:pos x="connsiteX9" y="connsiteY9"/>
-                </a:cxn>
-                <a:cxn ang="0">
-                  <a:pos x="connsiteX10" y="connsiteY10"/>
-                </a:cxn>
-                <a:cxn ang="0">
-                  <a:pos x="connsiteX11" y="connsiteY11"/>
-                </a:cxn>
-                <a:cxn ang="0">
-                  <a:pos x="connsiteX12" y="connsiteY12"/>
-                </a:cxn>
-                <a:cxn ang="0">
-                  <a:pos x="connsiteX13" y="connsiteY13"/>
-                </a:cxn>
-                <a:cxn ang="0">
-                  <a:pos x="connsiteX14" y="connsiteY14"/>
-                </a:cxn>
-                <a:cxn ang="0">
-                  <a:pos x="connsiteX15" y="connsiteY15"/>
-                </a:cxn>
-                <a:cxn ang="0">
-                  <a:pos x="connsiteX16" y="connsiteY16"/>
-                </a:cxn>
-                <a:cxn ang="0">
-                  <a:pos x="connsiteX17" y="connsiteY17"/>
-                </a:cxn>
-                <a:cxn ang="0">
-                  <a:pos x="connsiteX18" y="connsiteY18"/>
-                </a:cxn>
-                <a:cxn ang="0">
-                  <a:pos x="connsiteX19" y="connsiteY19"/>
-                </a:cxn>
-                <a:cxn ang="0">
-                  <a:pos x="connsiteX20" y="connsiteY20"/>
-                </a:cxn>
-                <a:cxn ang="0">
-                  <a:pos x="connsiteX21" y="connsiteY21"/>
-                </a:cxn>
-                <a:cxn ang="0">
-                  <a:pos x="connsiteX22" y="connsiteY22"/>
-                </a:cxn>
-                <a:cxn ang="0">
-                  <a:pos x="connsiteX23" y="connsiteY23"/>
-                </a:cxn>
-                <a:cxn ang="0">
-                  <a:pos x="connsiteX24" y="connsiteY24"/>
-                </a:cxn>
-                <a:cxn ang="0">
-                  <a:pos x="connsiteX25" y="connsiteY25"/>
-                </a:cxn>
-                <a:cxn ang="0">
-                  <a:pos x="connsiteX26" y="connsiteY26"/>
-                </a:cxn>
-                <a:cxn ang="0">
-                  <a:pos x="connsiteX27" y="connsiteY27"/>
-                </a:cxn>
-              </a:cxnLst>
-              <a:rect l="l" t="t" r="r" b="b"/>
-              <a:pathLst>
-                <a:path w="500062" h="261937">
-                  <a:moveTo>
-                    <a:pt x="481012" y="0"/>
-                  </a:moveTo>
-                  <a:lnTo>
-                    <a:pt x="235744" y="0"/>
-                  </a:lnTo>
-                  <a:cubicBezTo>
-                    <a:pt x="192881" y="0"/>
-                    <a:pt x="157163" y="19050"/>
-                    <a:pt x="133350" y="50006"/>
-                  </a:cubicBezTo>
-                  <a:lnTo>
-                    <a:pt x="7144" y="216694"/>
-                  </a:lnTo>
-                  <a:cubicBezTo>
-                    <a:pt x="2381" y="223838"/>
-                    <a:pt x="0" y="230981"/>
-                    <a:pt x="0" y="238125"/>
-                  </a:cubicBezTo>
-                  <a:cubicBezTo>
-                    <a:pt x="0" y="259556"/>
-                    <a:pt x="16669" y="276225"/>
-                    <a:pt x="38100" y="276225"/>
-                  </a:cubicBezTo>
-                  <a:lnTo>
-                    <a:pt x="283369" y="276225"/>
-                  </a:lnTo>
-                  <a:cubicBezTo>
-                    <a:pt x="326231" y="276225"/>
-                    <a:pt x="361950" y="257175"/>
-                    <a:pt x="385762" y="226219"/>
-                  </a:cubicBezTo>
-                  <a:lnTo>
-                    <a:pt x="416719" y="185738"/>
-                  </a:lnTo>
-                  <a:lnTo>
-                    <a:pt x="452438" y="185738"/>
-                  </a:lnTo>
-                  <a:lnTo>
-                    <a:pt x="497681" y="126206"/>
-                  </a:lnTo>
-                  <a:lnTo>
-                    <a:pt x="309563" y="126206"/>
-                  </a:lnTo>
-                  <a:lnTo>
-                    <a:pt x="250031" y="204787"/>
-                  </a:lnTo>
-                  <a:cubicBezTo>
-                    <a:pt x="242887" y="211931"/>
-                    <a:pt x="233363" y="219075"/>
-                    <a:pt x="223838" y="219075"/>
-                  </a:cubicBezTo>
-                  <a:lnTo>
-                    <a:pt x="180975" y="219075"/>
-                  </a:lnTo>
-                  <a:cubicBezTo>
-                    <a:pt x="176213" y="219075"/>
-                    <a:pt x="171450" y="214313"/>
-                    <a:pt x="171450" y="209550"/>
-                  </a:cubicBezTo>
-                  <a:cubicBezTo>
-                    <a:pt x="171450" y="207169"/>
-                    <a:pt x="171450" y="204787"/>
-                    <a:pt x="173831" y="204787"/>
-                  </a:cubicBezTo>
-                  <a:lnTo>
-                    <a:pt x="273844" y="71438"/>
-                  </a:lnTo>
-                  <a:cubicBezTo>
-                    <a:pt x="280988" y="64294"/>
-                    <a:pt x="290512" y="57150"/>
-                    <a:pt x="300038" y="57150"/>
-                  </a:cubicBezTo>
-                  <a:lnTo>
-                    <a:pt x="342900" y="57150"/>
-                  </a:lnTo>
-                  <a:cubicBezTo>
-                    <a:pt x="347663" y="57150"/>
-                    <a:pt x="352425" y="61912"/>
-                    <a:pt x="352425" y="66675"/>
-                  </a:cubicBezTo>
-                  <a:cubicBezTo>
-                    <a:pt x="352425" y="69056"/>
-                    <a:pt x="352425" y="71438"/>
-                    <a:pt x="350044" y="71438"/>
-                  </a:cubicBezTo>
-                  <a:lnTo>
-                    <a:pt x="333375" y="92869"/>
-                  </a:lnTo>
-                  <a:lnTo>
-                    <a:pt x="485775" y="92869"/>
-                  </a:lnTo>
-                  <a:lnTo>
-                    <a:pt x="511969" y="57150"/>
-                  </a:lnTo>
-                  <a:cubicBezTo>
-                    <a:pt x="516731" y="50006"/>
-                    <a:pt x="519113" y="42863"/>
-                    <a:pt x="519113" y="35719"/>
-                  </a:cubicBezTo>
-                  <a:cubicBezTo>
-                    <a:pt x="519113" y="16669"/>
-                    <a:pt x="502444" y="0"/>
-                    <a:pt x="481012" y="0"/>
-                  </a:cubicBezTo>
-                  <a:lnTo>
-                    <a:pt x="481012" y="0"/>
-                  </a:lnTo>
-                  <a:close/>
-                </a:path>
-              </a:pathLst>
-            </a:custGeom>
-            <a:grpFill/>
-            <a:ln w="23813" cap="flat">
-              <a:noFill/>
-              <a:prstDash val="solid"/>
-              <a:miter/>
-            </a:ln>
-          </p:spPr>
-          <p:txBody>
-            <a:bodyPr rtlCol="0" anchor="ctr"/>
-            <a:lstStyle/>
-            <a:p>
-              <a:endParaRPr/>
-            </a:p>
-          </p:txBody>
-        </p:sp>
-        <p:sp>
-          <p:nvSpPr>
-            <p:cNvPr id="39" name="Freeform: Shape 20">
-              <a:extLst>
-                <a:ext uri="{FF2B5EF4-FFF2-40B4-BE49-F238E27FC236}">
-                  <a16:creationId xmlns:a16="http://schemas.microsoft.com/office/drawing/2014/main" id="{BB18E028-ADEA-480E-B0AE-951496540098}"/>
-                </a:ext>
-              </a:extLst>
-            </p:cNvPr>
-            <p:cNvSpPr/>
-            <p:nvPr/>
-          </p:nvSpPr>
-          <p:spPr>
-            <a:xfrm>
-              <a:off x="3352800" y="-1018435"/>
-              <a:ext cx="500063" cy="261938"/>
-            </a:xfrm>
-            <a:custGeom>
-              <a:avLst/>
-              <a:gdLst>
-                <a:gd name="connsiteX0" fmla="*/ 516731 w 500062"/>
-                <a:gd name="connsiteY0" fmla="*/ 38100 h 261937"/>
-                <a:gd name="connsiteX1" fmla="*/ 478631 w 500062"/>
-                <a:gd name="connsiteY1" fmla="*/ 0 h 261937"/>
-                <a:gd name="connsiteX2" fmla="*/ 235744 w 500062"/>
-                <a:gd name="connsiteY2" fmla="*/ 0 h 261937"/>
-                <a:gd name="connsiteX3" fmla="*/ 133350 w 500062"/>
-                <a:gd name="connsiteY3" fmla="*/ 52387 h 261937"/>
-                <a:gd name="connsiteX4" fmla="*/ 7144 w 500062"/>
-                <a:gd name="connsiteY4" fmla="*/ 219075 h 261937"/>
-                <a:gd name="connsiteX5" fmla="*/ 0 w 500062"/>
-                <a:gd name="connsiteY5" fmla="*/ 240506 h 261937"/>
-                <a:gd name="connsiteX6" fmla="*/ 38100 w 500062"/>
-                <a:gd name="connsiteY6" fmla="*/ 278606 h 261937"/>
-                <a:gd name="connsiteX7" fmla="*/ 283369 w 500062"/>
-                <a:gd name="connsiteY7" fmla="*/ 278606 h 261937"/>
-                <a:gd name="connsiteX8" fmla="*/ 385762 w 500062"/>
-                <a:gd name="connsiteY8" fmla="*/ 228600 h 261937"/>
-                <a:gd name="connsiteX9" fmla="*/ 511969 w 500062"/>
-                <a:gd name="connsiteY9" fmla="*/ 61912 h 261937"/>
-                <a:gd name="connsiteX10" fmla="*/ 516731 w 500062"/>
-                <a:gd name="connsiteY10" fmla="*/ 38100 h 261937"/>
-                <a:gd name="connsiteX11" fmla="*/ 516731 w 500062"/>
-                <a:gd name="connsiteY11" fmla="*/ 38100 h 261937"/>
-                <a:gd name="connsiteX12" fmla="*/ 347662 w 500062"/>
-                <a:gd name="connsiteY12" fmla="*/ 73819 h 261937"/>
-                <a:gd name="connsiteX13" fmla="*/ 247650 w 500062"/>
-                <a:gd name="connsiteY13" fmla="*/ 207169 h 261937"/>
-                <a:gd name="connsiteX14" fmla="*/ 221456 w 500062"/>
-                <a:gd name="connsiteY14" fmla="*/ 221456 h 261937"/>
-                <a:gd name="connsiteX15" fmla="*/ 178594 w 500062"/>
-                <a:gd name="connsiteY15" fmla="*/ 221456 h 261937"/>
-                <a:gd name="connsiteX16" fmla="*/ 169069 w 500062"/>
-                <a:gd name="connsiteY16" fmla="*/ 211931 h 261937"/>
-                <a:gd name="connsiteX17" fmla="*/ 171450 w 500062"/>
-                <a:gd name="connsiteY17" fmla="*/ 207169 h 261937"/>
-                <a:gd name="connsiteX18" fmla="*/ 271463 w 500062"/>
-                <a:gd name="connsiteY18" fmla="*/ 73819 h 261937"/>
-                <a:gd name="connsiteX19" fmla="*/ 297656 w 500062"/>
-                <a:gd name="connsiteY19" fmla="*/ 59531 h 261937"/>
-                <a:gd name="connsiteX20" fmla="*/ 340519 w 500062"/>
-                <a:gd name="connsiteY20" fmla="*/ 59531 h 261937"/>
-                <a:gd name="connsiteX21" fmla="*/ 350044 w 500062"/>
-                <a:gd name="connsiteY21" fmla="*/ 69056 h 261937"/>
-                <a:gd name="connsiteX22" fmla="*/ 347662 w 500062"/>
-                <a:gd name="connsiteY22" fmla="*/ 73819 h 261937"/>
-                <a:gd name="connsiteX23" fmla="*/ 347662 w 500062"/>
-                <a:gd name="connsiteY23" fmla="*/ 73819 h 261937"/>
-              </a:gdLst>
-              <a:ahLst/>
-              <a:cxnLst>
-                <a:cxn ang="0">
-                  <a:pos x="connsiteX0" y="connsiteY0"/>
-                </a:cxn>
-                <a:cxn ang="0">
-                  <a:pos x="connsiteX1" y="connsiteY1"/>
-                </a:cxn>
-                <a:cxn ang="0">
-                  <a:pos x="connsiteX2" y="connsiteY2"/>
-                </a:cxn>
-                <a:cxn ang="0">
-                  <a:pos x="connsiteX3" y="connsiteY3"/>
-                </a:cxn>
-                <a:cxn ang="0">
-                  <a:pos x="connsiteX4" y="connsiteY4"/>
-                </a:cxn>
-                <a:cxn ang="0">
-                  <a:pos x="connsiteX5" y="connsiteY5"/>
-                </a:cxn>
-                <a:cxn ang="0">
-                  <a:pos x="connsiteX6" y="connsiteY6"/>
-                </a:cxn>
-                <a:cxn ang="0">
-                  <a:pos x="connsiteX7" y="connsiteY7"/>
-                </a:cxn>
-                <a:cxn ang="0">
-                  <a:pos x="connsiteX8" y="connsiteY8"/>
-                </a:cxn>
-                <a:cxn ang="0">
-                  <a:pos x="connsiteX9" y="connsiteY9"/>
-                </a:cxn>
-                <a:cxn ang="0">
-                  <a:pos x="connsiteX10" y="connsiteY10"/>
-                </a:cxn>
-                <a:cxn ang="0">
-                  <a:pos x="connsiteX11" y="connsiteY11"/>
-                </a:cxn>
-                <a:cxn ang="0">
-                  <a:pos x="connsiteX12" y="connsiteY12"/>
-                </a:cxn>
-                <a:cxn ang="0">
-                  <a:pos x="connsiteX13" y="connsiteY13"/>
-                </a:cxn>
-                <a:cxn ang="0">
-                  <a:pos x="connsiteX14" y="connsiteY14"/>
-                </a:cxn>
-                <a:cxn ang="0">
-                  <a:pos x="connsiteX15" y="connsiteY15"/>
-                </a:cxn>
-                <a:cxn ang="0">
-                  <a:pos x="connsiteX16" y="connsiteY16"/>
-                </a:cxn>
-                <a:cxn ang="0">
-                  <a:pos x="connsiteX17" y="connsiteY17"/>
-                </a:cxn>
-                <a:cxn ang="0">
-                  <a:pos x="connsiteX18" y="connsiteY18"/>
-                </a:cxn>
-                <a:cxn ang="0">
-                  <a:pos x="connsiteX19" y="connsiteY19"/>
-                </a:cxn>
-                <a:cxn ang="0">
-                  <a:pos x="connsiteX20" y="connsiteY20"/>
-                </a:cxn>
-                <a:cxn ang="0">
-                  <a:pos x="connsiteX21" y="connsiteY21"/>
-                </a:cxn>
-                <a:cxn ang="0">
-                  <a:pos x="connsiteX22" y="connsiteY22"/>
-                </a:cxn>
-                <a:cxn ang="0">
-                  <a:pos x="connsiteX23" y="connsiteY23"/>
-                </a:cxn>
-              </a:cxnLst>
-              <a:rect l="l" t="t" r="r" b="b"/>
-              <a:pathLst>
-                <a:path w="500062" h="261937">
-                  <a:moveTo>
-                    <a:pt x="516731" y="38100"/>
-                  </a:moveTo>
-                  <a:cubicBezTo>
-                    <a:pt x="516731" y="16669"/>
-                    <a:pt x="500063" y="0"/>
-                    <a:pt x="478631" y="0"/>
-                  </a:cubicBezTo>
-                  <a:lnTo>
-                    <a:pt x="235744" y="0"/>
-                  </a:lnTo>
-                  <a:cubicBezTo>
-                    <a:pt x="192881" y="0"/>
-                    <a:pt x="157162" y="21431"/>
-                    <a:pt x="133350" y="52387"/>
-                  </a:cubicBezTo>
-                  <a:lnTo>
-                    <a:pt x="7144" y="219075"/>
-                  </a:lnTo>
-                  <a:cubicBezTo>
-                    <a:pt x="2381" y="226219"/>
-                    <a:pt x="0" y="233363"/>
-                    <a:pt x="0" y="240506"/>
-                  </a:cubicBezTo>
-                  <a:cubicBezTo>
-                    <a:pt x="0" y="261937"/>
-                    <a:pt x="16669" y="278606"/>
-                    <a:pt x="38100" y="278606"/>
-                  </a:cubicBezTo>
-                  <a:lnTo>
-                    <a:pt x="283369" y="278606"/>
-                  </a:lnTo>
-                  <a:cubicBezTo>
-                    <a:pt x="326231" y="278606"/>
-                    <a:pt x="361950" y="259556"/>
-                    <a:pt x="385762" y="228600"/>
-                  </a:cubicBezTo>
-                  <a:lnTo>
-                    <a:pt x="511969" y="61912"/>
-                  </a:lnTo>
-                  <a:cubicBezTo>
-                    <a:pt x="514350" y="54769"/>
-                    <a:pt x="516731" y="47625"/>
-                    <a:pt x="516731" y="38100"/>
-                  </a:cubicBezTo>
-                  <a:lnTo>
-                    <a:pt x="516731" y="38100"/>
-                  </a:lnTo>
-                  <a:close/>
-                  <a:moveTo>
-                    <a:pt x="347662" y="73819"/>
-                  </a:moveTo>
-                  <a:lnTo>
-                    <a:pt x="247650" y="207169"/>
-                  </a:lnTo>
-                  <a:cubicBezTo>
-                    <a:pt x="240506" y="214313"/>
-                    <a:pt x="230981" y="221456"/>
-                    <a:pt x="221456" y="221456"/>
-                  </a:cubicBezTo>
-                  <a:lnTo>
-                    <a:pt x="178594" y="221456"/>
-                  </a:lnTo>
-                  <a:cubicBezTo>
-                    <a:pt x="173831" y="221456"/>
-                    <a:pt x="169069" y="216694"/>
-                    <a:pt x="169069" y="211931"/>
-                  </a:cubicBezTo>
-                  <a:cubicBezTo>
-                    <a:pt x="169069" y="209550"/>
-                    <a:pt x="169069" y="207169"/>
-                    <a:pt x="171450" y="207169"/>
-                  </a:cubicBezTo>
-                  <a:lnTo>
-                    <a:pt x="271463" y="73819"/>
-                  </a:lnTo>
-                  <a:cubicBezTo>
-                    <a:pt x="278606" y="66675"/>
-                    <a:pt x="288131" y="59531"/>
-                    <a:pt x="297656" y="59531"/>
-                  </a:cubicBezTo>
-                  <a:lnTo>
-                    <a:pt x="340519" y="59531"/>
-                  </a:lnTo>
-                  <a:cubicBezTo>
-                    <a:pt x="345281" y="59531"/>
-                    <a:pt x="350044" y="64294"/>
-                    <a:pt x="350044" y="69056"/>
-                  </a:cubicBezTo>
-                  <a:cubicBezTo>
-                    <a:pt x="350044" y="71438"/>
-                    <a:pt x="347662" y="73819"/>
-                    <a:pt x="347662" y="73819"/>
-                  </a:cubicBezTo>
-                  <a:lnTo>
-                    <a:pt x="347662" y="73819"/>
-                  </a:lnTo>
-                  <a:close/>
-                </a:path>
-              </a:pathLst>
-            </a:custGeom>
-            <a:grpFill/>
-            <a:ln w="23813" cap="flat">
-              <a:noFill/>
-              <a:prstDash val="solid"/>
-              <a:miter/>
-            </a:ln>
-          </p:spPr>
-          <p:txBody>
-            <a:bodyPr rtlCol="0" anchor="ctr"/>
-            <a:lstStyle/>
-            <a:p>
-              <a:endParaRPr/>
-            </a:p>
-          </p:txBody>
-        </p:sp>
-        <p:sp>
-          <p:nvSpPr>
-            <p:cNvPr id="40" name="Freeform: Shape 21">
-              <a:extLst>
-                <a:ext uri="{FF2B5EF4-FFF2-40B4-BE49-F238E27FC236}">
-                  <a16:creationId xmlns:a16="http://schemas.microsoft.com/office/drawing/2014/main" id="{D2D66137-872F-40C0-8CE7-B767DAADBEB4}"/>
-                </a:ext>
-              </a:extLst>
-            </p:cNvPr>
-            <p:cNvSpPr/>
-            <p:nvPr/>
-          </p:nvSpPr>
-          <p:spPr>
-            <a:xfrm>
-              <a:off x="2847975" y="-1016054"/>
-              <a:ext cx="547688" cy="261938"/>
-            </a:xfrm>
-            <a:custGeom>
-              <a:avLst/>
-              <a:gdLst>
-                <a:gd name="connsiteX0" fmla="*/ 447675 w 547687"/>
-                <a:gd name="connsiteY0" fmla="*/ 145256 h 261937"/>
-                <a:gd name="connsiteX1" fmla="*/ 521494 w 547687"/>
-                <a:gd name="connsiteY1" fmla="*/ 97631 h 261937"/>
-                <a:gd name="connsiteX2" fmla="*/ 550069 w 547687"/>
-                <a:gd name="connsiteY2" fmla="*/ 59531 h 261937"/>
-                <a:gd name="connsiteX3" fmla="*/ 557212 w 547687"/>
-                <a:gd name="connsiteY3" fmla="*/ 38100 h 261937"/>
-                <a:gd name="connsiteX4" fmla="*/ 519112 w 547687"/>
-                <a:gd name="connsiteY4" fmla="*/ 0 h 261937"/>
-                <a:gd name="connsiteX5" fmla="*/ 361950 w 547687"/>
-                <a:gd name="connsiteY5" fmla="*/ 0 h 261937"/>
-                <a:gd name="connsiteX6" fmla="*/ 361950 w 547687"/>
-                <a:gd name="connsiteY6" fmla="*/ 0 h 261937"/>
-                <a:gd name="connsiteX7" fmla="*/ 209550 w 547687"/>
-                <a:gd name="connsiteY7" fmla="*/ 0 h 261937"/>
-                <a:gd name="connsiteX8" fmla="*/ 0 w 547687"/>
-                <a:gd name="connsiteY8" fmla="*/ 278606 h 261937"/>
-                <a:gd name="connsiteX9" fmla="*/ 150019 w 547687"/>
-                <a:gd name="connsiteY9" fmla="*/ 278606 h 261937"/>
-                <a:gd name="connsiteX10" fmla="*/ 319087 w 547687"/>
-                <a:gd name="connsiteY10" fmla="*/ 278606 h 261937"/>
-                <a:gd name="connsiteX11" fmla="*/ 421481 w 547687"/>
-                <a:gd name="connsiteY11" fmla="*/ 228600 h 261937"/>
-                <a:gd name="connsiteX12" fmla="*/ 450056 w 547687"/>
-                <a:gd name="connsiteY12" fmla="*/ 190500 h 261937"/>
-                <a:gd name="connsiteX13" fmla="*/ 454819 w 547687"/>
-                <a:gd name="connsiteY13" fmla="*/ 171450 h 261937"/>
-                <a:gd name="connsiteX14" fmla="*/ 447675 w 547687"/>
-                <a:gd name="connsiteY14" fmla="*/ 145256 h 261937"/>
-                <a:gd name="connsiteX15" fmla="*/ 447675 w 547687"/>
-                <a:gd name="connsiteY15" fmla="*/ 145256 h 261937"/>
-                <a:gd name="connsiteX16" fmla="*/ 307181 w 547687"/>
-                <a:gd name="connsiteY16" fmla="*/ 180975 h 261937"/>
-                <a:gd name="connsiteX17" fmla="*/ 288131 w 547687"/>
-                <a:gd name="connsiteY17" fmla="*/ 204788 h 261937"/>
-                <a:gd name="connsiteX18" fmla="*/ 261938 w 547687"/>
-                <a:gd name="connsiteY18" fmla="*/ 219075 h 261937"/>
-                <a:gd name="connsiteX19" fmla="*/ 200025 w 547687"/>
-                <a:gd name="connsiteY19" fmla="*/ 219075 h 261937"/>
-                <a:gd name="connsiteX20" fmla="*/ 240506 w 547687"/>
-                <a:gd name="connsiteY20" fmla="*/ 164306 h 261937"/>
-                <a:gd name="connsiteX21" fmla="*/ 300037 w 547687"/>
-                <a:gd name="connsiteY21" fmla="*/ 164306 h 261937"/>
-                <a:gd name="connsiteX22" fmla="*/ 309563 w 547687"/>
-                <a:gd name="connsiteY22" fmla="*/ 173831 h 261937"/>
-                <a:gd name="connsiteX23" fmla="*/ 307181 w 547687"/>
-                <a:gd name="connsiteY23" fmla="*/ 180975 h 261937"/>
-                <a:gd name="connsiteX24" fmla="*/ 307181 w 547687"/>
-                <a:gd name="connsiteY24" fmla="*/ 180975 h 261937"/>
-                <a:gd name="connsiteX25" fmla="*/ 388144 w 547687"/>
-                <a:gd name="connsiteY25" fmla="*/ 71437 h 261937"/>
-                <a:gd name="connsiteX26" fmla="*/ 371475 w 547687"/>
-                <a:gd name="connsiteY26" fmla="*/ 92869 h 261937"/>
-                <a:gd name="connsiteX27" fmla="*/ 345281 w 547687"/>
-                <a:gd name="connsiteY27" fmla="*/ 107156 h 261937"/>
-                <a:gd name="connsiteX28" fmla="*/ 283369 w 547687"/>
-                <a:gd name="connsiteY28" fmla="*/ 107156 h 261937"/>
-                <a:gd name="connsiteX29" fmla="*/ 321469 w 547687"/>
-                <a:gd name="connsiteY29" fmla="*/ 57150 h 261937"/>
-                <a:gd name="connsiteX30" fmla="*/ 381000 w 547687"/>
-                <a:gd name="connsiteY30" fmla="*/ 57150 h 261937"/>
-                <a:gd name="connsiteX31" fmla="*/ 390525 w 547687"/>
-                <a:gd name="connsiteY31" fmla="*/ 66675 h 261937"/>
-                <a:gd name="connsiteX32" fmla="*/ 388144 w 547687"/>
-                <a:gd name="connsiteY32" fmla="*/ 71437 h 261937"/>
-                <a:gd name="connsiteX33" fmla="*/ 388144 w 547687"/>
-                <a:gd name="connsiteY33" fmla="*/ 71437 h 261937"/>
-              </a:gdLst>
-              <a:ahLst/>
-              <a:cxnLst>
-                <a:cxn ang="0">
-                  <a:pos x="connsiteX0" y="connsiteY0"/>
-                </a:cxn>
-                <a:cxn ang="0">
-                  <a:pos x="connsiteX1" y="connsiteY1"/>
-                </a:cxn>
-                <a:cxn ang="0">
-                  <a:pos x="connsiteX2" y="connsiteY2"/>
-                </a:cxn>
-                <a:cxn ang="0">
-                  <a:pos x="connsiteX3" y="connsiteY3"/>
-                </a:cxn>
-                <a:cxn ang="0">
-                  <a:pos x="connsiteX4" y="connsiteY4"/>
-                </a:cxn>
-                <a:cxn ang="0">
-                  <a:pos x="connsiteX5" y="connsiteY5"/>
-                </a:cxn>
-                <a:cxn ang="0">
-                  <a:pos x="connsiteX6" y="connsiteY6"/>
-                </a:cxn>
-                <a:cxn ang="0">
-                  <a:pos x="connsiteX7" y="connsiteY7"/>
-                </a:cxn>
-                <a:cxn ang="0">
-                  <a:pos x="connsiteX8" y="connsiteY8"/>
-                </a:cxn>
-                <a:cxn ang="0">
-                  <a:pos x="connsiteX9" y="connsiteY9"/>
-                </a:cxn>
-                <a:cxn ang="0">
-                  <a:pos x="connsiteX10" y="connsiteY10"/>
-                </a:cxn>
-                <a:cxn ang="0">
-                  <a:pos x="connsiteX11" y="connsiteY11"/>
-                </a:cxn>
-                <a:cxn ang="0">
-                  <a:pos x="connsiteX12" y="connsiteY12"/>
-                </a:cxn>
-                <a:cxn ang="0">
-                  <a:pos x="connsiteX13" y="connsiteY13"/>
-                </a:cxn>
-                <a:cxn ang="0">
-                  <a:pos x="connsiteX14" y="connsiteY14"/>
-                </a:cxn>
-                <a:cxn ang="0">
-                  <a:pos x="connsiteX15" y="connsiteY15"/>
-                </a:cxn>
-                <a:cxn ang="0">
-                  <a:pos x="connsiteX16" y="connsiteY16"/>
-                </a:cxn>
-                <a:cxn ang="0">
-                  <a:pos x="connsiteX17" y="connsiteY17"/>
-                </a:cxn>
-                <a:cxn ang="0">
-                  <a:pos x="connsiteX18" y="connsiteY18"/>
-                </a:cxn>
-                <a:cxn ang="0">
-                  <a:pos x="connsiteX19" y="connsiteY19"/>
-                </a:cxn>
-                <a:cxn ang="0">
-                  <a:pos x="connsiteX20" y="connsiteY20"/>
-                </a:cxn>
-                <a:cxn ang="0">
-                  <a:pos x="connsiteX21" y="connsiteY21"/>
-                </a:cxn>
-                <a:cxn ang="0">
-                  <a:pos x="connsiteX22" y="connsiteY22"/>
-                </a:cxn>
-                <a:cxn ang="0">
-                  <a:pos x="connsiteX23" y="connsiteY23"/>
-                </a:cxn>
-                <a:cxn ang="0">
-                  <a:pos x="connsiteX24" y="connsiteY24"/>
-                </a:cxn>
-                <a:cxn ang="0">
-                  <a:pos x="connsiteX25" y="connsiteY25"/>
-                </a:cxn>
-                <a:cxn ang="0">
-                  <a:pos x="connsiteX26" y="connsiteY26"/>
-                </a:cxn>
-                <a:cxn ang="0">
-                  <a:pos x="connsiteX27" y="connsiteY27"/>
-                </a:cxn>
-                <a:cxn ang="0">
-                  <a:pos x="connsiteX28" y="connsiteY28"/>
-                </a:cxn>
-                <a:cxn ang="0">
-                  <a:pos x="connsiteX29" y="connsiteY29"/>
-                </a:cxn>
-                <a:cxn ang="0">
-                  <a:pos x="connsiteX30" y="connsiteY30"/>
-                </a:cxn>
-                <a:cxn ang="0">
-                  <a:pos x="connsiteX31" y="connsiteY31"/>
-                </a:cxn>
-                <a:cxn ang="0">
-                  <a:pos x="connsiteX32" y="connsiteY32"/>
-                </a:cxn>
-                <a:cxn ang="0">
-                  <a:pos x="connsiteX33" y="connsiteY33"/>
-                </a:cxn>
-              </a:cxnLst>
-              <a:rect l="l" t="t" r="r" b="b"/>
-              <a:pathLst>
-                <a:path w="547687" h="261937">
-                  <a:moveTo>
-                    <a:pt x="447675" y="145256"/>
-                  </a:moveTo>
-                  <a:cubicBezTo>
-                    <a:pt x="478631" y="138113"/>
-                    <a:pt x="502444" y="121444"/>
-                    <a:pt x="521494" y="97631"/>
-                  </a:cubicBezTo>
-                  <a:lnTo>
-                    <a:pt x="550069" y="59531"/>
-                  </a:lnTo>
-                  <a:cubicBezTo>
-                    <a:pt x="554831" y="52388"/>
-                    <a:pt x="557212" y="45244"/>
-                    <a:pt x="557212" y="38100"/>
-                  </a:cubicBezTo>
-                  <a:cubicBezTo>
-                    <a:pt x="557212" y="16669"/>
-                    <a:pt x="540544" y="0"/>
-                    <a:pt x="519112" y="0"/>
-                  </a:cubicBezTo>
-                  <a:lnTo>
-                    <a:pt x="361950" y="0"/>
-                  </a:lnTo>
-                  <a:lnTo>
-                    <a:pt x="361950" y="0"/>
-                  </a:lnTo>
-                  <a:lnTo>
-                    <a:pt x="209550" y="0"/>
-                  </a:lnTo>
-                  <a:lnTo>
-                    <a:pt x="0" y="278606"/>
-                  </a:lnTo>
-                  <a:lnTo>
-                    <a:pt x="150019" y="278606"/>
-                  </a:lnTo>
-                  <a:lnTo>
-                    <a:pt x="319087" y="278606"/>
-                  </a:lnTo>
-                  <a:cubicBezTo>
-                    <a:pt x="361950" y="278606"/>
-                    <a:pt x="397669" y="259556"/>
-                    <a:pt x="421481" y="228600"/>
-                  </a:cubicBezTo>
-                  <a:lnTo>
-                    <a:pt x="450056" y="190500"/>
-                  </a:lnTo>
-                  <a:cubicBezTo>
-                    <a:pt x="454819" y="185738"/>
-                    <a:pt x="454819" y="178594"/>
-                    <a:pt x="454819" y="171450"/>
-                  </a:cubicBezTo>
-                  <a:cubicBezTo>
-                    <a:pt x="459581" y="159544"/>
-                    <a:pt x="454819" y="150019"/>
-                    <a:pt x="447675" y="145256"/>
-                  </a:cubicBezTo>
-                  <a:lnTo>
-                    <a:pt x="447675" y="145256"/>
-                  </a:lnTo>
-                  <a:close/>
-                  <a:moveTo>
-                    <a:pt x="307181" y="180975"/>
-                  </a:moveTo>
-                  <a:lnTo>
-                    <a:pt x="288131" y="204788"/>
-                  </a:lnTo>
-                  <a:cubicBezTo>
-                    <a:pt x="280987" y="211931"/>
-                    <a:pt x="271462" y="219075"/>
-                    <a:pt x="261938" y="219075"/>
-                  </a:cubicBezTo>
-                  <a:lnTo>
-                    <a:pt x="200025" y="219075"/>
-                  </a:lnTo>
-                  <a:lnTo>
-                    <a:pt x="240506" y="164306"/>
-                  </a:lnTo>
-                  <a:lnTo>
-                    <a:pt x="300037" y="164306"/>
-                  </a:lnTo>
-                  <a:cubicBezTo>
-                    <a:pt x="304800" y="164306"/>
-                    <a:pt x="309563" y="169069"/>
-                    <a:pt x="309563" y="173831"/>
-                  </a:cubicBezTo>
-                  <a:cubicBezTo>
-                    <a:pt x="307181" y="176213"/>
-                    <a:pt x="307181" y="178594"/>
-                    <a:pt x="307181" y="180975"/>
-                  </a:cubicBezTo>
-                  <a:lnTo>
-                    <a:pt x="307181" y="180975"/>
-                  </a:lnTo>
-                  <a:close/>
-                  <a:moveTo>
-                    <a:pt x="388144" y="71437"/>
-                  </a:moveTo>
-                  <a:lnTo>
-                    <a:pt x="371475" y="92869"/>
-                  </a:lnTo>
-                  <a:cubicBezTo>
-                    <a:pt x="364331" y="100013"/>
-                    <a:pt x="354806" y="107156"/>
-                    <a:pt x="345281" y="107156"/>
-                  </a:cubicBezTo>
-                  <a:lnTo>
-                    <a:pt x="283369" y="107156"/>
-                  </a:lnTo>
-                  <a:lnTo>
-                    <a:pt x="321469" y="57150"/>
-                  </a:lnTo>
-                  <a:lnTo>
-                    <a:pt x="381000" y="57150"/>
-                  </a:lnTo>
-                  <a:cubicBezTo>
-                    <a:pt x="385763" y="57150"/>
-                    <a:pt x="390525" y="61912"/>
-                    <a:pt x="390525" y="66675"/>
-                  </a:cubicBezTo>
-                  <a:cubicBezTo>
-                    <a:pt x="390525" y="69056"/>
-                    <a:pt x="388144" y="71437"/>
-                    <a:pt x="388144" y="71437"/>
-                  </a:cubicBezTo>
-                  <a:lnTo>
-                    <a:pt x="388144" y="71437"/>
-                  </a:lnTo>
-                  <a:close/>
-                </a:path>
-              </a:pathLst>
-            </a:custGeom>
-            <a:grpFill/>
-            <a:ln w="23813" cap="flat">
-              <a:noFill/>
-              <a:prstDash val="solid"/>
-              <a:miter/>
-            </a:ln>
-          </p:spPr>
-          <p:txBody>
-            <a:bodyPr rtlCol="0" anchor="ctr"/>
-            <a:lstStyle/>
-            <a:p>
-              <a:endParaRPr/>
-            </a:p>
-          </p:txBody>
-        </p:sp>
-      </p:grpSp>
-    </p:spTree>
-    <p:extLst>
-      <p:ext uri="{BB962C8B-B14F-4D97-AF65-F5344CB8AC3E}">
-        <p14:creationId xmlns:p14="http://schemas.microsoft.com/office/powerpoint/2010/main" val="1148027896"/>
-      </p:ext>
-    </p:extLst>
-  </p:cSld>
-  <p:clrMapOvr>
-    <a:masterClrMapping/>
-  </p:clrMapOvr>
-  <mc:AlternateContent xmlns:mc="http://schemas.openxmlformats.org/markup-compatibility/2006" xmlns:p14="http://schemas.microsoft.com/office/powerpoint/2010/main">
-    <mc:Choice Requires="p14">
-      <p:transition spd="med" p14:dur="700">
-        <p:fade/>
-      </p:transition>
-    </mc:Choice>
-    <mc:Fallback xmlns="">
-      <p:transition spd="med">
-        <p:fade/>
-      </p:transition>
-    </mc:Fallback>
-  </mc:AlternateContent>
-  <p:timing>
-    <p:tnLst>
-      <p:par>
-        <p:cTn id="1" dur="indefinite" restart="never" nodeType="tmRoot"/>
-      </p:par>
-    </p:tnLst>
-  </p:timing>
-</p:sld>
-</file>
-
-<file path=ppt/slides/slide2.xml><?xml version="1.0" encoding="utf-8"?>
-<p:sld xmlns:a="http://schemas.openxmlformats.org/drawingml/2006/main" xmlns:r="http://schemas.openxmlformats.org/officeDocument/2006/relationships" xmlns:p="http://schemas.openxmlformats.org/presentationml/2006/main">
-  <p:cSld>
-    <p:spTree>
-      <p:nvGrpSpPr>
-        <p:cNvPr id="1" name=""/>
-        <p:cNvGrpSpPr/>
-        <p:nvPr/>
-      </p:nvGrpSpPr>
-      <p:grpSpPr>
-        <a:xfrm>
-          <a:off x="0" y="0"/>
-          <a:ext cx="0" cy="0"/>
-          <a:chOff x="0" y="0"/>
-          <a:chExt cx="0" cy="0"/>
-        </a:xfrm>
-      </p:grpSpPr>
-      <p:sp>
-        <p:nvSpPr>
-          <p:cNvPr id="2" name="Title 1">
-            <a:extLst>
-              <a:ext uri="{FF2B5EF4-FFF2-40B4-BE49-F238E27FC236}">
-                <a16:creationId xmlns:a16="http://schemas.microsoft.com/office/drawing/2014/main" id="{20576923-0B52-4381-BD89-CAE2AA9169FB}"/>
-              </a:ext>
-            </a:extLst>
-          </p:cNvPr>
-          <p:cNvSpPr>
-            <a:spLocks noGrp="1"/>
-          </p:cNvSpPr>
-          <p:nvPr>
-            <p:ph type="title"/>
-          </p:nvPr>
-        </p:nvSpPr>
-        <p:spPr/>
-        <p:txBody>
-          <a:bodyPr/>
-          <a:lstStyle/>
-          <a:p>
-            <a:endParaRPr lang="en-US"/>
-          </a:p>
-        </p:txBody>
-      </p:sp>
-      <p:sp>
-        <p:nvSpPr>
-          <p:cNvPr id="3" name="Content Placeholder 2">
-            <a:extLst>
-              <a:ext uri="{FF2B5EF4-FFF2-40B4-BE49-F238E27FC236}">
-                <a16:creationId xmlns:a16="http://schemas.microsoft.com/office/drawing/2014/main" id="{828D7F21-4450-4889-A0BB-F1EAAE9BC25C}"/>
-              </a:ext>
-            </a:extLst>
-          </p:cNvPr>
-          <p:cNvSpPr>
-            <a:spLocks noGrp="1"/>
-          </p:cNvSpPr>
-          <p:nvPr>
-            <p:ph idx="1"/>
-          </p:nvPr>
-        </p:nvSpPr>
-        <p:spPr/>
-        <p:txBody>
-          <a:bodyPr/>
-          <a:lstStyle/>
-          <a:p>
-            <a:endParaRPr lang="en-US" dirty="0"/>
-          </a:p>
-        </p:txBody>
-      </p:sp>
-    </p:spTree>
-    <p:extLst>
-      <p:ext uri="{BB962C8B-B14F-4D97-AF65-F5344CB8AC3E}">
-        <p14:creationId xmlns:p14="http://schemas.microsoft.com/office/powerpoint/2010/main" val="2129614991"/>
-      </p:ext>
-    </p:extLst>
-  </p:cSld>
-  <p:clrMapOvr>
-    <a:masterClrMapping/>
-  </p:clrMapOvr>
-  <mc:AlternateContent xmlns:mc="http://schemas.openxmlformats.org/markup-compatibility/2006" xmlns:p14="http://schemas.microsoft.com/office/powerpoint/2010/main">
-    <mc:Choice Requires="p14">
-      <p:transition spd="med" p14:dur="700">
-        <p:fade/>
-      </p:transition>
-    </mc:Choice>
-    <mc:Fallback xmlns="">
-      <p:transition spd="med">
-        <p:fade/>
-      </p:transition>
-    </mc:Fallback>
-  </mc:AlternateContent>
-  <p:timing>
-    <p:tnLst>
-      <p:par>
-        <p:cTn id="1" dur="indefinite" restart="never" nodeType="tmRoot"/>
-      </p:par>
-    </p:tnLst>
-  </p:timing>
-</p:sld>
-</file>
-
-<file path=ppt/slides/slide3.xml><?xml version="1.0" encoding="utf-8"?>
-<p:sld xmlns:a="http://schemas.openxmlformats.org/drawingml/2006/main" xmlns:r="http://schemas.openxmlformats.org/officeDocument/2006/relationships" xmlns:p="http://schemas.openxmlformats.org/presentationml/2006/main">
-  <p:cSld>
-    <p:spTree>
-      <p:nvGrpSpPr>
-        <p:cNvPr id="1" name=""/>
-        <p:cNvGrpSpPr/>
-        <p:nvPr/>
-      </p:nvGrpSpPr>
-      <p:grpSpPr>
-        <a:xfrm>
-          <a:off x="0" y="0"/>
-          <a:ext cx="0" cy="0"/>
-          <a:chOff x="0" y="0"/>
-          <a:chExt cx="0" cy="0"/>
-        </a:xfrm>
-      </p:grpSpPr>
-    </p:spTree>
-    <p:extLst>
-      <p:ext uri="{BB962C8B-B14F-4D97-AF65-F5344CB8AC3E}">
-        <p14:creationId xmlns:p14="http://schemas.microsoft.com/office/powerpoint/2010/main" val="1081825368"/>
-      </p:ext>
-    </p:extLst>
-  </p:cSld>
-  <p:clrMapOvr>
-    <a:masterClrMapping/>
-  </p:clrMapOvr>
-  <mc:AlternateContent xmlns:mc="http://schemas.openxmlformats.org/markup-compatibility/2006" xmlns:p14="http://schemas.microsoft.com/office/powerpoint/2010/main">
-    <mc:Choice Requires="p14">
-      <p:transition spd="med" p14:dur="700">
-        <p:fade/>
-      </p:transition>
-    </mc:Choice>
-    <mc:Fallback xmlns="">
-      <p:transition spd="med">
-        <p:fade/>
-      </p:transition>
-    </mc:Fallback>
-  </mc:AlternateContent>
-</p:sld>
-</file>
-
-<file path=ppt/slides/slide4.xml><?xml version="1.0" encoding="utf-8"?>
 <p:sld xmlns:a="http://schemas.openxmlformats.org/drawingml/2006/main" xmlns:r="http://schemas.openxmlformats.org/officeDocument/2006/relationships" xmlns:p="http://schemas.openxmlformats.org/presentationml/2006/main">
   <p:cSld>
     <p:spTree>
@@ -30065,6 +25404,65 @@
 </file>
 
 <file path=customXml/item1.xml><?xml version="1.0" encoding="utf-8"?>
+<?mso-contentType ?>
+<FormTemplates xmlns="http://schemas.microsoft.com/sharepoint/v3/contenttype/forms">
+  <Display>DocumentLibraryForm</Display>
+  <Edit>DocumentLibraryForm</Edit>
+  <New>DocumentLibraryForm</New>
+</FormTemplates>
+</file>
+
+<file path=customXml/item2.xml><?xml version="1.0" encoding="utf-8"?>
+<?mso-contentType ?>
+<spe:Receivers xmlns:spe="http://schemas.microsoft.com/sharepoint/events">
+  <Receiver>
+    <Name>Document ID Generator</Name>
+    <Synchronization>Synchronous</Synchronization>
+    <Type>10001</Type>
+    <SequenceNumber>1000</SequenceNumber>
+    <Url/>
+    <Assembly>Microsoft.Office.DocumentManagement, Version=15.0.0.0, Culture=neutral, PublicKeyToken=71e9bce111e9429c</Assembly>
+    <Class>Microsoft.Office.DocumentManagement.Internal.DocIdHandler</Class>
+    <Data/>
+    <Filter/>
+  </Receiver>
+  <Receiver>
+    <Name>Document ID Generator</Name>
+    <Synchronization>Synchronous</Synchronization>
+    <Type>10002</Type>
+    <SequenceNumber>1001</SequenceNumber>
+    <Url/>
+    <Assembly>Microsoft.Office.DocumentManagement, Version=15.0.0.0, Culture=neutral, PublicKeyToken=71e9bce111e9429c</Assembly>
+    <Class>Microsoft.Office.DocumentManagement.Internal.DocIdHandler</Class>
+    <Data/>
+    <Filter/>
+  </Receiver>
+  <Receiver>
+    <Name>Document ID Generator</Name>
+    <Synchronization>Synchronous</Synchronization>
+    <Type>10004</Type>
+    <SequenceNumber>1002</SequenceNumber>
+    <Url/>
+    <Assembly>Microsoft.Office.DocumentManagement, Version=15.0.0.0, Culture=neutral, PublicKeyToken=71e9bce111e9429c</Assembly>
+    <Class>Microsoft.Office.DocumentManagement.Internal.DocIdHandler</Class>
+    <Data/>
+    <Filter/>
+  </Receiver>
+  <Receiver>
+    <Name>Document ID Generator</Name>
+    <Synchronization>Synchronous</Synchronization>
+    <Type>10006</Type>
+    <SequenceNumber>1003</SequenceNumber>
+    <Url/>
+    <Assembly>Microsoft.Office.DocumentManagement, Version=15.0.0.0, Culture=neutral, PublicKeyToken=71e9bce111e9429c</Assembly>
+    <Class>Microsoft.Office.DocumentManagement.Internal.DocIdHandler</Class>
+    <Data/>
+    <Filter/>
+  </Receiver>
+</spe:Receivers>
+</file>
+
+<file path=customXml/item3.xml><?xml version="1.0" encoding="utf-8"?>
 <ct:contentTypeSchema xmlns:ct="http://schemas.microsoft.com/office/2006/metadata/contentType" xmlns:ma="http://schemas.microsoft.com/office/2006/metadata/properties/metaAttributes" ct:_="" ma:_="" ma:contentTypeName="Document" ma:contentTypeID="0x0101000811A1C7AD39ED4F9DE761BCC3050A39" ma:contentTypeVersion="2" ma:contentTypeDescription="Create a new document." ma:contentTypeScope="" ma:versionID="c5b662a403d8c7e6bb83650325cfaf42">
   <xsd:schema xmlns:xsd="http://www.w3.org/2001/XMLSchema" xmlns:xs="http://www.w3.org/2001/XMLSchema" xmlns:p="http://schemas.microsoft.com/office/2006/metadata/properties" xmlns:ns1="http://schemas.microsoft.com/sharepoint/v3" xmlns:ns2="09745d5e-805a-47db-bf89-ab659feb6db3" targetNamespace="http://schemas.microsoft.com/office/2006/metadata/properties" ma:root="true" ma:fieldsID="17afa3f3ad6e96a10f370d28016b8bf6" ns1:_="" ns2:_="">
     <xsd:import namespace="http://schemas.microsoft.com/sharepoint/v3"/>
@@ -30226,65 +25624,6 @@
 </ct:contentTypeSchema>
 </file>
 
-<file path=customXml/item2.xml><?xml version="1.0" encoding="utf-8"?>
-<?mso-contentType ?>
-<spe:Receivers xmlns:spe="http://schemas.microsoft.com/sharepoint/events">
-  <Receiver>
-    <Name>Document ID Generator</Name>
-    <Synchronization>Synchronous</Synchronization>
-    <Type>10001</Type>
-    <SequenceNumber>1000</SequenceNumber>
-    <Url/>
-    <Assembly>Microsoft.Office.DocumentManagement, Version=15.0.0.0, Culture=neutral, PublicKeyToken=71e9bce111e9429c</Assembly>
-    <Class>Microsoft.Office.DocumentManagement.Internal.DocIdHandler</Class>
-    <Data/>
-    <Filter/>
-  </Receiver>
-  <Receiver>
-    <Name>Document ID Generator</Name>
-    <Synchronization>Synchronous</Synchronization>
-    <Type>10002</Type>
-    <SequenceNumber>1001</SequenceNumber>
-    <Url/>
-    <Assembly>Microsoft.Office.DocumentManagement, Version=15.0.0.0, Culture=neutral, PublicKeyToken=71e9bce111e9429c</Assembly>
-    <Class>Microsoft.Office.DocumentManagement.Internal.DocIdHandler</Class>
-    <Data/>
-    <Filter/>
-  </Receiver>
-  <Receiver>
-    <Name>Document ID Generator</Name>
-    <Synchronization>Synchronous</Synchronization>
-    <Type>10004</Type>
-    <SequenceNumber>1002</SequenceNumber>
-    <Url/>
-    <Assembly>Microsoft.Office.DocumentManagement, Version=15.0.0.0, Culture=neutral, PublicKeyToken=71e9bce111e9429c</Assembly>
-    <Class>Microsoft.Office.DocumentManagement.Internal.DocIdHandler</Class>
-    <Data/>
-    <Filter/>
-  </Receiver>
-  <Receiver>
-    <Name>Document ID Generator</Name>
-    <Synchronization>Synchronous</Synchronization>
-    <Type>10006</Type>
-    <SequenceNumber>1003</SequenceNumber>
-    <Url/>
-    <Assembly>Microsoft.Office.DocumentManagement, Version=15.0.0.0, Culture=neutral, PublicKeyToken=71e9bce111e9429c</Assembly>
-    <Class>Microsoft.Office.DocumentManagement.Internal.DocIdHandler</Class>
-    <Data/>
-    <Filter/>
-  </Receiver>
-</spe:Receivers>
-</file>
-
-<file path=customXml/item3.xml><?xml version="1.0" encoding="utf-8"?>
-<?mso-contentType ?>
-<FormTemplates xmlns="http://schemas.microsoft.com/sharepoint/v3/contenttype/forms">
-  <Display>DocumentLibraryForm</Display>
-  <Edit>DocumentLibraryForm</Edit>
-  <New>DocumentLibraryForm</New>
-</FormTemplates>
-</file>
-
 <file path=customXml/item4.xml><?xml version="1.0" encoding="utf-8"?>
 <p:properties xmlns:p="http://schemas.microsoft.com/office/2006/metadata/properties" xmlns:xsi="http://www.w3.org/2001/XMLSchema-instance" xmlns:pc="http://schemas.microsoft.com/office/infopath/2007/PartnerControls">
   <documentManagement>
@@ -30300,6 +25639,22 @@
 </file>
 
 <file path=customXml/itemProps1.xml><?xml version="1.0" encoding="utf-8"?>
+<ds:datastoreItem xmlns:ds="http://schemas.openxmlformats.org/officeDocument/2006/customXml" ds:itemID="{A4F1B9B8-FFE5-477D-B1D0-34A6D05170B0}">
+  <ds:schemaRefs>
+    <ds:schemaRef ds:uri="http://schemas.microsoft.com/sharepoint/v3/contenttype/forms"/>
+  </ds:schemaRefs>
+</ds:datastoreItem>
+</file>
+
+<file path=customXml/itemProps2.xml><?xml version="1.0" encoding="utf-8"?>
+<ds:datastoreItem xmlns:ds="http://schemas.openxmlformats.org/officeDocument/2006/customXml" ds:itemID="{3C6FC473-8A72-443C-99BD-71A5915D301C}">
+  <ds:schemaRefs>
+    <ds:schemaRef ds:uri="http://schemas.microsoft.com/sharepoint/events"/>
+  </ds:schemaRefs>
+</ds:datastoreItem>
+</file>
+
+<file path=customXml/itemProps3.xml><?xml version="1.0" encoding="utf-8"?>
 <ds:datastoreItem xmlns:ds="http://schemas.openxmlformats.org/officeDocument/2006/customXml" ds:itemID="{1A7C225A-3F85-40E2-ACF8-991D75A18EBB}">
   <ds:schemaRefs>
     <ds:schemaRef ds:uri="http://schemas.microsoft.com/office/2006/metadata/contentType"/>
@@ -30314,22 +25669,6 @@
     <ds:schemaRef ds:uri="http://purl.org/dc/elements/1.1/"/>
     <ds:schemaRef ds:uri="http://purl.org/dc/terms/"/>
     <ds:schemaRef ds:uri="http://schemas.microsoft.com/internal/obd"/>
-  </ds:schemaRefs>
-</ds:datastoreItem>
-</file>
-
-<file path=customXml/itemProps2.xml><?xml version="1.0" encoding="utf-8"?>
-<ds:datastoreItem xmlns:ds="http://schemas.openxmlformats.org/officeDocument/2006/customXml" ds:itemID="{3C6FC473-8A72-443C-99BD-71A5915D301C}">
-  <ds:schemaRefs>
-    <ds:schemaRef ds:uri="http://schemas.microsoft.com/sharepoint/events"/>
-  </ds:schemaRefs>
-</ds:datastoreItem>
-</file>
-
-<file path=customXml/itemProps3.xml><?xml version="1.0" encoding="utf-8"?>
-<ds:datastoreItem xmlns:ds="http://schemas.openxmlformats.org/officeDocument/2006/customXml" ds:itemID="{A4F1B9B8-FFE5-477D-B1D0-34A6D05170B0}">
-  <ds:schemaRefs>
-    <ds:schemaRef ds:uri="http://schemas.microsoft.com/sharepoint/v3/contenttype/forms"/>
   </ds:schemaRefs>
 </ds:datastoreItem>
 </file>
